--- a/PowerPoint.pptx
+++ b/PowerPoint.pptx
@@ -7,12 +7,18 @@
   <p:sldIdLst>
     <p:sldId id="256" r:id="rId2"/>
     <p:sldId id="257" r:id="rId3"/>
-    <p:sldId id="258" r:id="rId4"/>
-    <p:sldId id="259" r:id="rId5"/>
-    <p:sldId id="260" r:id="rId6"/>
-    <p:sldId id="261" r:id="rId7"/>
-    <p:sldId id="262" r:id="rId8"/>
-    <p:sldId id="263" r:id="rId9"/>
+    <p:sldId id="270" r:id="rId4"/>
+    <p:sldId id="258" r:id="rId5"/>
+    <p:sldId id="265" r:id="rId6"/>
+    <p:sldId id="259" r:id="rId7"/>
+    <p:sldId id="266" r:id="rId8"/>
+    <p:sldId id="260" r:id="rId9"/>
+    <p:sldId id="267" r:id="rId10"/>
+    <p:sldId id="261" r:id="rId11"/>
+    <p:sldId id="268" r:id="rId12"/>
+    <p:sldId id="262" r:id="rId13"/>
+    <p:sldId id="269" r:id="rId14"/>
+    <p:sldId id="263" r:id="rId15"/>
   </p:sldIdLst>
   <p:sldSz cx="12192000" cy="6858000"/>
   <p:notesSz cx="6858000" cy="9144000"/>
@@ -161,7 +167,7 @@
           </a:lstStyle>
           <a:p>
             <a:r>
-              <a:rPr lang="fr-FR" smtClean="0"/>
+              <a:rPr lang="fr-FR"/>
               <a:t>Modifiez le style du titre</a:t>
             </a:r>
             <a:endParaRPr lang="en-US" dirty="0"/>
@@ -281,7 +287,7 @@
           </a:lstStyle>
           <a:p>
             <a:r>
-              <a:rPr lang="fr-FR" smtClean="0"/>
+              <a:rPr lang="fr-FR"/>
               <a:t>Modifier le style des sous-titres du masque</a:t>
             </a:r>
             <a:endParaRPr lang="en-US" dirty="0"/>
@@ -305,7 +311,7 @@
           <a:p>
             <a:fld id="{D80CE239-59DB-48CE-8A15-ECA8C08B09DF}" type="datetimeFigureOut">
               <a:rPr lang="en-US" smtClean="0"/>
-              <a:t>1/3/2024</a:t>
+              <a:t>1/6/2024</a:t>
             </a:fld>
             <a:endParaRPr lang="en-US"/>
           </a:p>
@@ -347,7 +353,7 @@
           <a:p>
             <a:fld id="{1E75E2F2-7FCA-48A1-B697-879262767C1D}" type="slidenum">
               <a:rPr lang="en-US" smtClean="0"/>
-              <a:t>‹N°›</a:t>
+              <a:t>‹#›</a:t>
             </a:fld>
             <a:endParaRPr lang="en-US"/>
           </a:p>
@@ -410,7 +416,7 @@
           </a:lstStyle>
           <a:p>
             <a:r>
-              <a:rPr lang="fr-FR" smtClean="0"/>
+              <a:rPr lang="fr-FR"/>
               <a:t>Modifiez le style du titre</a:t>
             </a:r>
             <a:endParaRPr lang="en-US" dirty="0"/>
@@ -489,7 +495,7 @@
           </a:lstStyle>
           <a:p>
             <a:r>
-              <a:rPr lang="fr-FR" smtClean="0"/>
+              <a:rPr lang="fr-FR"/>
               <a:t>Cliquez sur l'icône pour ajouter une image</a:t>
             </a:r>
             <a:endParaRPr lang="en-US" dirty="0"/>
@@ -557,7 +563,7 @@
           <a:p>
             <a:pPr lvl="0"/>
             <a:r>
-              <a:rPr lang="fr-FR" smtClean="0"/>
+              <a:rPr lang="fr-FR"/>
               <a:t>Modifier les styles du texte du masque</a:t>
             </a:r>
           </a:p>
@@ -580,7 +586,7 @@
           <a:p>
             <a:fld id="{D80CE239-59DB-48CE-8A15-ECA8C08B09DF}" type="datetimeFigureOut">
               <a:rPr lang="en-US" smtClean="0"/>
-              <a:t>1/3/2024</a:t>
+              <a:t>1/6/2024</a:t>
             </a:fld>
             <a:endParaRPr lang="en-US"/>
           </a:p>
@@ -622,7 +628,7 @@
           <a:p>
             <a:fld id="{1E75E2F2-7FCA-48A1-B697-879262767C1D}" type="slidenum">
               <a:rPr lang="en-US" smtClean="0"/>
-              <a:t>‹N°›</a:t>
+              <a:t>‹#›</a:t>
             </a:fld>
             <a:endParaRPr lang="en-US"/>
           </a:p>
@@ -683,7 +689,7 @@
           </a:lstStyle>
           <a:p>
             <a:r>
-              <a:rPr lang="fr-FR" smtClean="0"/>
+              <a:rPr lang="fr-FR"/>
               <a:t>Modifiez le style du titre</a:t>
             </a:r>
             <a:endParaRPr lang="en-US" dirty="0"/>
@@ -751,7 +757,7 @@
           <a:p>
             <a:pPr lvl="0"/>
             <a:r>
-              <a:rPr lang="fr-FR" smtClean="0"/>
+              <a:rPr lang="fr-FR"/>
               <a:t>Modifier les styles du texte du masque</a:t>
             </a:r>
           </a:p>
@@ -774,7 +780,7 @@
           <a:p>
             <a:fld id="{D80CE239-59DB-48CE-8A15-ECA8C08B09DF}" type="datetimeFigureOut">
               <a:rPr lang="en-US" smtClean="0"/>
-              <a:t>1/3/2024</a:t>
+              <a:t>1/6/2024</a:t>
             </a:fld>
             <a:endParaRPr lang="en-US"/>
           </a:p>
@@ -816,7 +822,7 @@
           <a:p>
             <a:fld id="{1E75E2F2-7FCA-48A1-B697-879262767C1D}" type="slidenum">
               <a:rPr lang="en-US" smtClean="0"/>
-              <a:t>‹N°›</a:t>
+              <a:t>‹#›</a:t>
             </a:fld>
             <a:endParaRPr lang="en-US"/>
           </a:p>
@@ -877,7 +883,7 @@
           </a:lstStyle>
           <a:p>
             <a:r>
-              <a:rPr lang="fr-FR" smtClean="0"/>
+              <a:rPr lang="fr-FR"/>
               <a:t>Modifiez le style du titre</a:t>
             </a:r>
             <a:endParaRPr lang="en-US" dirty="0"/>
@@ -955,7 +961,7 @@
           <a:p>
             <a:pPr lvl="0"/>
             <a:r>
-              <a:rPr lang="fr-FR" smtClean="0"/>
+              <a:rPr lang="fr-FR"/>
               <a:t>Modifier les styles du texte du masque</a:t>
             </a:r>
           </a:p>
@@ -1022,7 +1028,7 @@
           <a:p>
             <a:pPr lvl="0"/>
             <a:r>
-              <a:rPr lang="fr-FR" smtClean="0"/>
+              <a:rPr lang="fr-FR"/>
               <a:t>Modifier les styles du texte du masque</a:t>
             </a:r>
           </a:p>
@@ -1045,7 +1051,7 @@
           <a:p>
             <a:fld id="{D80CE239-59DB-48CE-8A15-ECA8C08B09DF}" type="datetimeFigureOut">
               <a:rPr lang="en-US" smtClean="0"/>
-              <a:t>1/3/2024</a:t>
+              <a:t>1/6/2024</a:t>
             </a:fld>
             <a:endParaRPr lang="en-US"/>
           </a:p>
@@ -1087,7 +1093,7 @@
           <a:p>
             <a:fld id="{1E75E2F2-7FCA-48A1-B697-879262767C1D}" type="slidenum">
               <a:rPr lang="en-US" smtClean="0"/>
-              <a:t>‹N°›</a:t>
+              <a:t>‹#›</a:t>
             </a:fld>
             <a:endParaRPr lang="en-US"/>
           </a:p>
@@ -1228,7 +1234,7 @@
           </a:lstStyle>
           <a:p>
             <a:r>
-              <a:rPr lang="fr-FR" smtClean="0"/>
+              <a:rPr lang="fr-FR"/>
               <a:t>Modifiez le style du titre</a:t>
             </a:r>
             <a:endParaRPr lang="en-US" dirty="0"/>
@@ -1349,7 +1355,7 @@
           <a:p>
             <a:pPr lvl="0"/>
             <a:r>
-              <a:rPr lang="fr-FR" smtClean="0"/>
+              <a:rPr lang="fr-FR"/>
               <a:t>Modifier les styles du texte du masque</a:t>
             </a:r>
           </a:p>
@@ -1372,7 +1378,7 @@
           <a:p>
             <a:fld id="{D80CE239-59DB-48CE-8A15-ECA8C08B09DF}" type="datetimeFigureOut">
               <a:rPr lang="en-US" smtClean="0"/>
-              <a:t>1/3/2024</a:t>
+              <a:t>1/6/2024</a:t>
             </a:fld>
             <a:endParaRPr lang="en-US"/>
           </a:p>
@@ -1414,7 +1420,7 @@
           <a:p>
             <a:fld id="{1E75E2F2-7FCA-48A1-B697-879262767C1D}" type="slidenum">
               <a:rPr lang="en-US" smtClean="0"/>
-              <a:t>‹N°›</a:t>
+              <a:t>‹#›</a:t>
             </a:fld>
             <a:endParaRPr lang="en-US"/>
           </a:p>
@@ -1470,7 +1476,7 @@
           </a:lstStyle>
           <a:p>
             <a:r>
-              <a:rPr lang="fr-FR" smtClean="0"/>
+              <a:rPr lang="fr-FR"/>
               <a:t>Modifiez le style du titre</a:t>
             </a:r>
             <a:endParaRPr lang="en-US" dirty="0"/>
@@ -1545,7 +1551,7 @@
           <a:p>
             <a:pPr lvl="0"/>
             <a:r>
-              <a:rPr lang="fr-FR" smtClean="0"/>
+              <a:rPr lang="fr-FR"/>
               <a:t>Modifier les styles du texte du masque</a:t>
             </a:r>
           </a:p>
@@ -1612,7 +1618,7 @@
           <a:p>
             <a:pPr lvl="0"/>
             <a:r>
-              <a:rPr lang="fr-FR" smtClean="0"/>
+              <a:rPr lang="fr-FR"/>
               <a:t>Modifier les styles du texte du masque</a:t>
             </a:r>
           </a:p>
@@ -1686,7 +1692,7 @@
           <a:p>
             <a:pPr lvl="0"/>
             <a:r>
-              <a:rPr lang="fr-FR" smtClean="0"/>
+              <a:rPr lang="fr-FR"/>
               <a:t>Modifier les styles du texte du masque</a:t>
             </a:r>
           </a:p>
@@ -1753,7 +1759,7 @@
           <a:p>
             <a:pPr lvl="0"/>
             <a:r>
-              <a:rPr lang="fr-FR" smtClean="0"/>
+              <a:rPr lang="fr-FR"/>
               <a:t>Modifier les styles du texte du masque</a:t>
             </a:r>
           </a:p>
@@ -1827,7 +1833,7 @@
           <a:p>
             <a:pPr lvl="0"/>
             <a:r>
-              <a:rPr lang="fr-FR" smtClean="0"/>
+              <a:rPr lang="fr-FR"/>
               <a:t>Modifier les styles du texte du masque</a:t>
             </a:r>
           </a:p>
@@ -1894,7 +1900,7 @@
           <a:p>
             <a:pPr lvl="0"/>
             <a:r>
-              <a:rPr lang="fr-FR" smtClean="0"/>
+              <a:rPr lang="fr-FR"/>
               <a:t>Modifier les styles du texte du masque</a:t>
             </a:r>
           </a:p>
@@ -1991,7 +1997,7 @@
           <a:p>
             <a:fld id="{D80CE239-59DB-48CE-8A15-ECA8C08B09DF}" type="datetimeFigureOut">
               <a:rPr lang="en-US" smtClean="0"/>
-              <a:t>1/3/2024</a:t>
+              <a:t>1/6/2024</a:t>
             </a:fld>
             <a:endParaRPr lang="en-US"/>
           </a:p>
@@ -2033,7 +2039,7 @@
           <a:p>
             <a:fld id="{1E75E2F2-7FCA-48A1-B697-879262767C1D}" type="slidenum">
               <a:rPr lang="en-US" smtClean="0"/>
-              <a:t>‹N°›</a:t>
+              <a:t>‹#›</a:t>
             </a:fld>
             <a:endParaRPr lang="en-US"/>
           </a:p>
@@ -2089,7 +2095,7 @@
           </a:lstStyle>
           <a:p>
             <a:r>
-              <a:rPr lang="fr-FR" smtClean="0"/>
+              <a:rPr lang="fr-FR"/>
               <a:t>Modifiez le style du titre</a:t>
             </a:r>
             <a:endParaRPr lang="en-US" dirty="0"/>
@@ -2161,7 +2167,7 @@
           <a:p>
             <a:pPr lvl="0"/>
             <a:r>
-              <a:rPr lang="fr-FR" smtClean="0"/>
+              <a:rPr lang="fr-FR"/>
               <a:t>Modifier les styles du texte du masque</a:t>
             </a:r>
           </a:p>
@@ -2239,7 +2245,7 @@
           </a:lstStyle>
           <a:p>
             <a:r>
-              <a:rPr lang="fr-FR" smtClean="0"/>
+              <a:rPr lang="fr-FR"/>
               <a:t>Cliquez sur l'icône pour ajouter une image</a:t>
             </a:r>
             <a:endParaRPr lang="en-US" dirty="0"/>
@@ -2307,7 +2313,7 @@
           <a:p>
             <a:pPr lvl="0"/>
             <a:r>
-              <a:rPr lang="fr-FR" smtClean="0"/>
+              <a:rPr lang="fr-FR"/>
               <a:t>Modifier les styles du texte du masque</a:t>
             </a:r>
           </a:p>
@@ -2378,7 +2384,7 @@
           <a:p>
             <a:pPr lvl="0"/>
             <a:r>
-              <a:rPr lang="fr-FR" smtClean="0"/>
+              <a:rPr lang="fr-FR"/>
               <a:t>Modifier les styles du texte du masque</a:t>
             </a:r>
           </a:p>
@@ -2456,7 +2462,7 @@
           </a:lstStyle>
           <a:p>
             <a:r>
-              <a:rPr lang="fr-FR" smtClean="0"/>
+              <a:rPr lang="fr-FR"/>
               <a:t>Cliquez sur l'icône pour ajouter une image</a:t>
             </a:r>
             <a:endParaRPr lang="en-US" dirty="0"/>
@@ -2524,7 +2530,7 @@
           <a:p>
             <a:pPr lvl="0"/>
             <a:r>
-              <a:rPr lang="fr-FR" smtClean="0"/>
+              <a:rPr lang="fr-FR"/>
               <a:t>Modifier les styles du texte du masque</a:t>
             </a:r>
           </a:p>
@@ -2595,7 +2601,7 @@
           <a:p>
             <a:pPr lvl="0"/>
             <a:r>
-              <a:rPr lang="fr-FR" smtClean="0"/>
+              <a:rPr lang="fr-FR"/>
               <a:t>Modifier les styles du texte du masque</a:t>
             </a:r>
           </a:p>
@@ -2673,7 +2679,7 @@
           </a:lstStyle>
           <a:p>
             <a:r>
-              <a:rPr lang="fr-FR" smtClean="0"/>
+              <a:rPr lang="fr-FR"/>
               <a:t>Cliquez sur l'icône pour ajouter une image</a:t>
             </a:r>
             <a:endParaRPr lang="en-US" dirty="0"/>
@@ -2741,7 +2747,7 @@
           <a:p>
             <a:pPr lvl="0"/>
             <a:r>
-              <a:rPr lang="fr-FR" smtClean="0"/>
+              <a:rPr lang="fr-FR"/>
               <a:t>Modifier les styles du texte du masque</a:t>
             </a:r>
           </a:p>
@@ -2838,7 +2844,7 @@
           <a:p>
             <a:fld id="{D80CE239-59DB-48CE-8A15-ECA8C08B09DF}" type="datetimeFigureOut">
               <a:rPr lang="en-US" smtClean="0"/>
-              <a:t>1/3/2024</a:t>
+              <a:t>1/6/2024</a:t>
             </a:fld>
             <a:endParaRPr lang="en-US"/>
           </a:p>
@@ -2880,7 +2886,7 @@
           <a:p>
             <a:fld id="{1E75E2F2-7FCA-48A1-B697-879262767C1D}" type="slidenum">
               <a:rPr lang="en-US" smtClean="0"/>
-              <a:t>‹N°›</a:t>
+              <a:t>‹#›</a:t>
             </a:fld>
             <a:endParaRPr lang="en-US"/>
           </a:p>
@@ -2932,7 +2938,7 @@
           <a:lstStyle/>
           <a:p>
             <a:r>
-              <a:rPr lang="fr-FR" smtClean="0"/>
+              <a:rPr lang="fr-FR"/>
               <a:t>Modifiez le style du titre</a:t>
             </a:r>
             <a:endParaRPr lang="en-US" dirty="0"/>
@@ -2956,35 +2962,35 @@
           <a:p>
             <a:pPr lvl="0"/>
             <a:r>
-              <a:rPr lang="fr-FR" smtClean="0"/>
+              <a:rPr lang="fr-FR"/>
               <a:t>Modifier les styles du texte du masque</a:t>
             </a:r>
           </a:p>
           <a:p>
             <a:pPr lvl="1"/>
             <a:r>
-              <a:rPr lang="fr-FR" smtClean="0"/>
+              <a:rPr lang="fr-FR"/>
               <a:t>Deuxième niveau</a:t>
             </a:r>
           </a:p>
           <a:p>
             <a:pPr lvl="2"/>
             <a:r>
-              <a:rPr lang="fr-FR" smtClean="0"/>
+              <a:rPr lang="fr-FR"/>
               <a:t>Troisième niveau</a:t>
             </a:r>
           </a:p>
           <a:p>
             <a:pPr lvl="3"/>
             <a:r>
-              <a:rPr lang="fr-FR" smtClean="0"/>
+              <a:rPr lang="fr-FR"/>
               <a:t>Quatrième niveau</a:t>
             </a:r>
           </a:p>
           <a:p>
             <a:pPr lvl="4"/>
             <a:r>
-              <a:rPr lang="fr-FR" smtClean="0"/>
+              <a:rPr lang="fr-FR"/>
               <a:t>Cinquième niveau</a:t>
             </a:r>
             <a:endParaRPr lang="en-US" dirty="0"/>
@@ -3008,7 +3014,7 @@
           <a:p>
             <a:fld id="{D80CE239-59DB-48CE-8A15-ECA8C08B09DF}" type="datetimeFigureOut">
               <a:rPr lang="en-US" smtClean="0"/>
-              <a:t>1/3/2024</a:t>
+              <a:t>1/6/2024</a:t>
             </a:fld>
             <a:endParaRPr lang="en-US"/>
           </a:p>
@@ -3050,7 +3056,7 @@
           <a:p>
             <a:fld id="{1E75E2F2-7FCA-48A1-B697-879262767C1D}" type="slidenum">
               <a:rPr lang="en-US" smtClean="0"/>
-              <a:t>‹N°›</a:t>
+              <a:t>‹#›</a:t>
             </a:fld>
             <a:endParaRPr lang="en-US"/>
           </a:p>
@@ -3107,7 +3113,7 @@
           <a:lstStyle/>
           <a:p>
             <a:r>
-              <a:rPr lang="fr-FR" smtClean="0"/>
+              <a:rPr lang="fr-FR"/>
               <a:t>Modifiez le style du titre</a:t>
             </a:r>
             <a:endParaRPr lang="en-US" dirty="0"/>
@@ -3136,35 +3142,35 @@
           <a:p>
             <a:pPr lvl="0"/>
             <a:r>
-              <a:rPr lang="fr-FR" smtClean="0"/>
+              <a:rPr lang="fr-FR"/>
               <a:t>Modifier les styles du texte du masque</a:t>
             </a:r>
           </a:p>
           <a:p>
             <a:pPr lvl="1"/>
             <a:r>
-              <a:rPr lang="fr-FR" smtClean="0"/>
+              <a:rPr lang="fr-FR"/>
               <a:t>Deuxième niveau</a:t>
             </a:r>
           </a:p>
           <a:p>
             <a:pPr lvl="2"/>
             <a:r>
-              <a:rPr lang="fr-FR" smtClean="0"/>
+              <a:rPr lang="fr-FR"/>
               <a:t>Troisième niveau</a:t>
             </a:r>
           </a:p>
           <a:p>
             <a:pPr lvl="3"/>
             <a:r>
-              <a:rPr lang="fr-FR" smtClean="0"/>
+              <a:rPr lang="fr-FR"/>
               <a:t>Quatrième niveau</a:t>
             </a:r>
           </a:p>
           <a:p>
             <a:pPr lvl="4"/>
             <a:r>
-              <a:rPr lang="fr-FR" smtClean="0"/>
+              <a:rPr lang="fr-FR"/>
               <a:t>Cinquième niveau</a:t>
             </a:r>
             <a:endParaRPr lang="en-US" dirty="0"/>
@@ -3188,7 +3194,7 @@
           <a:p>
             <a:fld id="{D80CE239-59DB-48CE-8A15-ECA8C08B09DF}" type="datetimeFigureOut">
               <a:rPr lang="en-US" smtClean="0"/>
-              <a:t>1/3/2024</a:t>
+              <a:t>1/6/2024</a:t>
             </a:fld>
             <a:endParaRPr lang="en-US"/>
           </a:p>
@@ -3230,7 +3236,7 @@
           <a:p>
             <a:fld id="{1E75E2F2-7FCA-48A1-B697-879262767C1D}" type="slidenum">
               <a:rPr lang="en-US" smtClean="0"/>
-              <a:t>‹N°›</a:t>
+              <a:t>‹#›</a:t>
             </a:fld>
             <a:endParaRPr lang="en-US"/>
           </a:p>
@@ -3282,7 +3288,7 @@
           <a:lstStyle/>
           <a:p>
             <a:r>
-              <a:rPr lang="fr-FR" smtClean="0"/>
+              <a:rPr lang="fr-FR"/>
               <a:t>Modifiez le style du titre</a:t>
             </a:r>
             <a:endParaRPr lang="en-US" dirty="0"/>
@@ -3306,35 +3312,35 @@
           <a:p>
             <a:pPr lvl="0"/>
             <a:r>
-              <a:rPr lang="fr-FR" smtClean="0"/>
+              <a:rPr lang="fr-FR"/>
               <a:t>Modifier les styles du texte du masque</a:t>
             </a:r>
           </a:p>
           <a:p>
             <a:pPr lvl="1"/>
             <a:r>
-              <a:rPr lang="fr-FR" smtClean="0"/>
+              <a:rPr lang="fr-FR"/>
               <a:t>Deuxième niveau</a:t>
             </a:r>
           </a:p>
           <a:p>
             <a:pPr lvl="2"/>
             <a:r>
-              <a:rPr lang="fr-FR" smtClean="0"/>
+              <a:rPr lang="fr-FR"/>
               <a:t>Troisième niveau</a:t>
             </a:r>
           </a:p>
           <a:p>
             <a:pPr lvl="3"/>
             <a:r>
-              <a:rPr lang="fr-FR" smtClean="0"/>
+              <a:rPr lang="fr-FR"/>
               <a:t>Quatrième niveau</a:t>
             </a:r>
           </a:p>
           <a:p>
             <a:pPr lvl="4"/>
             <a:r>
-              <a:rPr lang="fr-FR" smtClean="0"/>
+              <a:rPr lang="fr-FR"/>
               <a:t>Cinquième niveau</a:t>
             </a:r>
             <a:endParaRPr lang="en-US" dirty="0"/>
@@ -3358,7 +3364,7 @@
           <a:p>
             <a:fld id="{D80CE239-59DB-48CE-8A15-ECA8C08B09DF}" type="datetimeFigureOut">
               <a:rPr lang="en-US" smtClean="0"/>
-              <a:t>1/3/2024</a:t>
+              <a:t>1/6/2024</a:t>
             </a:fld>
             <a:endParaRPr lang="en-US"/>
           </a:p>
@@ -3400,7 +3406,7 @@
           <a:p>
             <a:fld id="{1E75E2F2-7FCA-48A1-B697-879262767C1D}" type="slidenum">
               <a:rPr lang="en-US" smtClean="0"/>
-              <a:t>‹N°›</a:t>
+              <a:t>‹#›</a:t>
             </a:fld>
             <a:endParaRPr lang="en-US"/>
           </a:p>
@@ -3461,7 +3467,7 @@
           </a:lstStyle>
           <a:p>
             <a:r>
-              <a:rPr lang="fr-FR" smtClean="0"/>
+              <a:rPr lang="fr-FR"/>
               <a:t>Modifiez le style du titre</a:t>
             </a:r>
             <a:endParaRPr lang="en-US" dirty="0"/>
@@ -3582,7 +3588,7 @@
           <a:p>
             <a:pPr lvl="0"/>
             <a:r>
-              <a:rPr lang="fr-FR" smtClean="0"/>
+              <a:rPr lang="fr-FR"/>
               <a:t>Modifier les styles du texte du masque</a:t>
             </a:r>
           </a:p>
@@ -3605,7 +3611,7 @@
           <a:p>
             <a:fld id="{D80CE239-59DB-48CE-8A15-ECA8C08B09DF}" type="datetimeFigureOut">
               <a:rPr lang="en-US" smtClean="0"/>
-              <a:t>1/3/2024</a:t>
+              <a:t>1/6/2024</a:t>
             </a:fld>
             <a:endParaRPr lang="en-US"/>
           </a:p>
@@ -3647,7 +3653,7 @@
           <a:p>
             <a:fld id="{1E75E2F2-7FCA-48A1-B697-879262767C1D}" type="slidenum">
               <a:rPr lang="en-US" smtClean="0"/>
-              <a:t>‹N°›</a:t>
+              <a:t>‹#›</a:t>
             </a:fld>
             <a:endParaRPr lang="en-US"/>
           </a:p>
@@ -3699,7 +3705,7 @@
           <a:lstStyle/>
           <a:p>
             <a:r>
-              <a:rPr lang="fr-FR" smtClean="0"/>
+              <a:rPr lang="fr-FR"/>
               <a:t>Modifiez le style du titre</a:t>
             </a:r>
             <a:endParaRPr lang="en-US" dirty="0"/>
@@ -3758,35 +3764,35 @@
           <a:p>
             <a:pPr lvl="0"/>
             <a:r>
-              <a:rPr lang="fr-FR" smtClean="0"/>
+              <a:rPr lang="fr-FR"/>
               <a:t>Modifier les styles du texte du masque</a:t>
             </a:r>
           </a:p>
           <a:p>
             <a:pPr lvl="1"/>
             <a:r>
-              <a:rPr lang="fr-FR" smtClean="0"/>
+              <a:rPr lang="fr-FR"/>
               <a:t>Deuxième niveau</a:t>
             </a:r>
           </a:p>
           <a:p>
             <a:pPr lvl="2"/>
             <a:r>
-              <a:rPr lang="fr-FR" smtClean="0"/>
+              <a:rPr lang="fr-FR"/>
               <a:t>Troisième niveau</a:t>
             </a:r>
           </a:p>
           <a:p>
             <a:pPr lvl="3"/>
             <a:r>
-              <a:rPr lang="fr-FR" smtClean="0"/>
+              <a:rPr lang="fr-FR"/>
               <a:t>Quatrième niveau</a:t>
             </a:r>
           </a:p>
           <a:p>
             <a:pPr lvl="4"/>
             <a:r>
-              <a:rPr lang="fr-FR" smtClean="0"/>
+              <a:rPr lang="fr-FR"/>
               <a:t>Cinquième niveau</a:t>
             </a:r>
             <a:endParaRPr lang="en-US" dirty="0"/>
@@ -3845,35 +3851,35 @@
           <a:p>
             <a:pPr lvl="0"/>
             <a:r>
-              <a:rPr lang="fr-FR" smtClean="0"/>
+              <a:rPr lang="fr-FR"/>
               <a:t>Modifier les styles du texte du masque</a:t>
             </a:r>
           </a:p>
           <a:p>
             <a:pPr lvl="1"/>
             <a:r>
-              <a:rPr lang="fr-FR" smtClean="0"/>
+              <a:rPr lang="fr-FR"/>
               <a:t>Deuxième niveau</a:t>
             </a:r>
           </a:p>
           <a:p>
             <a:pPr lvl="2"/>
             <a:r>
-              <a:rPr lang="fr-FR" smtClean="0"/>
+              <a:rPr lang="fr-FR"/>
               <a:t>Troisième niveau</a:t>
             </a:r>
           </a:p>
           <a:p>
             <a:pPr lvl="3"/>
             <a:r>
-              <a:rPr lang="fr-FR" smtClean="0"/>
+              <a:rPr lang="fr-FR"/>
               <a:t>Quatrième niveau</a:t>
             </a:r>
           </a:p>
           <a:p>
             <a:pPr lvl="4"/>
             <a:r>
-              <a:rPr lang="fr-FR" smtClean="0"/>
+              <a:rPr lang="fr-FR"/>
               <a:t>Cinquième niveau</a:t>
             </a:r>
             <a:endParaRPr lang="en-US" dirty="0"/>
@@ -3897,7 +3903,7 @@
           <a:p>
             <a:fld id="{D80CE239-59DB-48CE-8A15-ECA8C08B09DF}" type="datetimeFigureOut">
               <a:rPr lang="en-US" smtClean="0"/>
-              <a:t>1/3/2024</a:t>
+              <a:t>1/6/2024</a:t>
             </a:fld>
             <a:endParaRPr lang="en-US"/>
           </a:p>
@@ -3939,7 +3945,7 @@
           <a:p>
             <a:fld id="{1E75E2F2-7FCA-48A1-B697-879262767C1D}" type="slidenum">
               <a:rPr lang="en-US" smtClean="0"/>
-              <a:t>‹N°›</a:t>
+              <a:t>‹#›</a:t>
             </a:fld>
             <a:endParaRPr lang="en-US"/>
           </a:p>
@@ -3995,7 +4001,7 @@
           </a:lstStyle>
           <a:p>
             <a:r>
-              <a:rPr lang="fr-FR" smtClean="0"/>
+              <a:rPr lang="fr-FR"/>
               <a:t>Modifiez le style du titre</a:t>
             </a:r>
             <a:endParaRPr lang="en-US" dirty="0"/>
@@ -4070,7 +4076,7 @@
           <a:p>
             <a:pPr lvl="0"/>
             <a:r>
-              <a:rPr lang="fr-FR" smtClean="0"/>
+              <a:rPr lang="fr-FR"/>
               <a:t>Modifier les styles du texte du masque</a:t>
             </a:r>
           </a:p>
@@ -4128,35 +4134,35 @@
           <a:p>
             <a:pPr lvl="0"/>
             <a:r>
-              <a:rPr lang="fr-FR" smtClean="0"/>
+              <a:rPr lang="fr-FR"/>
               <a:t>Modifier les styles du texte du masque</a:t>
             </a:r>
           </a:p>
           <a:p>
             <a:pPr lvl="1"/>
             <a:r>
-              <a:rPr lang="fr-FR" smtClean="0"/>
+              <a:rPr lang="fr-FR"/>
               <a:t>Deuxième niveau</a:t>
             </a:r>
           </a:p>
           <a:p>
             <a:pPr lvl="2"/>
             <a:r>
-              <a:rPr lang="fr-FR" smtClean="0"/>
+              <a:rPr lang="fr-FR"/>
               <a:t>Troisième niveau</a:t>
             </a:r>
           </a:p>
           <a:p>
             <a:pPr lvl="3"/>
             <a:r>
-              <a:rPr lang="fr-FR" smtClean="0"/>
+              <a:rPr lang="fr-FR"/>
               <a:t>Quatrième niveau</a:t>
             </a:r>
           </a:p>
           <a:p>
             <a:pPr lvl="4"/>
             <a:r>
-              <a:rPr lang="fr-FR" smtClean="0"/>
+              <a:rPr lang="fr-FR"/>
               <a:t>Cinquième niveau</a:t>
             </a:r>
             <a:endParaRPr lang="en-US" dirty="0"/>
@@ -4231,7 +4237,7 @@
           <a:p>
             <a:pPr lvl="0"/>
             <a:r>
-              <a:rPr lang="fr-FR" smtClean="0"/>
+              <a:rPr lang="fr-FR"/>
               <a:t>Modifier les styles du texte du masque</a:t>
             </a:r>
           </a:p>
@@ -4289,35 +4295,35 @@
           <a:p>
             <a:pPr lvl="0"/>
             <a:r>
-              <a:rPr lang="fr-FR" smtClean="0"/>
+              <a:rPr lang="fr-FR"/>
               <a:t>Modifier les styles du texte du masque</a:t>
             </a:r>
           </a:p>
           <a:p>
             <a:pPr lvl="1"/>
             <a:r>
-              <a:rPr lang="fr-FR" smtClean="0"/>
+              <a:rPr lang="fr-FR"/>
               <a:t>Deuxième niveau</a:t>
             </a:r>
           </a:p>
           <a:p>
             <a:pPr lvl="2"/>
             <a:r>
-              <a:rPr lang="fr-FR" smtClean="0"/>
+              <a:rPr lang="fr-FR"/>
               <a:t>Troisième niveau</a:t>
             </a:r>
           </a:p>
           <a:p>
             <a:pPr lvl="3"/>
             <a:r>
-              <a:rPr lang="fr-FR" smtClean="0"/>
+              <a:rPr lang="fr-FR"/>
               <a:t>Quatrième niveau</a:t>
             </a:r>
           </a:p>
           <a:p>
             <a:pPr lvl="4"/>
             <a:r>
-              <a:rPr lang="fr-FR" smtClean="0"/>
+              <a:rPr lang="fr-FR"/>
               <a:t>Cinquième niveau</a:t>
             </a:r>
             <a:endParaRPr lang="en-US" dirty="0"/>
@@ -4341,7 +4347,7 @@
           <a:p>
             <a:fld id="{D80CE239-59DB-48CE-8A15-ECA8C08B09DF}" type="datetimeFigureOut">
               <a:rPr lang="en-US" smtClean="0"/>
-              <a:t>1/3/2024</a:t>
+              <a:t>1/6/2024</a:t>
             </a:fld>
             <a:endParaRPr lang="en-US"/>
           </a:p>
@@ -4383,7 +4389,7 @@
           <a:p>
             <a:fld id="{1E75E2F2-7FCA-48A1-B697-879262767C1D}" type="slidenum">
               <a:rPr lang="en-US" smtClean="0"/>
-              <a:t>‹N°›</a:t>
+              <a:t>‹#›</a:t>
             </a:fld>
             <a:endParaRPr lang="en-US"/>
           </a:p>
@@ -4435,7 +4441,7 @@
           <a:lstStyle/>
           <a:p>
             <a:r>
-              <a:rPr lang="fr-FR" smtClean="0"/>
+              <a:rPr lang="fr-FR"/>
               <a:t>Modifiez le style du titre</a:t>
             </a:r>
             <a:endParaRPr lang="en-US" dirty="0"/>
@@ -4459,7 +4465,7 @@
           <a:p>
             <a:fld id="{D80CE239-59DB-48CE-8A15-ECA8C08B09DF}" type="datetimeFigureOut">
               <a:rPr lang="en-US" smtClean="0"/>
-              <a:t>1/3/2024</a:t>
+              <a:t>1/6/2024</a:t>
             </a:fld>
             <a:endParaRPr lang="en-US"/>
           </a:p>
@@ -4501,7 +4507,7 @@
           <a:p>
             <a:fld id="{1E75E2F2-7FCA-48A1-B697-879262767C1D}" type="slidenum">
               <a:rPr lang="en-US" smtClean="0"/>
-              <a:t>‹N°›</a:t>
+              <a:t>‹#›</a:t>
             </a:fld>
             <a:endParaRPr lang="en-US"/>
           </a:p>
@@ -4554,7 +4560,7 @@
           <a:p>
             <a:fld id="{D80CE239-59DB-48CE-8A15-ECA8C08B09DF}" type="datetimeFigureOut">
               <a:rPr lang="en-US" smtClean="0"/>
-              <a:t>1/3/2024</a:t>
+              <a:t>1/6/2024</a:t>
             </a:fld>
             <a:endParaRPr lang="en-US"/>
           </a:p>
@@ -4596,7 +4602,7 @@
           <a:p>
             <a:fld id="{1E75E2F2-7FCA-48A1-B697-879262767C1D}" type="slidenum">
               <a:rPr lang="en-US" smtClean="0"/>
-              <a:t>‹N°›</a:t>
+              <a:t>‹#›</a:t>
             </a:fld>
             <a:endParaRPr lang="en-US"/>
           </a:p>
@@ -4657,7 +4663,7 @@
           </a:lstStyle>
           <a:p>
             <a:r>
-              <a:rPr lang="fr-FR" smtClean="0"/>
+              <a:rPr lang="fr-FR"/>
               <a:t>Modifiez le style du titre</a:t>
             </a:r>
             <a:endParaRPr lang="en-US" dirty="0"/>
@@ -4716,35 +4722,35 @@
           <a:p>
             <a:pPr lvl="0"/>
             <a:r>
-              <a:rPr lang="fr-FR" smtClean="0"/>
+              <a:rPr lang="fr-FR"/>
               <a:t>Modifier les styles du texte du masque</a:t>
             </a:r>
           </a:p>
           <a:p>
             <a:pPr lvl="1"/>
             <a:r>
-              <a:rPr lang="fr-FR" smtClean="0"/>
+              <a:rPr lang="fr-FR"/>
               <a:t>Deuxième niveau</a:t>
             </a:r>
           </a:p>
           <a:p>
             <a:pPr lvl="2"/>
             <a:r>
-              <a:rPr lang="fr-FR" smtClean="0"/>
+              <a:rPr lang="fr-FR"/>
               <a:t>Troisième niveau</a:t>
             </a:r>
           </a:p>
           <a:p>
             <a:pPr lvl="3"/>
             <a:r>
-              <a:rPr lang="fr-FR" smtClean="0"/>
+              <a:rPr lang="fr-FR"/>
               <a:t>Quatrième niveau</a:t>
             </a:r>
           </a:p>
           <a:p>
             <a:pPr lvl="4"/>
             <a:r>
-              <a:rPr lang="fr-FR" smtClean="0"/>
+              <a:rPr lang="fr-FR"/>
               <a:t>Cinquième niveau</a:t>
             </a:r>
             <a:endParaRPr lang="en-US" dirty="0"/>
@@ -4810,7 +4816,7 @@
           <a:p>
             <a:pPr lvl="0"/>
             <a:r>
-              <a:rPr lang="fr-FR" smtClean="0"/>
+              <a:rPr lang="fr-FR"/>
               <a:t>Modifier les styles du texte du masque</a:t>
             </a:r>
           </a:p>
@@ -4833,7 +4839,7 @@
           <a:p>
             <a:fld id="{D80CE239-59DB-48CE-8A15-ECA8C08B09DF}" type="datetimeFigureOut">
               <a:rPr lang="en-US" smtClean="0"/>
-              <a:t>1/3/2024</a:t>
+              <a:t>1/6/2024</a:t>
             </a:fld>
             <a:endParaRPr lang="en-US"/>
           </a:p>
@@ -4875,7 +4881,7 @@
           <a:p>
             <a:fld id="{1E75E2F2-7FCA-48A1-B697-879262767C1D}" type="slidenum">
               <a:rPr lang="en-US" smtClean="0"/>
-              <a:t>‹N°›</a:t>
+              <a:t>‹#›</a:t>
             </a:fld>
             <a:endParaRPr lang="en-US"/>
           </a:p>
@@ -4938,7 +4944,7 @@
           </a:lstStyle>
           <a:p>
             <a:r>
-              <a:rPr lang="fr-FR" smtClean="0"/>
+              <a:rPr lang="fr-FR"/>
               <a:t>Modifiez le style du titre</a:t>
             </a:r>
             <a:endParaRPr lang="en-US" dirty="0"/>
@@ -5017,7 +5023,7 @@
           </a:lstStyle>
           <a:p>
             <a:r>
-              <a:rPr lang="fr-FR" smtClean="0"/>
+              <a:rPr lang="fr-FR"/>
               <a:t>Cliquez sur l'icône pour ajouter une image</a:t>
             </a:r>
             <a:endParaRPr lang="en-US" dirty="0"/>
@@ -5085,7 +5091,7 @@
           <a:p>
             <a:pPr lvl="0"/>
             <a:r>
-              <a:rPr lang="fr-FR" smtClean="0"/>
+              <a:rPr lang="fr-FR"/>
               <a:t>Modifier les styles du texte du masque</a:t>
             </a:r>
           </a:p>
@@ -5108,7 +5114,7 @@
           <a:p>
             <a:fld id="{D80CE239-59DB-48CE-8A15-ECA8C08B09DF}" type="datetimeFigureOut">
               <a:rPr lang="en-US" smtClean="0"/>
-              <a:t>1/3/2024</a:t>
+              <a:t>1/6/2024</a:t>
             </a:fld>
             <a:endParaRPr lang="en-US"/>
           </a:p>
@@ -5150,7 +5156,7 @@
           <a:p>
             <a:fld id="{1E75E2F2-7FCA-48A1-B697-879262767C1D}" type="slidenum">
               <a:rPr lang="en-US" smtClean="0"/>
-              <a:t>‹N°›</a:t>
+              <a:t>‹#›</a:t>
             </a:fld>
             <a:endParaRPr lang="en-US"/>
           </a:p>
@@ -5426,7 +5432,7 @@
           <a:lstStyle/>
           <a:p>
             <a:r>
-              <a:rPr lang="fr-FR" smtClean="0"/>
+              <a:rPr lang="fr-FR"/>
               <a:t>Modifiez le style du titre</a:t>
             </a:r>
             <a:endParaRPr lang="en-US" dirty="0"/>
@@ -5460,35 +5466,35 @@
           <a:p>
             <a:pPr lvl="0"/>
             <a:r>
-              <a:rPr lang="fr-FR" smtClean="0"/>
+              <a:rPr lang="fr-FR"/>
               <a:t>Modifier les styles du texte du masque</a:t>
             </a:r>
           </a:p>
           <a:p>
             <a:pPr lvl="1"/>
             <a:r>
-              <a:rPr lang="fr-FR" smtClean="0"/>
+              <a:rPr lang="fr-FR"/>
               <a:t>Deuxième niveau</a:t>
             </a:r>
           </a:p>
           <a:p>
             <a:pPr lvl="2"/>
             <a:r>
-              <a:rPr lang="fr-FR" smtClean="0"/>
+              <a:rPr lang="fr-FR"/>
               <a:t>Troisième niveau</a:t>
             </a:r>
           </a:p>
           <a:p>
             <a:pPr lvl="3"/>
             <a:r>
-              <a:rPr lang="fr-FR" smtClean="0"/>
+              <a:rPr lang="fr-FR"/>
               <a:t>Quatrième niveau</a:t>
             </a:r>
           </a:p>
           <a:p>
             <a:pPr lvl="4"/>
             <a:r>
-              <a:rPr lang="fr-FR" smtClean="0"/>
+              <a:rPr lang="fr-FR"/>
               <a:t>Cinquième niveau</a:t>
             </a:r>
             <a:endParaRPr lang="en-US" dirty="0"/>
@@ -5531,7 +5537,7 @@
           <a:p>
             <a:fld id="{D80CE239-59DB-48CE-8A15-ECA8C08B09DF}" type="datetimeFigureOut">
               <a:rPr lang="en-US" smtClean="0"/>
-              <a:t>1/3/2024</a:t>
+              <a:t>1/6/2024</a:t>
             </a:fld>
             <a:endParaRPr lang="en-US"/>
           </a:p>
@@ -5610,7 +5616,7 @@
           <a:p>
             <a:fld id="{1E75E2F2-7FCA-48A1-B697-879262767C1D}" type="slidenum">
               <a:rPr lang="en-US" smtClean="0"/>
-              <a:t>‹N°›</a:t>
+              <a:t>‹#›</a:t>
             </a:fld>
             <a:endParaRPr lang="en-US"/>
           </a:p>
@@ -6076,7 +6082,7 @@
           <a:p>
             <a:pPr algn="ctr"/>
             <a:r>
-              <a:rPr lang="fr-FR" b="1" dirty="0" smtClean="0">
+              <a:rPr lang="fr-FR" b="1" dirty="0">
                 <a:latin typeface="Algerian" panose="04020705040A02060702" pitchFamily="82" charset="0"/>
               </a:rPr>
               <a:t>FINAL PROJECT </a:t>
@@ -6109,24 +6115,20 @@
           </a:bodyPr>
           <a:lstStyle/>
           <a:p>
-            <a:r>
-              <a:rPr lang="en-US" dirty="0"/>
-              <a:t/>
-            </a:r>
             <a:br>
               <a:rPr lang="en-US" dirty="0"/>
             </a:br>
             <a:r>
-              <a:rPr lang="en-US" dirty="0" smtClean="0"/>
+              <a:rPr lang="en-US" dirty="0"/>
               <a:t> </a:t>
             </a:r>
-            <a:endParaRPr lang="en-US" dirty="0" smtClean="0">
+            <a:endParaRPr lang="en-US" dirty="0">
               <a:effectLst/>
             </a:endParaRPr>
           </a:p>
           <a:p>
             <a:r>
-              <a:rPr lang="fr-FR" sz="2000" dirty="0" smtClean="0"/>
+              <a:rPr lang="fr-FR" sz="2000" dirty="0"/>
               <a:t>Section B groupe 56 </a:t>
             </a:r>
           </a:p>
@@ -6136,14 +6138,14 @@
               <a:buChar char="•"/>
             </a:pPr>
             <a:r>
-              <a:rPr lang="fr-FR" sz="1600" dirty="0" smtClean="0"/>
+              <a:rPr lang="fr-FR" sz="1600" dirty="0"/>
               <a:t>CHERIFI </a:t>
             </a:r>
             <a:r>
-              <a:rPr lang="fr-FR" sz="1600" dirty="0" err="1" smtClean="0"/>
+              <a:rPr lang="fr-FR" sz="1600" dirty="0" err="1"/>
               <a:t>Kaouther</a:t>
             </a:r>
-            <a:endParaRPr lang="fr-FR" sz="1600" dirty="0" smtClean="0"/>
+            <a:endParaRPr lang="fr-FR" sz="1600" dirty="0"/>
           </a:p>
           <a:p>
             <a:pPr marL="342900" indent="-342900">
@@ -6162,7 +6164,6 @@
               <a:rPr lang="fr-FR" sz="1600" dirty="0"/>
               <a:t> </a:t>
             </a:r>
-            <a:endParaRPr lang="fr-FR" sz="1600" dirty="0" smtClean="0"/>
           </a:p>
           <a:p>
             <a:pPr marL="342900" indent="-342900">
@@ -6170,7 +6171,7 @@
               <a:buChar char="•"/>
             </a:pPr>
             <a:r>
-              <a:rPr lang="fr-FR" sz="1600" dirty="0" smtClean="0"/>
+              <a:rPr lang="fr-FR" sz="1600" dirty="0"/>
               <a:t>KAHLI Meriem Aya </a:t>
             </a:r>
           </a:p>
@@ -6180,7 +6181,7 @@
               <a:buChar char="•"/>
             </a:pPr>
             <a:r>
-              <a:rPr lang="en-US" sz="1600" dirty="0" smtClean="0"/>
+              <a:rPr lang="en-US" sz="1600" dirty="0"/>
               <a:t>OUGOUR Sarah </a:t>
             </a:r>
           </a:p>
@@ -6190,7 +6191,7 @@
               <a:buChar char="•"/>
             </a:pPr>
             <a:r>
-              <a:rPr lang="fr-FR" sz="1600" dirty="0" smtClean="0"/>
+              <a:rPr lang="fr-FR" sz="1600" dirty="0"/>
               <a:t>TABTI Sabrina </a:t>
             </a:r>
           </a:p>
@@ -6209,364 +6210,10 @@
   <p:transition spd="slow" advTm="5000">
     <p:fade/>
   </p:transition>
-  <p:timing>
-    <p:tnLst>
-      <p:par>
-        <p:cTn id="1" dur="indefinite" restart="never" nodeType="tmRoot"/>
-      </p:par>
-    </p:tnLst>
-  </p:timing>
 </p:sld>
 </file>
 
-<file path=ppt/slides/slide2.xml><?xml version="1.0" encoding="utf-8"?>
-<p:sld xmlns:a="http://schemas.openxmlformats.org/drawingml/2006/main" xmlns:r="http://schemas.openxmlformats.org/officeDocument/2006/relationships" xmlns:p="http://schemas.openxmlformats.org/presentationml/2006/main">
-  <p:cSld>
-    <p:bg>
-      <p:bgPr>
-        <a:blipFill dpi="0" rotWithShape="1">
-          <a:blip r:embed="rId2">
-            <a:alphaModFix amt="20000"/>
-            <a:lum/>
-          </a:blip>
-          <a:srcRect/>
-          <a:stretch>
-            <a:fillRect l="-1000" r="-1000"/>
-          </a:stretch>
-        </a:blipFill>
-        <a:effectLst/>
-      </p:bgPr>
-    </p:bg>
-    <p:spTree>
-      <p:nvGrpSpPr>
-        <p:cNvPr id="1" name=""/>
-        <p:cNvGrpSpPr/>
-        <p:nvPr/>
-      </p:nvGrpSpPr>
-      <p:grpSpPr>
-        <a:xfrm>
-          <a:off x="0" y="0"/>
-          <a:ext cx="0" cy="0"/>
-          <a:chOff x="0" y="0"/>
-          <a:chExt cx="0" cy="0"/>
-        </a:xfrm>
-      </p:grpSpPr>
-      <p:sp>
-        <p:nvSpPr>
-          <p:cNvPr id="2" name="Titre 1"/>
-          <p:cNvSpPr>
-            <a:spLocks noGrp="1"/>
-          </p:cNvSpPr>
-          <p:nvPr>
-            <p:ph type="title"/>
-          </p:nvPr>
-        </p:nvSpPr>
-        <p:spPr/>
-        <p:txBody>
-          <a:bodyPr/>
-          <a:lstStyle/>
-          <a:p>
-            <a:pPr algn="ctr"/>
-            <a:r>
-              <a:rPr lang="fr-FR" dirty="0" smtClean="0">
-                <a:solidFill>
-                  <a:schemeClr val="tx2">
-                    <a:lumMod val="10000"/>
-                  </a:schemeClr>
-                </a:solidFill>
-                <a:latin typeface="Arial Rounded MT Bold" panose="020F0704030504030204" pitchFamily="34" charset="0"/>
-              </a:rPr>
-              <a:t>Information and communication </a:t>
-            </a:r>
-            <a:r>
-              <a:rPr lang="fr-FR" dirty="0" err="1" smtClean="0">
-                <a:solidFill>
-                  <a:schemeClr val="tx2">
-                    <a:lumMod val="10000"/>
-                  </a:schemeClr>
-                </a:solidFill>
-                <a:latin typeface="Arial Rounded MT Bold" panose="020F0704030504030204" pitchFamily="34" charset="0"/>
-              </a:rPr>
-              <a:t>technology</a:t>
-            </a:r>
-            <a:r>
-              <a:rPr lang="fr-FR" dirty="0" smtClean="0">
-                <a:solidFill>
-                  <a:schemeClr val="tx2">
-                    <a:lumMod val="10000"/>
-                  </a:schemeClr>
-                </a:solidFill>
-                <a:latin typeface="Arial Rounded MT Bold" panose="020F0704030504030204" pitchFamily="34" charset="0"/>
-              </a:rPr>
-              <a:t> </a:t>
-            </a:r>
-            <a:endParaRPr lang="en-US" dirty="0">
-              <a:solidFill>
-                <a:schemeClr val="tx2">
-                  <a:lumMod val="10000"/>
-                </a:schemeClr>
-              </a:solidFill>
-              <a:latin typeface="Arial Rounded MT Bold" panose="020F0704030504030204" pitchFamily="34" charset="0"/>
-            </a:endParaRPr>
-          </a:p>
-        </p:txBody>
-      </p:sp>
-      <p:sp>
-        <p:nvSpPr>
-          <p:cNvPr id="3" name="Espace réservé du contenu 2"/>
-          <p:cNvSpPr>
-            <a:spLocks noGrp="1"/>
-          </p:cNvSpPr>
-          <p:nvPr>
-            <p:ph idx="1"/>
-          </p:nvPr>
-        </p:nvSpPr>
-        <p:spPr>
-          <a:xfrm>
-            <a:off x="838200" y="1825625"/>
-            <a:ext cx="10515600" cy="4556702"/>
-          </a:xfrm>
-        </p:spPr>
-        <p:txBody>
-          <a:bodyPr>
-            <a:normAutofit/>
-          </a:bodyPr>
-          <a:lstStyle/>
-          <a:p>
-            <a:pPr marL="0" indent="0" algn="ctr">
-              <a:buNone/>
-            </a:pPr>
-            <a:r>
-              <a:rPr lang="en-US" dirty="0"/>
-              <a:t/>
-            </a:r>
-            <a:br>
-              <a:rPr lang="en-US" dirty="0"/>
-            </a:br>
-            <a:r>
-              <a:rPr lang="en-US" sz="3600" dirty="0" smtClean="0">
-                <a:solidFill>
-                  <a:schemeClr val="accent1">
-                    <a:lumMod val="60000"/>
-                    <a:lumOff val="40000"/>
-                  </a:schemeClr>
-                </a:solidFill>
-              </a:rPr>
-              <a:t>the content </a:t>
-            </a:r>
-            <a:endParaRPr lang="fr-FR" sz="3200" dirty="0" smtClean="0">
-              <a:solidFill>
-                <a:schemeClr val="accent1">
-                  <a:lumMod val="60000"/>
-                  <a:lumOff val="40000"/>
-                </a:schemeClr>
-              </a:solidFill>
-            </a:endParaRPr>
-          </a:p>
-          <a:p>
-            <a:pPr marL="514350" indent="-514350">
-              <a:buFont typeface="+mj-lt"/>
-              <a:buAutoNum type="arabicPeriod"/>
-            </a:pPr>
-            <a:r>
-              <a:rPr lang="en-US" sz="2400" dirty="0" smtClean="0">
-                <a:solidFill>
-                  <a:schemeClr val="tx2">
-                    <a:lumMod val="10000"/>
-                  </a:schemeClr>
-                </a:solidFill>
-              </a:rPr>
-              <a:t>Introduction</a:t>
-            </a:r>
-          </a:p>
-          <a:p>
-            <a:pPr marL="514350" indent="-514350">
-              <a:buFont typeface="+mj-lt"/>
-              <a:buAutoNum type="arabicPeriod"/>
-            </a:pPr>
-            <a:r>
-              <a:rPr lang="en-US" sz="2400" dirty="0">
-                <a:solidFill>
-                  <a:schemeClr val="tx2">
-                    <a:lumMod val="10000"/>
-                  </a:schemeClr>
-                </a:solidFill>
-              </a:rPr>
-              <a:t>What is </a:t>
-            </a:r>
-            <a:r>
-              <a:rPr lang="en-US" sz="2400" dirty="0" smtClean="0">
-                <a:solidFill>
-                  <a:schemeClr val="tx2">
-                    <a:lumMod val="10000"/>
-                  </a:schemeClr>
-                </a:solidFill>
-              </a:rPr>
-              <a:t>ICT ?</a:t>
-            </a:r>
-          </a:p>
-          <a:p>
-            <a:pPr marL="514350" indent="-514350">
-              <a:buFont typeface="+mj-lt"/>
-              <a:buAutoNum type="arabicPeriod"/>
-            </a:pPr>
-            <a:r>
-              <a:rPr lang="en-US" sz="2400" dirty="0" smtClean="0">
-                <a:solidFill>
-                  <a:schemeClr val="tx2">
-                    <a:lumMod val="10000"/>
-                  </a:schemeClr>
-                </a:solidFill>
-              </a:rPr>
-              <a:t>History</a:t>
-            </a:r>
-          </a:p>
-          <a:p>
-            <a:pPr marL="514350" indent="-514350">
-              <a:buFont typeface="+mj-lt"/>
-              <a:buAutoNum type="arabicPeriod"/>
-            </a:pPr>
-            <a:r>
-              <a:rPr lang="en-US" sz="2400" dirty="0" smtClean="0">
-                <a:solidFill>
-                  <a:schemeClr val="tx2">
-                    <a:lumMod val="10000"/>
-                  </a:schemeClr>
-                </a:solidFill>
-              </a:rPr>
-              <a:t>History</a:t>
-            </a:r>
-          </a:p>
-          <a:p>
-            <a:pPr marL="514350" indent="-514350">
-              <a:buFont typeface="+mj-lt"/>
-              <a:buAutoNum type="arabicPeriod"/>
-            </a:pPr>
-            <a:r>
-              <a:rPr lang="en-US" sz="2400" dirty="0">
-                <a:solidFill>
-                  <a:schemeClr val="tx2">
-                    <a:lumMod val="10000"/>
-                  </a:schemeClr>
-                </a:solidFill>
-              </a:rPr>
-              <a:t>Benefits of </a:t>
-            </a:r>
-            <a:r>
-              <a:rPr lang="en-US" sz="2400" dirty="0" smtClean="0">
-                <a:solidFill>
-                  <a:schemeClr val="tx2">
-                    <a:lumMod val="10000"/>
-                  </a:schemeClr>
-                </a:solidFill>
-              </a:rPr>
-              <a:t>ICT</a:t>
-            </a:r>
-          </a:p>
-          <a:p>
-            <a:pPr marL="514350" indent="-514350">
-              <a:buFont typeface="+mj-lt"/>
-              <a:buAutoNum type="arabicPeriod"/>
-            </a:pPr>
-            <a:r>
-              <a:rPr lang="en-US" sz="2400" dirty="0">
-                <a:solidFill>
-                  <a:schemeClr val="tx2">
-                    <a:lumMod val="10000"/>
-                  </a:schemeClr>
-                </a:solidFill>
-              </a:rPr>
-              <a:t>Disadvantages of </a:t>
-            </a:r>
-            <a:r>
-              <a:rPr lang="en-US" sz="2400" dirty="0" smtClean="0">
-                <a:solidFill>
-                  <a:schemeClr val="tx2">
-                    <a:lumMod val="10000"/>
-                  </a:schemeClr>
-                </a:solidFill>
-              </a:rPr>
-              <a:t>ICT</a:t>
-            </a:r>
-          </a:p>
-          <a:p>
-            <a:pPr marL="514350" indent="-514350">
-              <a:buFont typeface="+mj-lt"/>
-              <a:buAutoNum type="arabicPeriod"/>
-            </a:pPr>
-            <a:r>
-              <a:rPr lang="en-US" sz="2400" dirty="0" smtClean="0">
-                <a:solidFill>
-                  <a:schemeClr val="tx2">
-                    <a:lumMod val="10000"/>
-                  </a:schemeClr>
-                </a:solidFill>
-              </a:rPr>
-              <a:t>Information </a:t>
-            </a:r>
-            <a:r>
-              <a:rPr lang="en-US" sz="2400" dirty="0">
-                <a:solidFill>
-                  <a:schemeClr val="tx2">
-                    <a:lumMod val="10000"/>
-                  </a:schemeClr>
-                </a:solidFill>
-              </a:rPr>
-              <a:t>on ICT policies and </a:t>
-            </a:r>
-            <a:r>
-              <a:rPr lang="en-US" sz="2400" dirty="0" smtClean="0">
-                <a:solidFill>
-                  <a:schemeClr val="tx2">
-                    <a:lumMod val="10000"/>
-                  </a:schemeClr>
-                </a:solidFill>
-              </a:rPr>
-              <a:t>regulation</a:t>
-            </a:r>
-            <a:endParaRPr lang="en-US" sz="3200" dirty="0">
-              <a:solidFill>
-                <a:schemeClr val="tx2">
-                  <a:lumMod val="10000"/>
-                </a:schemeClr>
-              </a:solidFill>
-            </a:endParaRPr>
-          </a:p>
-        </p:txBody>
-      </p:sp>
-    </p:spTree>
-    <p:extLst>
-      <p:ext uri="{BB962C8B-B14F-4D97-AF65-F5344CB8AC3E}">
-        <p14:creationId xmlns:p14="http://schemas.microsoft.com/office/powerpoint/2010/main" val="767928432"/>
-      </p:ext>
-    </p:extLst>
-  </p:cSld>
-  <p:clrMapOvr>
-    <a:masterClrMapping/>
-  </p:clrMapOvr>
-  <mc:AlternateContent xmlns:mc="http://schemas.openxmlformats.org/markup-compatibility/2006" xmlns:p14="http://schemas.microsoft.com/office/powerpoint/2010/main">
-    <mc:Choice Requires="p14">
-      <p:transition spd="slow" p14:dur="1500" advTm="7000">
-        <p:split orient="vert"/>
-      </p:transition>
-    </mc:Choice>
-    <mc:Fallback xmlns="">
-      <p:transition spd="slow" advTm="7000">
-        <p:split orient="vert"/>
-      </p:transition>
-    </mc:Fallback>
-  </mc:AlternateContent>
-  <p:timing>
-    <p:tnLst>
-      <p:par>
-        <p:cTn id="1" dur="indefinite" restart="never" nodeType="tmRoot"/>
-      </p:par>
-    </p:tnLst>
-  </p:timing>
-</p:sld>
-</file>
-
-<file path=ppt/slides/slide3.xml><?xml version="1.0" encoding="utf-8"?>
+<file path=ppt/slides/slide10.xml><?xml version="1.0" encoding="utf-8"?>
 <p:sld xmlns:a="http://schemas.openxmlformats.org/drawingml/2006/main" xmlns:r="http://schemas.openxmlformats.org/officeDocument/2006/relationships" xmlns:p="http://schemas.openxmlformats.org/presentationml/2006/main">
   <p:cSld>
     <p:spTree>
@@ -6600,7 +6247,7 @@
           <a:p>
             <a:pPr algn="ctr"/>
             <a:r>
-              <a:rPr lang="fr-FR" sz="5400" dirty="0" smtClean="0">
+              <a:rPr lang="en-US" dirty="0">
                 <a:solidFill>
                   <a:schemeClr val="accent1">
                     <a:lumMod val="60000"/>
@@ -6609,1299 +6256,8 @@
                 </a:solidFill>
                 <a:latin typeface="Arial Rounded MT Bold" panose="020F0704030504030204" pitchFamily="34" charset="0"/>
               </a:rPr>
-              <a:t>introduction</a:t>
-            </a:r>
-            <a:endParaRPr lang="en-US" sz="5400" dirty="0">
-              <a:solidFill>
-                <a:schemeClr val="accent1">
-                  <a:lumMod val="60000"/>
-                  <a:lumOff val="40000"/>
-                </a:schemeClr>
-              </a:solidFill>
-              <a:latin typeface="Arial Rounded MT Bold" panose="020F0704030504030204" pitchFamily="34" charset="0"/>
-            </a:endParaRPr>
-          </a:p>
-        </p:txBody>
-      </p:sp>
-      <p:sp>
-        <p:nvSpPr>
-          <p:cNvPr id="3" name="Espace réservé du contenu 2"/>
-          <p:cNvSpPr>
-            <a:spLocks noGrp="1"/>
-          </p:cNvSpPr>
-          <p:nvPr>
-            <p:ph idx="1"/>
-          </p:nvPr>
-        </p:nvSpPr>
-        <p:spPr>
-          <a:xfrm>
-            <a:off x="1104293" y="1152983"/>
-            <a:ext cx="8946541" cy="4195481"/>
-          </a:xfrm>
-        </p:spPr>
-        <p:txBody>
-          <a:bodyPr anchor="ctr">
-            <a:normAutofit/>
-          </a:bodyPr>
-          <a:lstStyle/>
-          <a:p>
-            <a:r>
-              <a:rPr lang="en-US" sz="2400" dirty="0" smtClean="0"/>
-              <a:t>ICT </a:t>
-            </a:r>
-            <a:r>
-              <a:rPr lang="en-US" sz="2400" dirty="0"/>
-              <a:t>plays a crucial role in our modern society as it enables the creation, storage, retrieval, and transmission of data. It has revolutionized how we access information and communicate across distances. With ICTULTIMATE, individuals and businesses can collaborate on a global scale like never before</a:t>
-            </a:r>
-          </a:p>
-        </p:txBody>
-      </p:sp>
-      <p:pic>
-        <p:nvPicPr>
-          <p:cNvPr id="4" name="Image 3"/>
-          <p:cNvPicPr>
-            <a:picLocks noChangeAspect="1"/>
-          </p:cNvPicPr>
-          <p:nvPr/>
-        </p:nvPicPr>
-        <p:blipFill>
-          <a:blip r:embed="rId2">
-            <a:extLst>
-              <a:ext uri="{28A0092B-C50C-407E-A947-70E740481C1C}">
-                <a14:useLocalDpi xmlns:a14="http://schemas.microsoft.com/office/drawing/2010/main" val="0"/>
-              </a:ext>
-            </a:extLst>
-          </a:blip>
-          <a:stretch>
-            <a:fillRect/>
-          </a:stretch>
-        </p:blipFill>
-        <p:spPr>
-          <a:xfrm>
-            <a:off x="5131672" y="4347168"/>
-            <a:ext cx="4919162" cy="2168845"/>
-          </a:xfrm>
-          <a:prstGeom prst="rect">
-            <a:avLst/>
-          </a:prstGeom>
-        </p:spPr>
-      </p:pic>
-    </p:spTree>
-    <p:extLst>
-      <p:ext uri="{BB962C8B-B14F-4D97-AF65-F5344CB8AC3E}">
-        <p14:creationId xmlns:p14="http://schemas.microsoft.com/office/powerpoint/2010/main" val="105759660"/>
-      </p:ext>
-    </p:extLst>
-  </p:cSld>
-  <p:clrMapOvr>
-    <a:masterClrMapping/>
-  </p:clrMapOvr>
-  <mc:AlternateContent xmlns:mc="http://schemas.openxmlformats.org/markup-compatibility/2006" xmlns:p14="http://schemas.microsoft.com/office/powerpoint/2010/main">
-    <mc:Choice Requires="p14">
-      <p:transition spd="slow" p14:dur="1500" advTm="6000">
-        <p:fade/>
-      </p:transition>
-    </mc:Choice>
-    <mc:Fallback xmlns="">
-      <p:transition spd="slow" advTm="6000">
-        <p:fade/>
-      </p:transition>
-    </mc:Fallback>
-  </mc:AlternateContent>
-  <p:timing>
-    <p:tnLst>
-      <p:par>
-        <p:cTn id="1" dur="indefinite" restart="never" nodeType="tmRoot">
-          <p:childTnLst>
-            <p:seq concurrent="1" nextAc="seek">
-              <p:cTn id="2" dur="indefinite" nodeType="mainSeq">
-                <p:childTnLst>
-                  <p:par>
-                    <p:cTn id="3" fill="hold">
-                      <p:stCondLst>
-                        <p:cond delay="indefinite"/>
-                      </p:stCondLst>
-                      <p:childTnLst>
-                        <p:par>
-                          <p:cTn id="4" fill="hold">
-                            <p:stCondLst>
-                              <p:cond delay="0"/>
-                            </p:stCondLst>
-                            <p:childTnLst>
-                              <p:par>
-                                <p:cTn id="5" presetID="2" presetClass="entr" presetSubtype="4" fill="hold" nodeType="clickEffect">
-                                  <p:stCondLst>
-                                    <p:cond delay="0"/>
-                                  </p:stCondLst>
-                                  <p:childTnLst>
-                                    <p:set>
-                                      <p:cBhvr>
-                                        <p:cTn id="6" dur="1" fill="hold">
-                                          <p:stCondLst>
-                                            <p:cond delay="0"/>
-                                          </p:stCondLst>
-                                        </p:cTn>
-                                        <p:tgtEl>
-                                          <p:spTgt spid="3">
-                                            <p:txEl>
-                                              <p:pRg st="0" end="0"/>
-                                            </p:txEl>
-                                          </p:spTgt>
-                                        </p:tgtEl>
-                                        <p:attrNameLst>
-                                          <p:attrName>style.visibility</p:attrName>
-                                        </p:attrNameLst>
-                                      </p:cBhvr>
-                                      <p:to>
-                                        <p:strVal val="visible"/>
-                                      </p:to>
-                                    </p:set>
-                                    <p:anim calcmode="lin" valueType="num">
-                                      <p:cBhvr additive="base">
-                                        <p:cTn id="7" dur="500" fill="hold"/>
-                                        <p:tgtEl>
-                                          <p:spTgt spid="3">
-                                            <p:txEl>
-                                              <p:pRg st="0" end="0"/>
-                                            </p:txEl>
-                                          </p:spTgt>
-                                        </p:tgtEl>
-                                        <p:attrNameLst>
-                                          <p:attrName>ppt_x</p:attrName>
-                                        </p:attrNameLst>
-                                      </p:cBhvr>
-                                      <p:tavLst>
-                                        <p:tav tm="0">
-                                          <p:val>
-                                            <p:strVal val="#ppt_x"/>
-                                          </p:val>
-                                        </p:tav>
-                                        <p:tav tm="100000">
-                                          <p:val>
-                                            <p:strVal val="#ppt_x"/>
-                                          </p:val>
-                                        </p:tav>
-                                      </p:tavLst>
-                                    </p:anim>
-                                    <p:anim calcmode="lin" valueType="num">
-                                      <p:cBhvr additive="base">
-                                        <p:cTn id="8" dur="500" fill="hold"/>
-                                        <p:tgtEl>
-                                          <p:spTgt spid="3">
-                                            <p:txEl>
-                                              <p:pRg st="0" end="0"/>
-                                            </p:txEl>
-                                          </p:spTgt>
-                                        </p:tgtEl>
-                                        <p:attrNameLst>
-                                          <p:attrName>ppt_y</p:attrName>
-                                        </p:attrNameLst>
-                                      </p:cBhvr>
-                                      <p:tavLst>
-                                        <p:tav tm="0">
-                                          <p:val>
-                                            <p:strVal val="1+#ppt_h/2"/>
-                                          </p:val>
-                                        </p:tav>
-                                        <p:tav tm="100000">
-                                          <p:val>
-                                            <p:strVal val="#ppt_y"/>
-                                          </p:val>
-                                        </p:tav>
-                                      </p:tavLst>
-                                    </p:anim>
-                                  </p:childTnLst>
-                                </p:cTn>
-                              </p:par>
-                            </p:childTnLst>
-                          </p:cTn>
-                        </p:par>
-                      </p:childTnLst>
-                    </p:cTn>
-                  </p:par>
-                </p:childTnLst>
-              </p:cTn>
-              <p:prevCondLst>
-                <p:cond evt="onPrev" delay="0">
-                  <p:tgtEl>
-                    <p:sldTgt/>
-                  </p:tgtEl>
-                </p:cond>
-              </p:prevCondLst>
-              <p:nextCondLst>
-                <p:cond evt="onNext" delay="0">
-                  <p:tgtEl>
-                    <p:sldTgt/>
-                  </p:tgtEl>
-                </p:cond>
-              </p:nextCondLst>
-            </p:seq>
-          </p:childTnLst>
-        </p:cTn>
-      </p:par>
-    </p:tnLst>
-  </p:timing>
-</p:sld>
-</file>
-
-<file path=ppt/slides/slide4.xml><?xml version="1.0" encoding="utf-8"?>
-<p:sld xmlns:a="http://schemas.openxmlformats.org/drawingml/2006/main" xmlns:r="http://schemas.openxmlformats.org/officeDocument/2006/relationships" xmlns:p="http://schemas.openxmlformats.org/presentationml/2006/main">
-  <p:cSld>
-    <p:bg>
-      <p:bgPr>
-        <a:blipFill dpi="0" rotWithShape="1">
-          <a:blip r:embed="rId2">
-            <a:lum/>
-          </a:blip>
-          <a:srcRect/>
-          <a:stretch>
-            <a:fillRect/>
-          </a:stretch>
-        </a:blipFill>
-        <a:effectLst/>
-      </p:bgPr>
-    </p:bg>
-    <p:spTree>
-      <p:nvGrpSpPr>
-        <p:cNvPr id="1" name=""/>
-        <p:cNvGrpSpPr/>
-        <p:nvPr/>
-      </p:nvGrpSpPr>
-      <p:grpSpPr>
-        <a:xfrm>
-          <a:off x="0" y="0"/>
-          <a:ext cx="0" cy="0"/>
-          <a:chOff x="0" y="0"/>
-          <a:chExt cx="0" cy="0"/>
-        </a:xfrm>
-      </p:grpSpPr>
-      <p:sp>
-        <p:nvSpPr>
-          <p:cNvPr id="2" name="Titre 1"/>
-          <p:cNvSpPr>
-            <a:spLocks noGrp="1"/>
-          </p:cNvSpPr>
-          <p:nvPr>
-            <p:ph type="title"/>
-          </p:nvPr>
-        </p:nvSpPr>
-        <p:spPr/>
-        <p:txBody>
-          <a:bodyPr anchor="ctr"/>
-          <a:lstStyle/>
-          <a:p>
-            <a:pPr algn="ctr"/>
-            <a:r>
-              <a:rPr lang="fr-FR" dirty="0" err="1" smtClean="0">
-                <a:solidFill>
-                  <a:schemeClr val="accent1">
-                    <a:lumMod val="60000"/>
-                    <a:lumOff val="40000"/>
-                  </a:schemeClr>
-                </a:solidFill>
-              </a:rPr>
-              <a:t>What</a:t>
-            </a:r>
-            <a:r>
-              <a:rPr lang="fr-FR" dirty="0" smtClean="0">
-                <a:solidFill>
-                  <a:schemeClr val="accent1">
-                    <a:lumMod val="60000"/>
-                    <a:lumOff val="40000"/>
-                  </a:schemeClr>
-                </a:solidFill>
-              </a:rPr>
-              <a:t> </a:t>
-            </a:r>
-            <a:r>
-              <a:rPr lang="fr-FR" dirty="0" err="1" smtClean="0">
-                <a:solidFill>
-                  <a:schemeClr val="accent1">
-                    <a:lumMod val="60000"/>
-                    <a:lumOff val="40000"/>
-                  </a:schemeClr>
-                </a:solidFill>
-              </a:rPr>
-              <a:t>is</a:t>
-            </a:r>
-            <a:r>
-              <a:rPr lang="fr-FR" dirty="0" smtClean="0">
-                <a:solidFill>
-                  <a:schemeClr val="accent1">
-                    <a:lumMod val="60000"/>
-                    <a:lumOff val="40000"/>
-                  </a:schemeClr>
-                </a:solidFill>
-              </a:rPr>
-              <a:t> ICT ?</a:t>
-            </a:r>
-            <a:endParaRPr lang="en-US" dirty="0">
-              <a:solidFill>
-                <a:schemeClr val="accent1">
-                  <a:lumMod val="60000"/>
-                  <a:lumOff val="40000"/>
-                </a:schemeClr>
-              </a:solidFill>
-            </a:endParaRPr>
-          </a:p>
-        </p:txBody>
-      </p:sp>
-      <p:sp>
-        <p:nvSpPr>
-          <p:cNvPr id="3" name="Espace réservé du contenu 2"/>
-          <p:cNvSpPr>
-            <a:spLocks noGrp="1"/>
-          </p:cNvSpPr>
-          <p:nvPr>
-            <p:ph idx="1"/>
-          </p:nvPr>
-        </p:nvSpPr>
-        <p:spPr/>
-        <p:txBody>
-          <a:bodyPr>
-            <a:normAutofit/>
-          </a:bodyPr>
-          <a:lstStyle/>
-          <a:p>
-            <a:r>
-              <a:rPr lang="en-US" dirty="0"/>
-              <a:t>CT, or Information and Communications Technology, refers to the infrastructure and components that enable modern computing. It encompasses a diverse set of technological tools and resources used to transmit, store, create, share, and </a:t>
-            </a:r>
-            <a:r>
-              <a:rPr lang="en-US" dirty="0" smtClean="0"/>
-              <a:t>manage  information</a:t>
-            </a:r>
-            <a:r>
-              <a:rPr lang="en-US" dirty="0"/>
-              <a:t> </a:t>
-            </a:r>
-            <a:r>
-              <a:rPr lang="en-US" dirty="0" smtClean="0"/>
-              <a:t> . </a:t>
-            </a:r>
-            <a:r>
-              <a:rPr lang="en-US" dirty="0"/>
-              <a:t>ICT involves the use of computing and telecommunication technologies, systems, and tools to facilitate various processes and </a:t>
-            </a:r>
-            <a:r>
-              <a:rPr lang="en-US" dirty="0" smtClean="0"/>
-              <a:t>activities</a:t>
-            </a:r>
-            <a:r>
-              <a:rPr lang="en-US" dirty="0"/>
-              <a:t> </a:t>
-            </a:r>
-            <a:r>
-              <a:rPr lang="en-US" dirty="0" smtClean="0"/>
-              <a:t>.</a:t>
-            </a:r>
-          </a:p>
-          <a:p>
-            <a:r>
-              <a:rPr lang="en-US" dirty="0" smtClean="0"/>
-              <a:t>In </a:t>
-            </a:r>
-            <a:r>
-              <a:rPr lang="en-US" dirty="0"/>
-              <a:t>simpler terms, ICT is the combination of hardware, software, networks, and communication devices that allow us to process information efficiently. It plays a crucial role in our daily lives by enabling us to access information quickly, communicate with others across distances, store data securely, collaborate on projects remotely, and much more.</a:t>
-            </a:r>
-          </a:p>
-        </p:txBody>
-      </p:sp>
-    </p:spTree>
-    <p:extLst>
-      <p:ext uri="{BB962C8B-B14F-4D97-AF65-F5344CB8AC3E}">
-        <p14:creationId xmlns:p14="http://schemas.microsoft.com/office/powerpoint/2010/main" val="272399490"/>
-      </p:ext>
-    </p:extLst>
-  </p:cSld>
-  <p:clrMapOvr>
-    <a:masterClrMapping/>
-  </p:clrMapOvr>
-  <mc:AlternateContent xmlns:mc="http://schemas.openxmlformats.org/markup-compatibility/2006" xmlns:p14="http://schemas.microsoft.com/office/powerpoint/2010/main">
-    <mc:Choice Requires="p14">
-      <p:transition spd="slow" p14:dur="3400" advTm="10000">
-        <p14:reveal/>
-      </p:transition>
-    </mc:Choice>
-    <mc:Fallback xmlns="">
-      <p:transition spd="slow" advTm="10000">
-        <p:fade/>
-      </p:transition>
-    </mc:Fallback>
-  </mc:AlternateContent>
-  <p:timing>
-    <p:tnLst>
-      <p:par>
-        <p:cTn id="1" dur="indefinite" restart="never" nodeType="tmRoot">
-          <p:childTnLst>
-            <p:seq concurrent="1" nextAc="seek">
-              <p:cTn id="2" dur="indefinite" nodeType="mainSeq">
-                <p:childTnLst>
-                  <p:par>
-                    <p:cTn id="3" fill="hold">
-                      <p:stCondLst>
-                        <p:cond delay="indefinite"/>
-                      </p:stCondLst>
-                      <p:childTnLst>
-                        <p:par>
-                          <p:cTn id="4" fill="hold">
-                            <p:stCondLst>
-                              <p:cond delay="0"/>
-                            </p:stCondLst>
-                            <p:childTnLst>
-                              <p:par>
-                                <p:cTn id="5" presetID="2" presetClass="entr" presetSubtype="4" fill="hold" nodeType="clickEffect">
-                                  <p:stCondLst>
-                                    <p:cond delay="0"/>
-                                  </p:stCondLst>
-                                  <p:childTnLst>
-                                    <p:set>
-                                      <p:cBhvr>
-                                        <p:cTn id="6" dur="1" fill="hold">
-                                          <p:stCondLst>
-                                            <p:cond delay="0"/>
-                                          </p:stCondLst>
-                                        </p:cTn>
-                                        <p:tgtEl>
-                                          <p:spTgt spid="3">
-                                            <p:txEl>
-                                              <p:pRg st="0" end="0"/>
-                                            </p:txEl>
-                                          </p:spTgt>
-                                        </p:tgtEl>
-                                        <p:attrNameLst>
-                                          <p:attrName>style.visibility</p:attrName>
-                                        </p:attrNameLst>
-                                      </p:cBhvr>
-                                      <p:to>
-                                        <p:strVal val="visible"/>
-                                      </p:to>
-                                    </p:set>
-                                    <p:anim calcmode="lin" valueType="num">
-                                      <p:cBhvr additive="base">
-                                        <p:cTn id="7" dur="500" fill="hold"/>
-                                        <p:tgtEl>
-                                          <p:spTgt spid="3">
-                                            <p:txEl>
-                                              <p:pRg st="0" end="0"/>
-                                            </p:txEl>
-                                          </p:spTgt>
-                                        </p:tgtEl>
-                                        <p:attrNameLst>
-                                          <p:attrName>ppt_x</p:attrName>
-                                        </p:attrNameLst>
-                                      </p:cBhvr>
-                                      <p:tavLst>
-                                        <p:tav tm="0">
-                                          <p:val>
-                                            <p:strVal val="#ppt_x"/>
-                                          </p:val>
-                                        </p:tav>
-                                        <p:tav tm="100000">
-                                          <p:val>
-                                            <p:strVal val="#ppt_x"/>
-                                          </p:val>
-                                        </p:tav>
-                                      </p:tavLst>
-                                    </p:anim>
-                                    <p:anim calcmode="lin" valueType="num">
-                                      <p:cBhvr additive="base">
-                                        <p:cTn id="8" dur="500" fill="hold"/>
-                                        <p:tgtEl>
-                                          <p:spTgt spid="3">
-                                            <p:txEl>
-                                              <p:pRg st="0" end="0"/>
-                                            </p:txEl>
-                                          </p:spTgt>
-                                        </p:tgtEl>
-                                        <p:attrNameLst>
-                                          <p:attrName>ppt_y</p:attrName>
-                                        </p:attrNameLst>
-                                      </p:cBhvr>
-                                      <p:tavLst>
-                                        <p:tav tm="0">
-                                          <p:val>
-                                            <p:strVal val="1+#ppt_h/2"/>
-                                          </p:val>
-                                        </p:tav>
-                                        <p:tav tm="100000">
-                                          <p:val>
-                                            <p:strVal val="#ppt_y"/>
-                                          </p:val>
-                                        </p:tav>
-                                      </p:tavLst>
-                                    </p:anim>
-                                  </p:childTnLst>
-                                </p:cTn>
-                              </p:par>
-                            </p:childTnLst>
-                          </p:cTn>
-                        </p:par>
-                      </p:childTnLst>
-                    </p:cTn>
-                  </p:par>
-                  <p:par>
-                    <p:cTn id="9" fill="hold">
-                      <p:stCondLst>
-                        <p:cond delay="indefinite"/>
-                      </p:stCondLst>
-                      <p:childTnLst>
-                        <p:par>
-                          <p:cTn id="10" fill="hold">
-                            <p:stCondLst>
-                              <p:cond delay="0"/>
-                            </p:stCondLst>
-                            <p:childTnLst>
-                              <p:par>
-                                <p:cTn id="11" presetID="2" presetClass="entr" presetSubtype="4" fill="hold" nodeType="clickEffect">
-                                  <p:stCondLst>
-                                    <p:cond delay="0"/>
-                                  </p:stCondLst>
-                                  <p:childTnLst>
-                                    <p:set>
-                                      <p:cBhvr>
-                                        <p:cTn id="12" dur="1" fill="hold">
-                                          <p:stCondLst>
-                                            <p:cond delay="0"/>
-                                          </p:stCondLst>
-                                        </p:cTn>
-                                        <p:tgtEl>
-                                          <p:spTgt spid="3">
-                                            <p:txEl>
-                                              <p:pRg st="1" end="1"/>
-                                            </p:txEl>
-                                          </p:spTgt>
-                                        </p:tgtEl>
-                                        <p:attrNameLst>
-                                          <p:attrName>style.visibility</p:attrName>
-                                        </p:attrNameLst>
-                                      </p:cBhvr>
-                                      <p:to>
-                                        <p:strVal val="visible"/>
-                                      </p:to>
-                                    </p:set>
-                                    <p:anim calcmode="lin" valueType="num">
-                                      <p:cBhvr additive="base">
-                                        <p:cTn id="13" dur="500" fill="hold"/>
-                                        <p:tgtEl>
-                                          <p:spTgt spid="3">
-                                            <p:txEl>
-                                              <p:pRg st="1" end="1"/>
-                                            </p:txEl>
-                                          </p:spTgt>
-                                        </p:tgtEl>
-                                        <p:attrNameLst>
-                                          <p:attrName>ppt_x</p:attrName>
-                                        </p:attrNameLst>
-                                      </p:cBhvr>
-                                      <p:tavLst>
-                                        <p:tav tm="0">
-                                          <p:val>
-                                            <p:strVal val="#ppt_x"/>
-                                          </p:val>
-                                        </p:tav>
-                                        <p:tav tm="100000">
-                                          <p:val>
-                                            <p:strVal val="#ppt_x"/>
-                                          </p:val>
-                                        </p:tav>
-                                      </p:tavLst>
-                                    </p:anim>
-                                    <p:anim calcmode="lin" valueType="num">
-                                      <p:cBhvr additive="base">
-                                        <p:cTn id="14" dur="500" fill="hold"/>
-                                        <p:tgtEl>
-                                          <p:spTgt spid="3">
-                                            <p:txEl>
-                                              <p:pRg st="1" end="1"/>
-                                            </p:txEl>
-                                          </p:spTgt>
-                                        </p:tgtEl>
-                                        <p:attrNameLst>
-                                          <p:attrName>ppt_y</p:attrName>
-                                        </p:attrNameLst>
-                                      </p:cBhvr>
-                                      <p:tavLst>
-                                        <p:tav tm="0">
-                                          <p:val>
-                                            <p:strVal val="1+#ppt_h/2"/>
-                                          </p:val>
-                                        </p:tav>
-                                        <p:tav tm="100000">
-                                          <p:val>
-                                            <p:strVal val="#ppt_y"/>
-                                          </p:val>
-                                        </p:tav>
-                                      </p:tavLst>
-                                    </p:anim>
-                                  </p:childTnLst>
-                                </p:cTn>
-                              </p:par>
-                            </p:childTnLst>
-                          </p:cTn>
-                        </p:par>
-                      </p:childTnLst>
-                    </p:cTn>
-                  </p:par>
-                </p:childTnLst>
-              </p:cTn>
-              <p:prevCondLst>
-                <p:cond evt="onPrev" delay="0">
-                  <p:tgtEl>
-                    <p:sldTgt/>
-                  </p:tgtEl>
-                </p:cond>
-              </p:prevCondLst>
-              <p:nextCondLst>
-                <p:cond evt="onNext" delay="0">
-                  <p:tgtEl>
-                    <p:sldTgt/>
-                  </p:tgtEl>
-                </p:cond>
-              </p:nextCondLst>
-            </p:seq>
-          </p:childTnLst>
-        </p:cTn>
-      </p:par>
-    </p:tnLst>
-  </p:timing>
-</p:sld>
-</file>
-
-<file path=ppt/slides/slide5.xml><?xml version="1.0" encoding="utf-8"?>
-<p:sld xmlns:a="http://schemas.openxmlformats.org/drawingml/2006/main" xmlns:r="http://schemas.openxmlformats.org/officeDocument/2006/relationships" xmlns:p="http://schemas.openxmlformats.org/presentationml/2006/main">
-  <p:cSld>
-    <p:bg>
-      <p:bgPr>
-        <a:blipFill dpi="0" rotWithShape="1">
-          <a:blip r:embed="rId2">
-            <a:alphaModFix amt="87000"/>
-            <a:lum/>
-          </a:blip>
-          <a:srcRect/>
-          <a:stretch>
-            <a:fillRect t="-17000" b="-17000"/>
-          </a:stretch>
-        </a:blipFill>
-        <a:effectLst/>
-      </p:bgPr>
-    </p:bg>
-    <p:spTree>
-      <p:nvGrpSpPr>
-        <p:cNvPr id="1" name=""/>
-        <p:cNvGrpSpPr/>
-        <p:nvPr/>
-      </p:nvGrpSpPr>
-      <p:grpSpPr>
-        <a:xfrm>
-          <a:off x="0" y="0"/>
-          <a:ext cx="0" cy="0"/>
-          <a:chOff x="0" y="0"/>
-          <a:chExt cx="0" cy="0"/>
-        </a:xfrm>
-      </p:grpSpPr>
-      <p:sp>
-        <p:nvSpPr>
-          <p:cNvPr id="2" name="Titre 1"/>
-          <p:cNvSpPr>
-            <a:spLocks noGrp="1"/>
-          </p:cNvSpPr>
-          <p:nvPr>
-            <p:ph type="title"/>
-          </p:nvPr>
-        </p:nvSpPr>
-        <p:spPr/>
-        <p:txBody>
-          <a:bodyPr anchor="ctr"/>
-          <a:lstStyle/>
-          <a:p>
-            <a:pPr algn="ctr"/>
-            <a:r>
-              <a:rPr lang="fr-FR" dirty="0" err="1" smtClean="0">
-                <a:solidFill>
-                  <a:schemeClr val="accent1">
-                    <a:lumMod val="60000"/>
-                    <a:lumOff val="40000"/>
-                  </a:schemeClr>
-                </a:solidFill>
-                <a:latin typeface="Arial Rounded MT Bold" panose="020F0704030504030204" pitchFamily="34" charset="0"/>
-              </a:rPr>
-              <a:t>history</a:t>
-            </a:r>
-            <a:endParaRPr lang="en-US" dirty="0">
-              <a:solidFill>
-                <a:schemeClr val="accent1">
-                  <a:lumMod val="60000"/>
-                  <a:lumOff val="40000"/>
-                </a:schemeClr>
-              </a:solidFill>
-              <a:latin typeface="Arial Rounded MT Bold" panose="020F0704030504030204" pitchFamily="34" charset="0"/>
-            </a:endParaRPr>
-          </a:p>
-        </p:txBody>
-      </p:sp>
-      <p:sp>
-        <p:nvSpPr>
-          <p:cNvPr id="3" name="Espace réservé du contenu 2"/>
-          <p:cNvSpPr>
-            <a:spLocks noGrp="1"/>
-          </p:cNvSpPr>
-          <p:nvPr>
-            <p:ph idx="1"/>
-          </p:nvPr>
-        </p:nvSpPr>
-        <p:spPr>
-          <a:xfrm>
-            <a:off x="1207506" y="2052919"/>
-            <a:ext cx="8843328" cy="3839882"/>
-          </a:xfrm>
-          <a:solidFill>
-            <a:schemeClr val="tx1">
-              <a:alpha val="81000"/>
-            </a:schemeClr>
-          </a:solidFill>
-          <a:ln>
-            <a:gradFill>
-              <a:gsLst>
-                <a:gs pos="0">
-                  <a:schemeClr val="accent1">
-                    <a:lumMod val="5000"/>
-                    <a:lumOff val="95000"/>
-                  </a:schemeClr>
-                </a:gs>
-                <a:gs pos="74000">
-                  <a:schemeClr val="accent1">
-                    <a:lumMod val="45000"/>
-                    <a:lumOff val="55000"/>
-                  </a:schemeClr>
-                </a:gs>
-                <a:gs pos="83000">
-                  <a:schemeClr val="accent1">
-                    <a:lumMod val="45000"/>
-                    <a:lumOff val="55000"/>
-                  </a:schemeClr>
-                </a:gs>
-                <a:gs pos="100000">
-                  <a:schemeClr val="accent1">
-                    <a:lumMod val="30000"/>
-                    <a:lumOff val="70000"/>
-                  </a:schemeClr>
-                </a:gs>
-              </a:gsLst>
-              <a:lin ang="5400000" scaled="1"/>
-            </a:gradFill>
-          </a:ln>
-        </p:spPr>
-        <p:txBody>
-          <a:bodyPr/>
-          <a:lstStyle/>
-          <a:p>
-            <a:r>
-              <a:rPr lang="en-US" dirty="0">
-                <a:solidFill>
-                  <a:schemeClr val="accent2">
-                    <a:lumMod val="75000"/>
-                  </a:schemeClr>
-                </a:solidFill>
-              </a:rPr>
-              <a:t>The History of information and communication technologies is</a:t>
-            </a:r>
-            <a:br>
-              <a:rPr lang="en-US" dirty="0">
-                <a:solidFill>
-                  <a:schemeClr val="accent2">
-                    <a:lumMod val="75000"/>
-                  </a:schemeClr>
-                </a:solidFill>
-              </a:rPr>
-            </a:br>
-            <a:r>
-              <a:rPr lang="en-US" dirty="0">
-                <a:solidFill>
-                  <a:schemeClr val="accent2">
-                    <a:lumMod val="75000"/>
-                  </a:schemeClr>
-                </a:solidFill>
-              </a:rPr>
-              <a:t>marked </a:t>
-            </a:r>
-            <a:r>
-              <a:rPr lang="en-US" dirty="0" err="1">
-                <a:solidFill>
-                  <a:schemeClr val="accent2">
-                    <a:lumMod val="75000"/>
-                  </a:schemeClr>
-                </a:solidFill>
-              </a:rPr>
-              <a:t>ba</a:t>
-            </a:r>
-            <a:r>
-              <a:rPr lang="en-US" dirty="0">
-                <a:solidFill>
-                  <a:schemeClr val="accent2">
-                    <a:lumMod val="75000"/>
-                  </a:schemeClr>
-                </a:solidFill>
-              </a:rPr>
-              <a:t> a diversity of innovations.</a:t>
-            </a:r>
-            <a:br>
-              <a:rPr lang="en-US" dirty="0">
-                <a:solidFill>
-                  <a:schemeClr val="accent2">
-                    <a:lumMod val="75000"/>
-                  </a:schemeClr>
-                </a:solidFill>
-              </a:rPr>
-            </a:br>
-            <a:r>
-              <a:rPr lang="en-US" dirty="0">
-                <a:solidFill>
-                  <a:schemeClr val="accent2">
-                    <a:lumMod val="75000"/>
-                  </a:schemeClr>
-                </a:solidFill>
-              </a:rPr>
-              <a:t>It begins in 19th century with inventions such as Telegraph and</a:t>
-            </a:r>
-            <a:br>
-              <a:rPr lang="en-US" dirty="0">
-                <a:solidFill>
-                  <a:schemeClr val="accent2">
-                    <a:lumMod val="75000"/>
-                  </a:schemeClr>
-                </a:solidFill>
-              </a:rPr>
-            </a:br>
-            <a:r>
-              <a:rPr lang="en-US" dirty="0">
-                <a:solidFill>
-                  <a:schemeClr val="accent2">
-                    <a:lumMod val="75000"/>
-                  </a:schemeClr>
-                </a:solidFill>
-              </a:rPr>
-              <a:t>telephone, which revolutionized communication by enabling near</a:t>
-            </a:r>
-            <a:br>
-              <a:rPr lang="en-US" dirty="0">
-                <a:solidFill>
-                  <a:schemeClr val="accent2">
-                    <a:lumMod val="75000"/>
-                  </a:schemeClr>
-                </a:solidFill>
-              </a:rPr>
-            </a:br>
-            <a:r>
-              <a:rPr lang="en-US" dirty="0">
-                <a:solidFill>
-                  <a:schemeClr val="accent2">
-                    <a:lumMod val="75000"/>
-                  </a:schemeClr>
-                </a:solidFill>
-              </a:rPr>
-              <a:t>real time, long distance exchanges.</a:t>
-            </a:r>
-            <a:br>
-              <a:rPr lang="en-US" dirty="0">
-                <a:solidFill>
-                  <a:schemeClr val="accent2">
-                    <a:lumMod val="75000"/>
-                  </a:schemeClr>
-                </a:solidFill>
-              </a:rPr>
-            </a:br>
-            <a:r>
-              <a:rPr lang="en-US" dirty="0">
-                <a:solidFill>
-                  <a:schemeClr val="accent2">
-                    <a:lumMod val="75000"/>
-                  </a:schemeClr>
-                </a:solidFill>
-              </a:rPr>
-              <a:t>The mid 20th century witnessed the rise of mass communication</a:t>
-            </a:r>
-            <a:br>
-              <a:rPr lang="en-US" dirty="0">
-                <a:solidFill>
-                  <a:schemeClr val="accent2">
-                    <a:lumMod val="75000"/>
-                  </a:schemeClr>
-                </a:solidFill>
-              </a:rPr>
-            </a:br>
-            <a:r>
-              <a:rPr lang="en-US" dirty="0">
-                <a:solidFill>
-                  <a:schemeClr val="accent2">
-                    <a:lumMod val="75000"/>
-                  </a:schemeClr>
-                </a:solidFill>
-              </a:rPr>
-              <a:t>through radio and television. By the end of the </a:t>
-            </a:r>
-            <a:r>
-              <a:rPr lang="en-US" dirty="0" err="1">
-                <a:solidFill>
-                  <a:schemeClr val="accent2">
-                    <a:lumMod val="75000"/>
-                  </a:schemeClr>
-                </a:solidFill>
-              </a:rPr>
-              <a:t>cetury</a:t>
-            </a:r>
-            <a:r>
-              <a:rPr lang="en-US" dirty="0">
-                <a:solidFill>
-                  <a:schemeClr val="accent2">
-                    <a:lumMod val="75000"/>
-                  </a:schemeClr>
-                </a:solidFill>
-              </a:rPr>
-              <a:t>, the inter-</a:t>
-            </a:r>
-            <a:br>
-              <a:rPr lang="en-US" dirty="0">
-                <a:solidFill>
-                  <a:schemeClr val="accent2">
-                    <a:lumMod val="75000"/>
-                  </a:schemeClr>
-                </a:solidFill>
-              </a:rPr>
-            </a:br>
-            <a:r>
-              <a:rPr lang="en-US" dirty="0">
-                <a:solidFill>
-                  <a:schemeClr val="accent2">
-                    <a:lumMod val="75000"/>
-                  </a:schemeClr>
-                </a:solidFill>
-              </a:rPr>
-              <a:t>net had become an essential tool for communication, commerce,</a:t>
-            </a:r>
-            <a:br>
-              <a:rPr lang="en-US" dirty="0">
-                <a:solidFill>
-                  <a:schemeClr val="accent2">
-                    <a:lumMod val="75000"/>
-                  </a:schemeClr>
-                </a:solidFill>
-              </a:rPr>
-            </a:br>
-            <a:r>
-              <a:rPr lang="en-US" dirty="0">
-                <a:solidFill>
-                  <a:schemeClr val="accent2">
-                    <a:lumMod val="75000"/>
-                  </a:schemeClr>
-                </a:solidFill>
-              </a:rPr>
-              <a:t>and </a:t>
-            </a:r>
-            <a:r>
-              <a:rPr lang="en-US" dirty="0" err="1">
-                <a:solidFill>
-                  <a:schemeClr val="accent2">
-                    <a:lumMod val="75000"/>
-                  </a:schemeClr>
-                </a:solidFill>
-              </a:rPr>
-              <a:t>leisurs</a:t>
-            </a:r>
-            <a:r>
-              <a:rPr lang="en-US" dirty="0">
-                <a:solidFill>
-                  <a:schemeClr val="accent2">
-                    <a:lumMod val="75000"/>
-                  </a:schemeClr>
-                </a:solidFill>
-              </a:rPr>
-              <a:t>. Since then, these technologies have rapidly evolved,</a:t>
-            </a:r>
-            <a:br>
-              <a:rPr lang="en-US" dirty="0">
-                <a:solidFill>
-                  <a:schemeClr val="accent2">
-                    <a:lumMod val="75000"/>
-                  </a:schemeClr>
-                </a:solidFill>
-              </a:rPr>
-            </a:br>
-            <a:r>
-              <a:rPr lang="en-US" dirty="0">
-                <a:solidFill>
-                  <a:schemeClr val="accent2">
-                    <a:lumMod val="75000"/>
-                  </a:schemeClr>
-                </a:solidFill>
-              </a:rPr>
-              <a:t>transforming our work methodologies, interactions, and </a:t>
-            </a:r>
-            <a:r>
-              <a:rPr lang="en-US" dirty="0" err="1">
-                <a:solidFill>
-                  <a:schemeClr val="accent2">
-                    <a:lumMod val="75000"/>
-                  </a:schemeClr>
-                </a:solidFill>
-              </a:rPr>
-              <a:t>commu</a:t>
-            </a:r>
-            <a:r>
-              <a:rPr lang="en-US" dirty="0">
-                <a:solidFill>
-                  <a:schemeClr val="accent2">
-                    <a:lumMod val="75000"/>
-                  </a:schemeClr>
-                </a:solidFill>
-              </a:rPr>
-              <a:t>-</a:t>
-            </a:r>
-            <a:br>
-              <a:rPr lang="en-US" dirty="0">
-                <a:solidFill>
-                  <a:schemeClr val="accent2">
-                    <a:lumMod val="75000"/>
-                  </a:schemeClr>
-                </a:solidFill>
-              </a:rPr>
-            </a:br>
-            <a:r>
-              <a:rPr lang="en-US" dirty="0" err="1">
-                <a:solidFill>
-                  <a:schemeClr val="accent2">
-                    <a:lumMod val="75000"/>
-                  </a:schemeClr>
-                </a:solidFill>
-              </a:rPr>
-              <a:t>nication</a:t>
-            </a:r>
-            <a:r>
-              <a:rPr lang="en-US" dirty="0">
-                <a:solidFill>
-                  <a:schemeClr val="accent2">
-                    <a:lumMod val="75000"/>
-                  </a:schemeClr>
-                </a:solidFill>
-              </a:rPr>
-              <a:t> </a:t>
-            </a:r>
-            <a:r>
-              <a:rPr lang="en-US" dirty="0" err="1">
-                <a:solidFill>
-                  <a:schemeClr val="accent2">
-                    <a:lumMod val="75000"/>
-                  </a:schemeClr>
-                </a:solidFill>
-              </a:rPr>
-              <a:t>prectices</a:t>
-            </a:r>
-            <a:r>
-              <a:rPr lang="en-US" dirty="0">
-                <a:solidFill>
-                  <a:schemeClr val="accent2">
-                    <a:lumMod val="75000"/>
-                  </a:schemeClr>
-                </a:solidFill>
-              </a:rPr>
-              <a:t>, thereby contributing to shaping the modern</a:t>
-            </a:r>
-            <a:br>
-              <a:rPr lang="en-US" dirty="0">
-                <a:solidFill>
-                  <a:schemeClr val="accent2">
-                    <a:lumMod val="75000"/>
-                  </a:schemeClr>
-                </a:solidFill>
-              </a:rPr>
-            </a:br>
-            <a:r>
-              <a:rPr lang="en-US" dirty="0">
-                <a:solidFill>
-                  <a:schemeClr val="accent2">
-                    <a:lumMod val="75000"/>
-                  </a:schemeClr>
-                </a:solidFill>
-              </a:rPr>
-              <a:t>world.</a:t>
-            </a:r>
-          </a:p>
-        </p:txBody>
-      </p:sp>
-    </p:spTree>
-    <p:extLst>
-      <p:ext uri="{BB962C8B-B14F-4D97-AF65-F5344CB8AC3E}">
-        <p14:creationId xmlns:p14="http://schemas.microsoft.com/office/powerpoint/2010/main" val="342204979"/>
-      </p:ext>
-    </p:extLst>
-  </p:cSld>
-  <p:clrMapOvr>
-    <a:masterClrMapping/>
-  </p:clrMapOvr>
-  <p:transition spd="slow" advTm="5000">
-    <p:push dir="u"/>
-  </p:transition>
-  <p:timing>
-    <p:tnLst>
-      <p:par>
-        <p:cTn id="1" dur="indefinite" restart="never" nodeType="tmRoot">
-          <p:childTnLst>
-            <p:seq concurrent="1" nextAc="seek">
-              <p:cTn id="2" dur="indefinite" nodeType="mainSeq">
-                <p:childTnLst>
-                  <p:par>
-                    <p:cTn id="3" fill="hold">
-                      <p:stCondLst>
-                        <p:cond delay="indefinite"/>
-                      </p:stCondLst>
-                      <p:childTnLst>
-                        <p:par>
-                          <p:cTn id="4" fill="hold">
-                            <p:stCondLst>
-                              <p:cond delay="0"/>
-                            </p:stCondLst>
-                            <p:childTnLst>
-                              <p:par>
-                                <p:cTn id="5" presetID="16" presetClass="entr" presetSubtype="21" fill="hold" nodeType="clickEffect">
-                                  <p:stCondLst>
-                                    <p:cond delay="0"/>
-                                  </p:stCondLst>
-                                  <p:childTnLst>
-                                    <p:set>
-                                      <p:cBhvr>
-                                        <p:cTn id="6" dur="1" fill="hold">
-                                          <p:stCondLst>
-                                            <p:cond delay="0"/>
-                                          </p:stCondLst>
-                                        </p:cTn>
-                                        <p:tgtEl>
-                                          <p:spTgt spid="3">
-                                            <p:txEl>
-                                              <p:pRg st="0" end="0"/>
-                                            </p:txEl>
-                                          </p:spTgt>
-                                        </p:tgtEl>
-                                        <p:attrNameLst>
-                                          <p:attrName>style.visibility</p:attrName>
-                                        </p:attrNameLst>
-                                      </p:cBhvr>
-                                      <p:to>
-                                        <p:strVal val="visible"/>
-                                      </p:to>
-                                    </p:set>
-                                    <p:animEffect transition="in" filter="barn(inVertical)">
-                                      <p:cBhvr>
-                                        <p:cTn id="7" dur="500"/>
-                                        <p:tgtEl>
-                                          <p:spTgt spid="3">
-                                            <p:txEl>
-                                              <p:pRg st="0" end="0"/>
-                                            </p:txEl>
-                                          </p:spTgt>
-                                        </p:tgtEl>
-                                      </p:cBhvr>
-                                    </p:animEffect>
-                                  </p:childTnLst>
-                                </p:cTn>
-                              </p:par>
-                            </p:childTnLst>
-                          </p:cTn>
-                        </p:par>
-                      </p:childTnLst>
-                    </p:cTn>
-                  </p:par>
-                </p:childTnLst>
-              </p:cTn>
-              <p:prevCondLst>
-                <p:cond evt="onPrev" delay="0">
-                  <p:tgtEl>
-                    <p:sldTgt/>
-                  </p:tgtEl>
-                </p:cond>
-              </p:prevCondLst>
-              <p:nextCondLst>
-                <p:cond evt="onNext" delay="0">
-                  <p:tgtEl>
-                    <p:sldTgt/>
-                  </p:tgtEl>
-                </p:cond>
-              </p:nextCondLst>
-            </p:seq>
-          </p:childTnLst>
-        </p:cTn>
-      </p:par>
-    </p:tnLst>
-  </p:timing>
-</p:sld>
-</file>
-
-<file path=ppt/slides/slide6.xml><?xml version="1.0" encoding="utf-8"?>
-<p:sld xmlns:a="http://schemas.openxmlformats.org/drawingml/2006/main" xmlns:r="http://schemas.openxmlformats.org/officeDocument/2006/relationships" xmlns:p="http://schemas.openxmlformats.org/presentationml/2006/main">
-  <p:cSld>
-    <p:spTree>
-      <p:nvGrpSpPr>
-        <p:cNvPr id="1" name=""/>
-        <p:cNvGrpSpPr/>
-        <p:nvPr/>
-      </p:nvGrpSpPr>
-      <p:grpSpPr>
-        <a:xfrm>
-          <a:off x="0" y="0"/>
-          <a:ext cx="0" cy="0"/>
-          <a:chOff x="0" y="0"/>
-          <a:chExt cx="0" cy="0"/>
-        </a:xfrm>
-      </p:grpSpPr>
-      <p:sp>
-        <p:nvSpPr>
-          <p:cNvPr id="2" name="Titre 1"/>
-          <p:cNvSpPr>
-            <a:spLocks noGrp="1"/>
-          </p:cNvSpPr>
-          <p:nvPr>
-            <p:ph type="title"/>
-          </p:nvPr>
-        </p:nvSpPr>
-        <p:spPr/>
-        <p:txBody>
-          <a:bodyPr anchor="ctr"/>
-          <a:lstStyle/>
-          <a:p>
-            <a:pPr algn="ctr"/>
-            <a:r>
-              <a:rPr lang="en-US" dirty="0">
-                <a:solidFill>
-                  <a:schemeClr val="accent1">
-                    <a:lumMod val="60000"/>
-                    <a:lumOff val="40000"/>
-                  </a:schemeClr>
-                </a:solidFill>
-                <a:latin typeface="Arial Rounded MT Bold" panose="020F0704030504030204" pitchFamily="34" charset="0"/>
-              </a:rPr>
-              <a:t>Benefits of </a:t>
-            </a:r>
-            <a:r>
-              <a:rPr lang="en-US" dirty="0" smtClean="0">
-                <a:solidFill>
-                  <a:schemeClr val="accent1">
-                    <a:lumMod val="60000"/>
-                    <a:lumOff val="40000"/>
-                  </a:schemeClr>
-                </a:solidFill>
-                <a:latin typeface="Arial Rounded MT Bold" panose="020F0704030504030204" pitchFamily="34" charset="0"/>
-              </a:rPr>
-              <a:t>ICT</a:t>
-            </a:r>
-            <a:endParaRPr lang="en-US" dirty="0">
-              <a:solidFill>
-                <a:schemeClr val="accent1">
-                  <a:lumMod val="60000"/>
-                  <a:lumOff val="40000"/>
-                </a:schemeClr>
-              </a:solidFill>
-              <a:latin typeface="Arial Rounded MT Bold" panose="020F0704030504030204" pitchFamily="34" charset="0"/>
-            </a:endParaRPr>
+              <a:t>Benefits of ICT</a:t>
+            </a:r>
           </a:p>
         </p:txBody>
       </p:sp>
@@ -7932,21 +6288,13 @@
             </a:pPr>
             <a:r>
               <a:rPr lang="en-US" sz="2200" dirty="0"/>
-              <a:t>Information and Communications Technology, offers numerous benefits across various domains. Here are some advantages of ICT</a:t>
-            </a:r>
-            <a:r>
-              <a:rPr lang="en-US" sz="2200" dirty="0" smtClean="0"/>
-              <a:t>:</a:t>
+              <a:t>Information and Communications Technology, offers numerous benefits across various domains. Here are some advantages of ICT:</a:t>
             </a:r>
           </a:p>
           <a:p>
             <a:r>
               <a:rPr lang="en-US" sz="1600" dirty="0"/>
-              <a:t>Improved Efficiency ICT automates manual tasks, streamlines processes, and increases productivity. It enables organizations to store and retrieve data easily, manage resources effectively</a:t>
-            </a:r>
-            <a:r>
-              <a:rPr lang="en-US" sz="1600" dirty="0" smtClean="0"/>
-              <a:t>.</a:t>
+              <a:t>Improved Efficiency ICT automates manual tasks, streamlines processes, and increases productivity. It enables organizations to store and retrieve data easily, manage resources effectively.</a:t>
             </a:r>
           </a:p>
           <a:p>
@@ -7954,16 +6302,11 @@
               <a:rPr lang="en-US" sz="1600" dirty="0"/>
               <a:t>Education Enhancement: In the field of education, ICT has revolutionized teaching methods by providing interactive learning tools such as educational software applications, online courses, virtual classrooms, and multimedia resources </a:t>
             </a:r>
-            <a:endParaRPr lang="en-US" sz="1600" dirty="0" smtClean="0"/>
           </a:p>
           <a:p>
             <a:r>
               <a:rPr lang="en-US" sz="1600" dirty="0"/>
-              <a:t>Access to Information: With ICT, accessing information has become easier than ever before. The internet provides a vast amount of information at our fingertips, allowing quick research on any topic. This facilitates learning opportunities for students and professionals </a:t>
-            </a:r>
-            <a:r>
-              <a:rPr lang="en-US" sz="1600" dirty="0" smtClean="0"/>
-              <a:t>alike</a:t>
+              <a:t>Access to Information: With ICT, accessing information has become easier than ever before. The internet provides a vast amount of information at our fingertips, allowing quick research on any topic. This facilitates learning opportunities for students and professionals alike</a:t>
             </a:r>
           </a:p>
           <a:p>
@@ -7971,7 +6314,6 @@
               <a:rPr lang="en-US" sz="1700" dirty="0"/>
               <a:t>Enhanced Communication: ICT enables fast and efficient communication through various channels such as email, instant messaging, video conferencing, and social media platforms. It allows individuals and businesses to connect with people globally, fostering collaboration and knowledge sharing </a:t>
             </a:r>
-            <a:endParaRPr lang="en-US" sz="1700" dirty="0" smtClean="0"/>
           </a:p>
         </p:txBody>
       </p:sp>
@@ -8274,7 +6616,277 @@
 </p:sld>
 </file>
 
-<file path=ppt/slides/slide7.xml><?xml version="1.0" encoding="utf-8"?>
+<file path=ppt/slides/slide11.xml><?xml version="1.0" encoding="utf-8"?>
+<p:sld xmlns:a="http://schemas.openxmlformats.org/drawingml/2006/main" xmlns:r="http://schemas.openxmlformats.org/officeDocument/2006/relationships" xmlns:p="http://schemas.openxmlformats.org/presentationml/2006/main">
+  <p:cSld>
+    <p:bg>
+      <p:bgPr>
+        <a:blipFill dpi="0" rotWithShape="1">
+          <a:blip r:embed="rId2">
+            <a:alphaModFix amt="20000"/>
+            <a:lum/>
+          </a:blip>
+          <a:srcRect/>
+          <a:stretch>
+            <a:fillRect l="-1000" r="-1000"/>
+          </a:stretch>
+        </a:blipFill>
+        <a:effectLst/>
+      </p:bgPr>
+    </p:bg>
+    <p:spTree>
+      <p:nvGrpSpPr>
+        <p:cNvPr id="1" name=""/>
+        <p:cNvGrpSpPr/>
+        <p:nvPr/>
+      </p:nvGrpSpPr>
+      <p:grpSpPr>
+        <a:xfrm>
+          <a:off x="0" y="0"/>
+          <a:ext cx="0" cy="0"/>
+          <a:chOff x="0" y="0"/>
+          <a:chExt cx="0" cy="0"/>
+        </a:xfrm>
+      </p:grpSpPr>
+      <p:sp>
+        <p:nvSpPr>
+          <p:cNvPr id="2" name="Titre 1"/>
+          <p:cNvSpPr>
+            <a:spLocks noGrp="1"/>
+          </p:cNvSpPr>
+          <p:nvPr>
+            <p:ph type="title"/>
+          </p:nvPr>
+        </p:nvSpPr>
+        <p:spPr/>
+        <p:txBody>
+          <a:bodyPr/>
+          <a:lstStyle/>
+          <a:p>
+            <a:pPr algn="ctr"/>
+            <a:r>
+              <a:rPr lang="fr-FR" dirty="0">
+                <a:solidFill>
+                  <a:schemeClr val="tx2">
+                    <a:lumMod val="10000"/>
+                  </a:schemeClr>
+                </a:solidFill>
+                <a:latin typeface="Arial Rounded MT Bold" panose="020F0704030504030204" pitchFamily="34" charset="0"/>
+              </a:rPr>
+              <a:t>Information and communication </a:t>
+            </a:r>
+            <a:r>
+              <a:rPr lang="fr-FR" dirty="0" err="1">
+                <a:solidFill>
+                  <a:schemeClr val="tx2">
+                    <a:lumMod val="10000"/>
+                  </a:schemeClr>
+                </a:solidFill>
+                <a:latin typeface="Arial Rounded MT Bold" panose="020F0704030504030204" pitchFamily="34" charset="0"/>
+              </a:rPr>
+              <a:t>technology</a:t>
+            </a:r>
+            <a:r>
+              <a:rPr lang="fr-FR" dirty="0">
+                <a:solidFill>
+                  <a:schemeClr val="tx2">
+                    <a:lumMod val="10000"/>
+                  </a:schemeClr>
+                </a:solidFill>
+                <a:latin typeface="Arial Rounded MT Bold" panose="020F0704030504030204" pitchFamily="34" charset="0"/>
+              </a:rPr>
+              <a:t> </a:t>
+            </a:r>
+            <a:endParaRPr lang="en-US" dirty="0">
+              <a:solidFill>
+                <a:schemeClr val="tx2">
+                  <a:lumMod val="10000"/>
+                </a:schemeClr>
+              </a:solidFill>
+              <a:latin typeface="Arial Rounded MT Bold" panose="020F0704030504030204" pitchFamily="34" charset="0"/>
+            </a:endParaRPr>
+          </a:p>
+        </p:txBody>
+      </p:sp>
+      <p:sp>
+        <p:nvSpPr>
+          <p:cNvPr id="3" name="Espace réservé du contenu 2"/>
+          <p:cNvSpPr>
+            <a:spLocks noGrp="1"/>
+          </p:cNvSpPr>
+          <p:nvPr>
+            <p:ph idx="1"/>
+          </p:nvPr>
+        </p:nvSpPr>
+        <p:spPr>
+          <a:xfrm>
+            <a:off x="838200" y="1825625"/>
+            <a:ext cx="10515600" cy="4556702"/>
+          </a:xfrm>
+        </p:spPr>
+        <p:txBody>
+          <a:bodyPr>
+            <a:normAutofit/>
+          </a:bodyPr>
+          <a:lstStyle/>
+          <a:p>
+            <a:pPr marL="0" indent="0" algn="ctr">
+              <a:buNone/>
+            </a:pPr>
+            <a:br>
+              <a:rPr lang="en-US" dirty="0"/>
+            </a:br>
+            <a:r>
+              <a:rPr lang="en-US" sz="3600" b="1" dirty="0">
+                <a:solidFill>
+                  <a:schemeClr val="accent1">
+                    <a:lumMod val="60000"/>
+                    <a:lumOff val="40000"/>
+                  </a:schemeClr>
+                </a:solidFill>
+              </a:rPr>
+              <a:t>the content </a:t>
+            </a:r>
+            <a:endParaRPr lang="fr-FR" sz="3200" b="1" dirty="0">
+              <a:solidFill>
+                <a:schemeClr val="accent1">
+                  <a:lumMod val="60000"/>
+                  <a:lumOff val="40000"/>
+                </a:schemeClr>
+              </a:solidFill>
+            </a:endParaRPr>
+          </a:p>
+          <a:p>
+            <a:pPr marL="514350" indent="-514350">
+              <a:buFont typeface="+mj-lt"/>
+              <a:buAutoNum type="arabicPeriod"/>
+            </a:pPr>
+            <a:r>
+              <a:rPr lang="en-US" sz="2400" b="1" dirty="0">
+                <a:solidFill>
+                  <a:schemeClr val="tx2">
+                    <a:lumMod val="10000"/>
+                  </a:schemeClr>
+                </a:solidFill>
+              </a:rPr>
+              <a:t>Introduction</a:t>
+            </a:r>
+          </a:p>
+          <a:p>
+            <a:pPr marL="514350" indent="-514350">
+              <a:buFont typeface="+mj-lt"/>
+              <a:buAutoNum type="arabicPeriod"/>
+            </a:pPr>
+            <a:r>
+              <a:rPr lang="en-US" sz="2400" b="1" dirty="0">
+                <a:solidFill>
+                  <a:schemeClr val="tx2">
+                    <a:lumMod val="10000"/>
+                  </a:schemeClr>
+                </a:solidFill>
+              </a:rPr>
+              <a:t>What is ICT ?</a:t>
+            </a:r>
+          </a:p>
+          <a:p>
+            <a:pPr marL="514350" indent="-514350">
+              <a:buFont typeface="+mj-lt"/>
+              <a:buAutoNum type="arabicPeriod"/>
+            </a:pPr>
+            <a:r>
+              <a:rPr lang="en-US" sz="2400" b="1" dirty="0">
+                <a:solidFill>
+                  <a:schemeClr val="tx2">
+                    <a:lumMod val="10000"/>
+                  </a:schemeClr>
+                </a:solidFill>
+              </a:rPr>
+              <a:t>History</a:t>
+            </a:r>
+          </a:p>
+          <a:p>
+            <a:pPr marL="514350" indent="-514350">
+              <a:buFont typeface="+mj-lt"/>
+              <a:buAutoNum type="arabicPeriod"/>
+            </a:pPr>
+            <a:r>
+              <a:rPr lang="en-US" sz="2400" b="1" dirty="0">
+                <a:solidFill>
+                  <a:schemeClr val="tx2">
+                    <a:lumMod val="10000"/>
+                  </a:schemeClr>
+                </a:solidFill>
+              </a:rPr>
+              <a:t>Benefits of ICT</a:t>
+            </a:r>
+          </a:p>
+          <a:p>
+            <a:pPr marL="514350" indent="-514350">
+              <a:buFont typeface="+mj-lt"/>
+              <a:buAutoNum type="arabicPeriod"/>
+            </a:pPr>
+            <a:r>
+              <a:rPr lang="en-US" sz="2400" dirty="0">
+                <a:solidFill>
+                  <a:schemeClr val="tx2">
+                    <a:lumMod val="10000"/>
+                  </a:schemeClr>
+                </a:solidFill>
+              </a:rPr>
+              <a:t>Disadvantages of ICT</a:t>
+            </a:r>
+          </a:p>
+          <a:p>
+            <a:pPr marL="514350" indent="-514350">
+              <a:buFont typeface="+mj-lt"/>
+              <a:buAutoNum type="arabicPeriod"/>
+            </a:pPr>
+            <a:r>
+              <a:rPr lang="en-US" sz="2400" b="1" dirty="0">
+                <a:solidFill>
+                  <a:schemeClr val="tx2">
+                    <a:lumMod val="10000"/>
+                  </a:schemeClr>
+                </a:solidFill>
+              </a:rPr>
+              <a:t>Information on ICT policies and regulation</a:t>
+            </a:r>
+            <a:endParaRPr lang="en-US" sz="3200" b="1" dirty="0">
+              <a:solidFill>
+                <a:schemeClr val="tx2">
+                  <a:lumMod val="10000"/>
+                </a:schemeClr>
+              </a:solidFill>
+            </a:endParaRPr>
+          </a:p>
+        </p:txBody>
+      </p:sp>
+    </p:spTree>
+    <p:extLst>
+      <p:ext uri="{BB962C8B-B14F-4D97-AF65-F5344CB8AC3E}">
+        <p14:creationId xmlns:p14="http://schemas.microsoft.com/office/powerpoint/2010/main" val="4241113486"/>
+      </p:ext>
+    </p:extLst>
+  </p:cSld>
+  <p:clrMapOvr>
+    <a:masterClrMapping/>
+  </p:clrMapOvr>
+  <mc:AlternateContent xmlns:mc="http://schemas.openxmlformats.org/markup-compatibility/2006">
+    <mc:Choice xmlns:p14="http://schemas.microsoft.com/office/powerpoint/2010/main" Requires="p14">
+      <p:transition spd="slow" p14:dur="1500" advTm="7000">
+        <p:split orient="vert"/>
+      </p:transition>
+    </mc:Choice>
+    <mc:Fallback>
+      <p:transition spd="slow" advTm="7000">
+        <p:split orient="vert"/>
+      </p:transition>
+    </mc:Fallback>
+  </mc:AlternateContent>
+</p:sld>
+</file>
+
+<file path=ppt/slides/slide12.xml><?xml version="1.0" encoding="utf-8"?>
 <p:sld xmlns:a="http://schemas.openxmlformats.org/drawingml/2006/main" xmlns:r="http://schemas.openxmlformats.org/officeDocument/2006/relationships" xmlns:p="http://schemas.openxmlformats.org/presentationml/2006/main">
   <p:cSld>
     <p:spTree>
@@ -8344,11 +6956,7 @@
             </a:pPr>
             <a:r>
               <a:rPr lang="en-US" dirty="0"/>
-              <a:t>While Information and Communications Technology (ICT) offers numerous benefits, it also has some disadvantages. Here are a few of them</a:t>
-            </a:r>
-            <a:r>
-              <a:rPr lang="en-US" dirty="0" smtClean="0"/>
-              <a:t>:</a:t>
+              <a:t>While Information and Communications Technology (ICT) offers numerous benefits, it also has some disadvantages. Here are a few of them:</a:t>
             </a:r>
           </a:p>
           <a:p>
@@ -8619,7 +7227,288 @@
 </p:sld>
 </file>
 
-<file path=ppt/slides/slide8.xml><?xml version="1.0" encoding="utf-8"?>
+<file path=ppt/slides/slide13.xml><?xml version="1.0" encoding="utf-8"?>
+<p:sld xmlns:a="http://schemas.openxmlformats.org/drawingml/2006/main" xmlns:r="http://schemas.openxmlformats.org/officeDocument/2006/relationships" xmlns:p="http://schemas.openxmlformats.org/presentationml/2006/main">
+  <p:cSld>
+    <p:bg>
+      <p:bgPr>
+        <a:blipFill dpi="0" rotWithShape="1">
+          <a:blip r:embed="rId2">
+            <a:alphaModFix amt="20000"/>
+            <a:lum/>
+          </a:blip>
+          <a:srcRect/>
+          <a:stretch>
+            <a:fillRect l="-1000" r="-1000"/>
+          </a:stretch>
+        </a:blipFill>
+        <a:effectLst/>
+      </p:bgPr>
+    </p:bg>
+    <p:spTree>
+      <p:nvGrpSpPr>
+        <p:cNvPr id="1" name=""/>
+        <p:cNvGrpSpPr/>
+        <p:nvPr/>
+      </p:nvGrpSpPr>
+      <p:grpSpPr>
+        <a:xfrm>
+          <a:off x="0" y="0"/>
+          <a:ext cx="0" cy="0"/>
+          <a:chOff x="0" y="0"/>
+          <a:chExt cx="0" cy="0"/>
+        </a:xfrm>
+      </p:grpSpPr>
+      <p:sp>
+        <p:nvSpPr>
+          <p:cNvPr id="2" name="Titre 1"/>
+          <p:cNvSpPr>
+            <a:spLocks noGrp="1"/>
+          </p:cNvSpPr>
+          <p:nvPr>
+            <p:ph type="title"/>
+          </p:nvPr>
+        </p:nvSpPr>
+        <p:spPr/>
+        <p:txBody>
+          <a:bodyPr/>
+          <a:lstStyle/>
+          <a:p>
+            <a:pPr algn="ctr"/>
+            <a:r>
+              <a:rPr lang="fr-FR" dirty="0">
+                <a:solidFill>
+                  <a:schemeClr val="tx2">
+                    <a:lumMod val="10000"/>
+                  </a:schemeClr>
+                </a:solidFill>
+                <a:latin typeface="Arial Rounded MT Bold" panose="020F0704030504030204" pitchFamily="34" charset="0"/>
+              </a:rPr>
+              <a:t>Information and communication </a:t>
+            </a:r>
+            <a:r>
+              <a:rPr lang="fr-FR" dirty="0" err="1">
+                <a:solidFill>
+                  <a:schemeClr val="tx2">
+                    <a:lumMod val="10000"/>
+                  </a:schemeClr>
+                </a:solidFill>
+                <a:latin typeface="Arial Rounded MT Bold" panose="020F0704030504030204" pitchFamily="34" charset="0"/>
+              </a:rPr>
+              <a:t>technology</a:t>
+            </a:r>
+            <a:r>
+              <a:rPr lang="fr-FR" dirty="0">
+                <a:solidFill>
+                  <a:schemeClr val="tx2">
+                    <a:lumMod val="10000"/>
+                  </a:schemeClr>
+                </a:solidFill>
+                <a:latin typeface="Arial Rounded MT Bold" panose="020F0704030504030204" pitchFamily="34" charset="0"/>
+              </a:rPr>
+              <a:t> </a:t>
+            </a:r>
+            <a:endParaRPr lang="en-US" dirty="0">
+              <a:solidFill>
+                <a:schemeClr val="tx2">
+                  <a:lumMod val="10000"/>
+                </a:schemeClr>
+              </a:solidFill>
+              <a:latin typeface="Arial Rounded MT Bold" panose="020F0704030504030204" pitchFamily="34" charset="0"/>
+            </a:endParaRPr>
+          </a:p>
+        </p:txBody>
+      </p:sp>
+      <p:sp>
+        <p:nvSpPr>
+          <p:cNvPr id="3" name="Espace réservé du contenu 2"/>
+          <p:cNvSpPr>
+            <a:spLocks noGrp="1"/>
+          </p:cNvSpPr>
+          <p:nvPr>
+            <p:ph idx="1"/>
+          </p:nvPr>
+        </p:nvSpPr>
+        <p:spPr>
+          <a:xfrm>
+            <a:off x="838200" y="1825625"/>
+            <a:ext cx="10515600" cy="4556702"/>
+          </a:xfrm>
+        </p:spPr>
+        <p:txBody>
+          <a:bodyPr>
+            <a:normAutofit/>
+          </a:bodyPr>
+          <a:lstStyle/>
+          <a:p>
+            <a:pPr marL="0" indent="0" algn="ctr">
+              <a:buNone/>
+            </a:pPr>
+            <a:br>
+              <a:rPr lang="en-US" dirty="0"/>
+            </a:br>
+            <a:r>
+              <a:rPr lang="en-US" sz="3600" b="1" dirty="0">
+                <a:solidFill>
+                  <a:schemeClr val="accent1">
+                    <a:lumMod val="60000"/>
+                    <a:lumOff val="40000"/>
+                  </a:schemeClr>
+                </a:solidFill>
+              </a:rPr>
+              <a:t>the content</a:t>
+            </a:r>
+            <a:r>
+              <a:rPr lang="en-US" sz="3600" dirty="0">
+                <a:solidFill>
+                  <a:schemeClr val="accent1">
+                    <a:lumMod val="60000"/>
+                    <a:lumOff val="40000"/>
+                  </a:schemeClr>
+                </a:solidFill>
+              </a:rPr>
+              <a:t> </a:t>
+            </a:r>
+            <a:endParaRPr lang="fr-FR" sz="3200" dirty="0">
+              <a:solidFill>
+                <a:schemeClr val="accent1">
+                  <a:lumMod val="60000"/>
+                  <a:lumOff val="40000"/>
+                </a:schemeClr>
+              </a:solidFill>
+            </a:endParaRPr>
+          </a:p>
+          <a:p>
+            <a:pPr marL="514350" indent="-514350">
+              <a:buFont typeface="+mj-lt"/>
+              <a:buAutoNum type="arabicPeriod"/>
+            </a:pPr>
+            <a:r>
+              <a:rPr lang="en-US" sz="2400" b="1" dirty="0">
+                <a:solidFill>
+                  <a:schemeClr val="tx2">
+                    <a:lumMod val="10000"/>
+                  </a:schemeClr>
+                </a:solidFill>
+              </a:rPr>
+              <a:t>Introduction</a:t>
+            </a:r>
+          </a:p>
+          <a:p>
+            <a:pPr marL="514350" indent="-514350">
+              <a:buFont typeface="+mj-lt"/>
+              <a:buAutoNum type="arabicPeriod"/>
+            </a:pPr>
+            <a:r>
+              <a:rPr lang="en-US" sz="2400" b="1" dirty="0">
+                <a:solidFill>
+                  <a:schemeClr val="tx2">
+                    <a:lumMod val="10000"/>
+                  </a:schemeClr>
+                </a:solidFill>
+              </a:rPr>
+              <a:t>What is ICT ?</a:t>
+            </a:r>
+          </a:p>
+          <a:p>
+            <a:pPr marL="514350" indent="-514350">
+              <a:buFont typeface="+mj-lt"/>
+              <a:buAutoNum type="arabicPeriod"/>
+            </a:pPr>
+            <a:r>
+              <a:rPr lang="en-US" sz="2400" b="1" dirty="0">
+                <a:solidFill>
+                  <a:schemeClr val="tx2">
+                    <a:lumMod val="10000"/>
+                  </a:schemeClr>
+                </a:solidFill>
+              </a:rPr>
+              <a:t>History</a:t>
+            </a:r>
+          </a:p>
+          <a:p>
+            <a:pPr marL="514350" indent="-514350">
+              <a:buFont typeface="+mj-lt"/>
+              <a:buAutoNum type="arabicPeriod"/>
+            </a:pPr>
+            <a:r>
+              <a:rPr lang="en-US" sz="2400" b="1" dirty="0">
+                <a:solidFill>
+                  <a:schemeClr val="tx2">
+                    <a:lumMod val="10000"/>
+                  </a:schemeClr>
+                </a:solidFill>
+              </a:rPr>
+              <a:t>Benefits of ICT</a:t>
+            </a:r>
+          </a:p>
+          <a:p>
+            <a:pPr marL="514350" indent="-514350">
+              <a:buFont typeface="+mj-lt"/>
+              <a:buAutoNum type="arabicPeriod"/>
+            </a:pPr>
+            <a:r>
+              <a:rPr lang="en-US" sz="2400" b="1" dirty="0">
+                <a:solidFill>
+                  <a:schemeClr val="tx2">
+                    <a:lumMod val="10000"/>
+                  </a:schemeClr>
+                </a:solidFill>
+              </a:rPr>
+              <a:t>Disadvantages of ICT</a:t>
+            </a:r>
+          </a:p>
+          <a:p>
+            <a:pPr marL="514350" indent="-514350">
+              <a:buFont typeface="+mj-lt"/>
+              <a:buAutoNum type="arabicPeriod"/>
+            </a:pPr>
+            <a:r>
+              <a:rPr lang="en-US" sz="2400" dirty="0">
+                <a:solidFill>
+                  <a:schemeClr val="tx2">
+                    <a:lumMod val="10000"/>
+                  </a:schemeClr>
+                </a:solidFill>
+              </a:rPr>
+              <a:t>Information on ICT policies and regulation</a:t>
+            </a:r>
+            <a:endParaRPr lang="en-US" sz="3200" dirty="0">
+              <a:solidFill>
+                <a:schemeClr val="tx2">
+                  <a:lumMod val="10000"/>
+                </a:schemeClr>
+              </a:solidFill>
+            </a:endParaRPr>
+          </a:p>
+        </p:txBody>
+      </p:sp>
+    </p:spTree>
+    <p:extLst>
+      <p:ext uri="{BB962C8B-B14F-4D97-AF65-F5344CB8AC3E}">
+        <p14:creationId xmlns:p14="http://schemas.microsoft.com/office/powerpoint/2010/main" val="2970113356"/>
+      </p:ext>
+    </p:extLst>
+  </p:cSld>
+  <p:clrMapOvr>
+    <a:masterClrMapping/>
+  </p:clrMapOvr>
+  <mc:AlternateContent xmlns:mc="http://schemas.openxmlformats.org/markup-compatibility/2006">
+    <mc:Choice xmlns:p14="http://schemas.microsoft.com/office/powerpoint/2010/main" Requires="p14">
+      <p:transition spd="slow" p14:dur="1500" advTm="7000">
+        <p:split orient="vert"/>
+      </p:transition>
+    </mc:Choice>
+    <mc:Fallback>
+      <p:transition spd="slow" advTm="7000">
+        <p:split orient="vert"/>
+      </p:transition>
+    </mc:Fallback>
+  </mc:AlternateContent>
+</p:sld>
+</file>
+
+<file path=ppt/slides/slide14.xml><?xml version="1.0" encoding="utf-8"?>
 <p:sld xmlns:a="http://schemas.openxmlformats.org/drawingml/2006/main" xmlns:r="http://schemas.openxmlformats.org/officeDocument/2006/relationships" xmlns:p="http://schemas.openxmlformats.org/presentationml/2006/main">
   <p:cSld>
     <p:spTree>
@@ -9632,6 +8521,2660 @@
 </p:sld>
 </file>
 
+<file path=ppt/slides/slide2.xml><?xml version="1.0" encoding="utf-8"?>
+<p:sld xmlns:a="http://schemas.openxmlformats.org/drawingml/2006/main" xmlns:r="http://schemas.openxmlformats.org/officeDocument/2006/relationships" xmlns:p="http://schemas.openxmlformats.org/presentationml/2006/main">
+  <p:cSld>
+    <p:bg>
+      <p:bgPr>
+        <a:blipFill dpi="0" rotWithShape="1">
+          <a:blip r:embed="rId2">
+            <a:alphaModFix amt="20000"/>
+            <a:lum/>
+          </a:blip>
+          <a:srcRect/>
+          <a:stretch>
+            <a:fillRect l="-1000" r="-1000"/>
+          </a:stretch>
+        </a:blipFill>
+        <a:effectLst/>
+      </p:bgPr>
+    </p:bg>
+    <p:spTree>
+      <p:nvGrpSpPr>
+        <p:cNvPr id="1" name=""/>
+        <p:cNvGrpSpPr/>
+        <p:nvPr/>
+      </p:nvGrpSpPr>
+      <p:grpSpPr>
+        <a:xfrm>
+          <a:off x="0" y="0"/>
+          <a:ext cx="0" cy="0"/>
+          <a:chOff x="0" y="0"/>
+          <a:chExt cx="0" cy="0"/>
+        </a:xfrm>
+      </p:grpSpPr>
+      <p:sp>
+        <p:nvSpPr>
+          <p:cNvPr id="2" name="Titre 1"/>
+          <p:cNvSpPr>
+            <a:spLocks noGrp="1"/>
+          </p:cNvSpPr>
+          <p:nvPr>
+            <p:ph type="title"/>
+          </p:nvPr>
+        </p:nvSpPr>
+        <p:spPr/>
+        <p:txBody>
+          <a:bodyPr/>
+          <a:lstStyle/>
+          <a:p>
+            <a:pPr algn="ctr"/>
+            <a:r>
+              <a:rPr lang="fr-FR" dirty="0">
+                <a:solidFill>
+                  <a:schemeClr val="tx2">
+                    <a:lumMod val="10000"/>
+                  </a:schemeClr>
+                </a:solidFill>
+                <a:latin typeface="Arial Rounded MT Bold" panose="020F0704030504030204" pitchFamily="34" charset="0"/>
+              </a:rPr>
+              <a:t>Information and communication </a:t>
+            </a:r>
+            <a:r>
+              <a:rPr lang="fr-FR" dirty="0" err="1">
+                <a:solidFill>
+                  <a:schemeClr val="tx2">
+                    <a:lumMod val="10000"/>
+                  </a:schemeClr>
+                </a:solidFill>
+                <a:latin typeface="Arial Rounded MT Bold" panose="020F0704030504030204" pitchFamily="34" charset="0"/>
+              </a:rPr>
+              <a:t>technology</a:t>
+            </a:r>
+            <a:r>
+              <a:rPr lang="fr-FR" dirty="0">
+                <a:solidFill>
+                  <a:schemeClr val="tx2">
+                    <a:lumMod val="10000"/>
+                  </a:schemeClr>
+                </a:solidFill>
+                <a:latin typeface="Arial Rounded MT Bold" panose="020F0704030504030204" pitchFamily="34" charset="0"/>
+              </a:rPr>
+              <a:t> </a:t>
+            </a:r>
+            <a:endParaRPr lang="en-US" dirty="0">
+              <a:solidFill>
+                <a:schemeClr val="tx2">
+                  <a:lumMod val="10000"/>
+                </a:schemeClr>
+              </a:solidFill>
+              <a:latin typeface="Arial Rounded MT Bold" panose="020F0704030504030204" pitchFamily="34" charset="0"/>
+            </a:endParaRPr>
+          </a:p>
+        </p:txBody>
+      </p:sp>
+      <p:sp>
+        <p:nvSpPr>
+          <p:cNvPr id="3" name="Espace réservé du contenu 2"/>
+          <p:cNvSpPr>
+            <a:spLocks noGrp="1"/>
+          </p:cNvSpPr>
+          <p:nvPr>
+            <p:ph idx="1"/>
+          </p:nvPr>
+        </p:nvSpPr>
+        <p:spPr>
+          <a:xfrm>
+            <a:off x="838200" y="1825625"/>
+            <a:ext cx="10515600" cy="4556702"/>
+          </a:xfrm>
+        </p:spPr>
+        <p:txBody>
+          <a:bodyPr>
+            <a:normAutofit/>
+          </a:bodyPr>
+          <a:lstStyle/>
+          <a:p>
+            <a:pPr marL="0" indent="0" algn="ctr">
+              <a:buNone/>
+            </a:pPr>
+            <a:br>
+              <a:rPr lang="en-US" dirty="0"/>
+            </a:br>
+            <a:r>
+              <a:rPr lang="en-US" sz="3600" b="1" dirty="0">
+                <a:solidFill>
+                  <a:schemeClr val="accent1">
+                    <a:lumMod val="60000"/>
+                    <a:lumOff val="40000"/>
+                  </a:schemeClr>
+                </a:solidFill>
+              </a:rPr>
+              <a:t>the content </a:t>
+            </a:r>
+            <a:endParaRPr lang="fr-FR" sz="3200" b="1" dirty="0">
+              <a:solidFill>
+                <a:schemeClr val="accent1">
+                  <a:lumMod val="60000"/>
+                  <a:lumOff val="40000"/>
+                </a:schemeClr>
+              </a:solidFill>
+            </a:endParaRPr>
+          </a:p>
+          <a:p>
+            <a:pPr marL="514350" indent="-514350">
+              <a:buFont typeface="+mj-lt"/>
+              <a:buAutoNum type="arabicPeriod"/>
+            </a:pPr>
+            <a:r>
+              <a:rPr lang="en-US" sz="2400" b="1" dirty="0">
+                <a:solidFill>
+                  <a:schemeClr val="tx2">
+                    <a:lumMod val="10000"/>
+                  </a:schemeClr>
+                </a:solidFill>
+              </a:rPr>
+              <a:t>Introduction</a:t>
+            </a:r>
+          </a:p>
+          <a:p>
+            <a:pPr marL="514350" indent="-514350">
+              <a:buFont typeface="+mj-lt"/>
+              <a:buAutoNum type="arabicPeriod"/>
+            </a:pPr>
+            <a:r>
+              <a:rPr lang="en-US" sz="2400" b="1" dirty="0">
+                <a:solidFill>
+                  <a:schemeClr val="tx2">
+                    <a:lumMod val="10000"/>
+                  </a:schemeClr>
+                </a:solidFill>
+              </a:rPr>
+              <a:t>What is ICT ?</a:t>
+            </a:r>
+          </a:p>
+          <a:p>
+            <a:pPr marL="514350" indent="-514350">
+              <a:buFont typeface="+mj-lt"/>
+              <a:buAutoNum type="arabicPeriod"/>
+            </a:pPr>
+            <a:r>
+              <a:rPr lang="en-US" sz="2400" b="1" dirty="0">
+                <a:solidFill>
+                  <a:schemeClr val="tx2">
+                    <a:lumMod val="10000"/>
+                  </a:schemeClr>
+                </a:solidFill>
+              </a:rPr>
+              <a:t>History</a:t>
+            </a:r>
+          </a:p>
+          <a:p>
+            <a:pPr marL="514350" indent="-514350">
+              <a:buFont typeface="+mj-lt"/>
+              <a:buAutoNum type="arabicPeriod"/>
+            </a:pPr>
+            <a:r>
+              <a:rPr lang="en-US" sz="2400" b="1" dirty="0">
+                <a:solidFill>
+                  <a:schemeClr val="tx2">
+                    <a:lumMod val="10000"/>
+                  </a:schemeClr>
+                </a:solidFill>
+              </a:rPr>
+              <a:t>Benefits of ICT</a:t>
+            </a:r>
+          </a:p>
+          <a:p>
+            <a:pPr marL="514350" indent="-514350">
+              <a:buFont typeface="+mj-lt"/>
+              <a:buAutoNum type="arabicPeriod"/>
+            </a:pPr>
+            <a:r>
+              <a:rPr lang="en-US" sz="2400" b="1" dirty="0">
+                <a:solidFill>
+                  <a:schemeClr val="tx2">
+                    <a:lumMod val="10000"/>
+                  </a:schemeClr>
+                </a:solidFill>
+              </a:rPr>
+              <a:t>Disadvantages of ICT</a:t>
+            </a:r>
+          </a:p>
+          <a:p>
+            <a:pPr marL="514350" indent="-514350">
+              <a:buFont typeface="+mj-lt"/>
+              <a:buAutoNum type="arabicPeriod"/>
+            </a:pPr>
+            <a:r>
+              <a:rPr lang="en-US" sz="2400" b="1" dirty="0">
+                <a:solidFill>
+                  <a:schemeClr val="tx2">
+                    <a:lumMod val="10000"/>
+                  </a:schemeClr>
+                </a:solidFill>
+              </a:rPr>
+              <a:t>Information on ICT policies and regulation</a:t>
+            </a:r>
+            <a:endParaRPr lang="en-US" sz="3200" b="1" dirty="0">
+              <a:solidFill>
+                <a:schemeClr val="tx2">
+                  <a:lumMod val="10000"/>
+                </a:schemeClr>
+              </a:solidFill>
+            </a:endParaRPr>
+          </a:p>
+        </p:txBody>
+      </p:sp>
+    </p:spTree>
+    <p:extLst>
+      <p:ext uri="{BB962C8B-B14F-4D97-AF65-F5344CB8AC3E}">
+        <p14:creationId xmlns:p14="http://schemas.microsoft.com/office/powerpoint/2010/main" val="767928432"/>
+      </p:ext>
+    </p:extLst>
+  </p:cSld>
+  <p:clrMapOvr>
+    <a:masterClrMapping/>
+  </p:clrMapOvr>
+  <mc:AlternateContent xmlns:mc="http://schemas.openxmlformats.org/markup-compatibility/2006" xmlns:p14="http://schemas.microsoft.com/office/powerpoint/2010/main">
+    <mc:Choice Requires="p14">
+      <p:transition spd="slow" p14:dur="1500" advTm="7000">
+        <p:split orient="vert"/>
+      </p:transition>
+    </mc:Choice>
+    <mc:Fallback xmlns="">
+      <p:transition spd="slow" advTm="7000">
+        <p:split orient="vert"/>
+      </p:transition>
+    </mc:Fallback>
+  </mc:AlternateContent>
+</p:sld>
+</file>
+
+<file path=ppt/slides/slide3.xml><?xml version="1.0" encoding="utf-8"?>
+<p:sld xmlns:a="http://schemas.openxmlformats.org/drawingml/2006/main" xmlns:r="http://schemas.openxmlformats.org/officeDocument/2006/relationships" xmlns:p="http://schemas.openxmlformats.org/presentationml/2006/main">
+  <p:cSld>
+    <p:bg>
+      <p:bgPr>
+        <a:blipFill dpi="0" rotWithShape="1">
+          <a:blip r:embed="rId2">
+            <a:alphaModFix amt="20000"/>
+            <a:lum/>
+          </a:blip>
+          <a:srcRect/>
+          <a:stretch>
+            <a:fillRect l="-1000" r="-1000"/>
+          </a:stretch>
+        </a:blipFill>
+        <a:effectLst/>
+      </p:bgPr>
+    </p:bg>
+    <p:spTree>
+      <p:nvGrpSpPr>
+        <p:cNvPr id="1" name=""/>
+        <p:cNvGrpSpPr/>
+        <p:nvPr/>
+      </p:nvGrpSpPr>
+      <p:grpSpPr>
+        <a:xfrm>
+          <a:off x="0" y="0"/>
+          <a:ext cx="0" cy="0"/>
+          <a:chOff x="0" y="0"/>
+          <a:chExt cx="0" cy="0"/>
+        </a:xfrm>
+      </p:grpSpPr>
+      <p:sp>
+        <p:nvSpPr>
+          <p:cNvPr id="2" name="Titre 1"/>
+          <p:cNvSpPr>
+            <a:spLocks noGrp="1"/>
+          </p:cNvSpPr>
+          <p:nvPr>
+            <p:ph type="title"/>
+          </p:nvPr>
+        </p:nvSpPr>
+        <p:spPr/>
+        <p:txBody>
+          <a:bodyPr/>
+          <a:lstStyle/>
+          <a:p>
+            <a:pPr algn="ctr"/>
+            <a:r>
+              <a:rPr lang="fr-FR" dirty="0">
+                <a:solidFill>
+                  <a:schemeClr val="tx2">
+                    <a:lumMod val="10000"/>
+                  </a:schemeClr>
+                </a:solidFill>
+                <a:latin typeface="Arial Rounded MT Bold" panose="020F0704030504030204" pitchFamily="34" charset="0"/>
+              </a:rPr>
+              <a:t>Information and communication </a:t>
+            </a:r>
+            <a:r>
+              <a:rPr lang="fr-FR" dirty="0" err="1">
+                <a:solidFill>
+                  <a:schemeClr val="tx2">
+                    <a:lumMod val="10000"/>
+                  </a:schemeClr>
+                </a:solidFill>
+                <a:latin typeface="Arial Rounded MT Bold" panose="020F0704030504030204" pitchFamily="34" charset="0"/>
+              </a:rPr>
+              <a:t>technology</a:t>
+            </a:r>
+            <a:r>
+              <a:rPr lang="fr-FR" dirty="0">
+                <a:solidFill>
+                  <a:schemeClr val="tx2">
+                    <a:lumMod val="10000"/>
+                  </a:schemeClr>
+                </a:solidFill>
+                <a:latin typeface="Arial Rounded MT Bold" panose="020F0704030504030204" pitchFamily="34" charset="0"/>
+              </a:rPr>
+              <a:t> </a:t>
+            </a:r>
+            <a:endParaRPr lang="en-US" dirty="0">
+              <a:solidFill>
+                <a:schemeClr val="tx2">
+                  <a:lumMod val="10000"/>
+                </a:schemeClr>
+              </a:solidFill>
+              <a:latin typeface="Arial Rounded MT Bold" panose="020F0704030504030204" pitchFamily="34" charset="0"/>
+            </a:endParaRPr>
+          </a:p>
+        </p:txBody>
+      </p:sp>
+      <p:sp>
+        <p:nvSpPr>
+          <p:cNvPr id="3" name="Espace réservé du contenu 2"/>
+          <p:cNvSpPr>
+            <a:spLocks noGrp="1"/>
+          </p:cNvSpPr>
+          <p:nvPr>
+            <p:ph idx="1"/>
+          </p:nvPr>
+        </p:nvSpPr>
+        <p:spPr>
+          <a:xfrm>
+            <a:off x="838200" y="1825625"/>
+            <a:ext cx="10515600" cy="4556702"/>
+          </a:xfrm>
+        </p:spPr>
+        <p:txBody>
+          <a:bodyPr>
+            <a:normAutofit/>
+          </a:bodyPr>
+          <a:lstStyle/>
+          <a:p>
+            <a:pPr marL="0" indent="0" algn="ctr">
+              <a:buNone/>
+            </a:pPr>
+            <a:br>
+              <a:rPr lang="en-US" dirty="0"/>
+            </a:br>
+            <a:r>
+              <a:rPr lang="en-US" sz="3600" b="1" dirty="0">
+                <a:solidFill>
+                  <a:schemeClr val="accent1">
+                    <a:lumMod val="60000"/>
+                    <a:lumOff val="40000"/>
+                  </a:schemeClr>
+                </a:solidFill>
+              </a:rPr>
+              <a:t>the content </a:t>
+            </a:r>
+            <a:endParaRPr lang="fr-FR" sz="3200" b="1" dirty="0">
+              <a:solidFill>
+                <a:schemeClr val="accent1">
+                  <a:lumMod val="60000"/>
+                  <a:lumOff val="40000"/>
+                </a:schemeClr>
+              </a:solidFill>
+            </a:endParaRPr>
+          </a:p>
+          <a:p>
+            <a:pPr marL="514350" indent="-514350">
+              <a:buFont typeface="+mj-lt"/>
+              <a:buAutoNum type="arabicPeriod"/>
+            </a:pPr>
+            <a:r>
+              <a:rPr lang="en-US" sz="2400" b="1" dirty="0">
+                <a:solidFill>
+                  <a:schemeClr val="tx2">
+                    <a:lumMod val="10000"/>
+                  </a:schemeClr>
+                </a:solidFill>
+              </a:rPr>
+              <a:t>Introduction</a:t>
+            </a:r>
+          </a:p>
+          <a:p>
+            <a:pPr marL="514350" indent="-514350">
+              <a:buFont typeface="+mj-lt"/>
+              <a:buAutoNum type="arabicPeriod"/>
+            </a:pPr>
+            <a:r>
+              <a:rPr lang="en-US" sz="2400" dirty="0">
+                <a:solidFill>
+                  <a:schemeClr val="tx2">
+                    <a:lumMod val="10000"/>
+                  </a:schemeClr>
+                </a:solidFill>
+              </a:rPr>
+              <a:t>What is ICT ?</a:t>
+            </a:r>
+          </a:p>
+          <a:p>
+            <a:pPr marL="514350" indent="-514350">
+              <a:buFont typeface="+mj-lt"/>
+              <a:buAutoNum type="arabicPeriod"/>
+            </a:pPr>
+            <a:r>
+              <a:rPr lang="en-US" sz="2400" dirty="0">
+                <a:solidFill>
+                  <a:schemeClr val="tx2">
+                    <a:lumMod val="10000"/>
+                  </a:schemeClr>
+                </a:solidFill>
+              </a:rPr>
+              <a:t>History</a:t>
+            </a:r>
+          </a:p>
+          <a:p>
+            <a:pPr marL="514350" indent="-514350">
+              <a:buFont typeface="+mj-lt"/>
+              <a:buAutoNum type="arabicPeriod"/>
+            </a:pPr>
+            <a:r>
+              <a:rPr lang="en-US" sz="2400" dirty="0">
+                <a:solidFill>
+                  <a:schemeClr val="tx2">
+                    <a:lumMod val="10000"/>
+                  </a:schemeClr>
+                </a:solidFill>
+              </a:rPr>
+              <a:t>Benefits of ICT</a:t>
+            </a:r>
+          </a:p>
+          <a:p>
+            <a:pPr marL="514350" indent="-514350">
+              <a:buFont typeface="+mj-lt"/>
+              <a:buAutoNum type="arabicPeriod"/>
+            </a:pPr>
+            <a:r>
+              <a:rPr lang="en-US" sz="2400" dirty="0">
+                <a:solidFill>
+                  <a:schemeClr val="tx2">
+                    <a:lumMod val="10000"/>
+                  </a:schemeClr>
+                </a:solidFill>
+              </a:rPr>
+              <a:t>Disadvantages of ICT</a:t>
+            </a:r>
+          </a:p>
+          <a:p>
+            <a:pPr marL="514350" indent="-514350">
+              <a:buFont typeface="+mj-lt"/>
+              <a:buAutoNum type="arabicPeriod"/>
+            </a:pPr>
+            <a:r>
+              <a:rPr lang="en-US" sz="2400" dirty="0">
+                <a:solidFill>
+                  <a:schemeClr val="tx2">
+                    <a:lumMod val="10000"/>
+                  </a:schemeClr>
+                </a:solidFill>
+              </a:rPr>
+              <a:t>Information on ICT policies and regulation</a:t>
+            </a:r>
+            <a:endParaRPr lang="en-US" sz="3200" dirty="0">
+              <a:solidFill>
+                <a:schemeClr val="tx2">
+                  <a:lumMod val="10000"/>
+                </a:schemeClr>
+              </a:solidFill>
+            </a:endParaRPr>
+          </a:p>
+        </p:txBody>
+      </p:sp>
+    </p:spTree>
+    <p:extLst>
+      <p:ext uri="{BB962C8B-B14F-4D97-AF65-F5344CB8AC3E}">
+        <p14:creationId xmlns:p14="http://schemas.microsoft.com/office/powerpoint/2010/main" val="2473364319"/>
+      </p:ext>
+    </p:extLst>
+  </p:cSld>
+  <p:clrMapOvr>
+    <a:masterClrMapping/>
+  </p:clrMapOvr>
+  <mc:AlternateContent xmlns:mc="http://schemas.openxmlformats.org/markup-compatibility/2006">
+    <mc:Choice xmlns:p14="http://schemas.microsoft.com/office/powerpoint/2010/main" Requires="p14">
+      <p:transition spd="slow" p14:dur="1500" advTm="7000">
+        <p:split orient="vert"/>
+      </p:transition>
+    </mc:Choice>
+    <mc:Fallback>
+      <p:transition spd="slow" advTm="7000">
+        <p:split orient="vert"/>
+      </p:transition>
+    </mc:Fallback>
+  </mc:AlternateContent>
+</p:sld>
+</file>
+
+<file path=ppt/slides/slide4.xml><?xml version="1.0" encoding="utf-8"?>
+<p:sld xmlns:a="http://schemas.openxmlformats.org/drawingml/2006/main" xmlns:r="http://schemas.openxmlformats.org/officeDocument/2006/relationships" xmlns:p="http://schemas.openxmlformats.org/presentationml/2006/main">
+  <p:cSld>
+    <p:spTree>
+      <p:nvGrpSpPr>
+        <p:cNvPr id="1" name=""/>
+        <p:cNvGrpSpPr/>
+        <p:nvPr/>
+      </p:nvGrpSpPr>
+      <p:grpSpPr>
+        <a:xfrm>
+          <a:off x="0" y="0"/>
+          <a:ext cx="0" cy="0"/>
+          <a:chOff x="0" y="0"/>
+          <a:chExt cx="0" cy="0"/>
+        </a:xfrm>
+      </p:grpSpPr>
+      <p:sp>
+        <p:nvSpPr>
+          <p:cNvPr id="2" name="Titre 1"/>
+          <p:cNvSpPr>
+            <a:spLocks noGrp="1"/>
+          </p:cNvSpPr>
+          <p:nvPr>
+            <p:ph type="title"/>
+          </p:nvPr>
+        </p:nvSpPr>
+        <p:spPr/>
+        <p:txBody>
+          <a:bodyPr anchor="ctr"/>
+          <a:lstStyle/>
+          <a:p>
+            <a:pPr algn="ctr"/>
+            <a:r>
+              <a:rPr lang="fr-FR" sz="5400" dirty="0">
+                <a:solidFill>
+                  <a:schemeClr val="accent1">
+                    <a:lumMod val="60000"/>
+                    <a:lumOff val="40000"/>
+                  </a:schemeClr>
+                </a:solidFill>
+                <a:latin typeface="Arial Rounded MT Bold" panose="020F0704030504030204" pitchFamily="34" charset="0"/>
+              </a:rPr>
+              <a:t>introduction</a:t>
+            </a:r>
+            <a:endParaRPr lang="en-US" sz="5400" dirty="0">
+              <a:solidFill>
+                <a:schemeClr val="accent1">
+                  <a:lumMod val="60000"/>
+                  <a:lumOff val="40000"/>
+                </a:schemeClr>
+              </a:solidFill>
+              <a:latin typeface="Arial Rounded MT Bold" panose="020F0704030504030204" pitchFamily="34" charset="0"/>
+            </a:endParaRPr>
+          </a:p>
+        </p:txBody>
+      </p:sp>
+      <p:sp>
+        <p:nvSpPr>
+          <p:cNvPr id="3" name="Espace réservé du contenu 2"/>
+          <p:cNvSpPr>
+            <a:spLocks noGrp="1"/>
+          </p:cNvSpPr>
+          <p:nvPr>
+            <p:ph idx="1"/>
+          </p:nvPr>
+        </p:nvSpPr>
+        <p:spPr>
+          <a:xfrm>
+            <a:off x="1104293" y="1152983"/>
+            <a:ext cx="8946541" cy="4195481"/>
+          </a:xfrm>
+        </p:spPr>
+        <p:txBody>
+          <a:bodyPr anchor="ctr">
+            <a:normAutofit/>
+          </a:bodyPr>
+          <a:lstStyle/>
+          <a:p>
+            <a:r>
+              <a:rPr lang="en-US" sz="2400" dirty="0"/>
+              <a:t>ICT plays a crucial role in our modern society as it enables the creation, storage, retrieval, and transmission of data. It has revolutionized how we access information and communicate across distances. With ICTULTIMATE, individuals and businesses can collaborate on a global scale like never before</a:t>
+            </a:r>
+          </a:p>
+        </p:txBody>
+      </p:sp>
+      <p:pic>
+        <p:nvPicPr>
+          <p:cNvPr id="4" name="Image 3"/>
+          <p:cNvPicPr>
+            <a:picLocks noChangeAspect="1"/>
+          </p:cNvPicPr>
+          <p:nvPr/>
+        </p:nvPicPr>
+        <p:blipFill>
+          <a:blip r:embed="rId2">
+            <a:extLst>
+              <a:ext uri="{28A0092B-C50C-407E-A947-70E740481C1C}">
+                <a14:useLocalDpi xmlns:a14="http://schemas.microsoft.com/office/drawing/2010/main" val="0"/>
+              </a:ext>
+            </a:extLst>
+          </a:blip>
+          <a:stretch>
+            <a:fillRect/>
+          </a:stretch>
+        </p:blipFill>
+        <p:spPr>
+          <a:xfrm>
+            <a:off x="5131672" y="4347168"/>
+            <a:ext cx="4919162" cy="2168845"/>
+          </a:xfrm>
+          <a:prstGeom prst="rect">
+            <a:avLst/>
+          </a:prstGeom>
+        </p:spPr>
+      </p:pic>
+    </p:spTree>
+    <p:extLst>
+      <p:ext uri="{BB962C8B-B14F-4D97-AF65-F5344CB8AC3E}">
+        <p14:creationId xmlns:p14="http://schemas.microsoft.com/office/powerpoint/2010/main" val="105759660"/>
+      </p:ext>
+    </p:extLst>
+  </p:cSld>
+  <p:clrMapOvr>
+    <a:masterClrMapping/>
+  </p:clrMapOvr>
+  <mc:AlternateContent xmlns:mc="http://schemas.openxmlformats.org/markup-compatibility/2006" xmlns:p14="http://schemas.microsoft.com/office/powerpoint/2010/main">
+    <mc:Choice Requires="p14">
+      <p:transition spd="slow" p14:dur="1500" advTm="6000">
+        <p:fade/>
+      </p:transition>
+    </mc:Choice>
+    <mc:Fallback xmlns="">
+      <p:transition spd="slow" advTm="6000">
+        <p:fade/>
+      </p:transition>
+    </mc:Fallback>
+  </mc:AlternateContent>
+  <p:timing>
+    <p:tnLst>
+      <p:par>
+        <p:cTn id="1" dur="indefinite" restart="never" nodeType="tmRoot">
+          <p:childTnLst>
+            <p:seq concurrent="1" nextAc="seek">
+              <p:cTn id="2" dur="indefinite" nodeType="mainSeq">
+                <p:childTnLst>
+                  <p:par>
+                    <p:cTn id="3" fill="hold">
+                      <p:stCondLst>
+                        <p:cond delay="indefinite"/>
+                      </p:stCondLst>
+                      <p:childTnLst>
+                        <p:par>
+                          <p:cTn id="4" fill="hold">
+                            <p:stCondLst>
+                              <p:cond delay="0"/>
+                            </p:stCondLst>
+                            <p:childTnLst>
+                              <p:par>
+                                <p:cTn id="5" presetID="2" presetClass="entr" presetSubtype="4" fill="hold" nodeType="clickEffect">
+                                  <p:stCondLst>
+                                    <p:cond delay="0"/>
+                                  </p:stCondLst>
+                                  <p:childTnLst>
+                                    <p:set>
+                                      <p:cBhvr>
+                                        <p:cTn id="6" dur="1" fill="hold">
+                                          <p:stCondLst>
+                                            <p:cond delay="0"/>
+                                          </p:stCondLst>
+                                        </p:cTn>
+                                        <p:tgtEl>
+                                          <p:spTgt spid="3">
+                                            <p:txEl>
+                                              <p:pRg st="0" end="0"/>
+                                            </p:txEl>
+                                          </p:spTgt>
+                                        </p:tgtEl>
+                                        <p:attrNameLst>
+                                          <p:attrName>style.visibility</p:attrName>
+                                        </p:attrNameLst>
+                                      </p:cBhvr>
+                                      <p:to>
+                                        <p:strVal val="visible"/>
+                                      </p:to>
+                                    </p:set>
+                                    <p:anim calcmode="lin" valueType="num">
+                                      <p:cBhvr additive="base">
+                                        <p:cTn id="7" dur="500" fill="hold"/>
+                                        <p:tgtEl>
+                                          <p:spTgt spid="3">
+                                            <p:txEl>
+                                              <p:pRg st="0" end="0"/>
+                                            </p:txEl>
+                                          </p:spTgt>
+                                        </p:tgtEl>
+                                        <p:attrNameLst>
+                                          <p:attrName>ppt_x</p:attrName>
+                                        </p:attrNameLst>
+                                      </p:cBhvr>
+                                      <p:tavLst>
+                                        <p:tav tm="0">
+                                          <p:val>
+                                            <p:strVal val="#ppt_x"/>
+                                          </p:val>
+                                        </p:tav>
+                                        <p:tav tm="100000">
+                                          <p:val>
+                                            <p:strVal val="#ppt_x"/>
+                                          </p:val>
+                                        </p:tav>
+                                      </p:tavLst>
+                                    </p:anim>
+                                    <p:anim calcmode="lin" valueType="num">
+                                      <p:cBhvr additive="base">
+                                        <p:cTn id="8" dur="500" fill="hold"/>
+                                        <p:tgtEl>
+                                          <p:spTgt spid="3">
+                                            <p:txEl>
+                                              <p:pRg st="0" end="0"/>
+                                            </p:txEl>
+                                          </p:spTgt>
+                                        </p:tgtEl>
+                                        <p:attrNameLst>
+                                          <p:attrName>ppt_y</p:attrName>
+                                        </p:attrNameLst>
+                                      </p:cBhvr>
+                                      <p:tavLst>
+                                        <p:tav tm="0">
+                                          <p:val>
+                                            <p:strVal val="1+#ppt_h/2"/>
+                                          </p:val>
+                                        </p:tav>
+                                        <p:tav tm="100000">
+                                          <p:val>
+                                            <p:strVal val="#ppt_y"/>
+                                          </p:val>
+                                        </p:tav>
+                                      </p:tavLst>
+                                    </p:anim>
+                                  </p:childTnLst>
+                                </p:cTn>
+                              </p:par>
+                            </p:childTnLst>
+                          </p:cTn>
+                        </p:par>
+                      </p:childTnLst>
+                    </p:cTn>
+                  </p:par>
+                </p:childTnLst>
+              </p:cTn>
+              <p:prevCondLst>
+                <p:cond evt="onPrev" delay="0">
+                  <p:tgtEl>
+                    <p:sldTgt/>
+                  </p:tgtEl>
+                </p:cond>
+              </p:prevCondLst>
+              <p:nextCondLst>
+                <p:cond evt="onNext" delay="0">
+                  <p:tgtEl>
+                    <p:sldTgt/>
+                  </p:tgtEl>
+                </p:cond>
+              </p:nextCondLst>
+            </p:seq>
+          </p:childTnLst>
+        </p:cTn>
+      </p:par>
+    </p:tnLst>
+  </p:timing>
+</p:sld>
+</file>
+
+<file path=ppt/slides/slide5.xml><?xml version="1.0" encoding="utf-8"?>
+<p:sld xmlns:a="http://schemas.openxmlformats.org/drawingml/2006/main" xmlns:r="http://schemas.openxmlformats.org/officeDocument/2006/relationships" xmlns:p="http://schemas.openxmlformats.org/presentationml/2006/main">
+  <p:cSld>
+    <p:bg>
+      <p:bgPr>
+        <a:blipFill dpi="0" rotWithShape="1">
+          <a:blip r:embed="rId2">
+            <a:alphaModFix amt="20000"/>
+            <a:lum/>
+          </a:blip>
+          <a:srcRect/>
+          <a:stretch>
+            <a:fillRect l="-1000" r="-1000"/>
+          </a:stretch>
+        </a:blipFill>
+        <a:effectLst/>
+      </p:bgPr>
+    </p:bg>
+    <p:spTree>
+      <p:nvGrpSpPr>
+        <p:cNvPr id="1" name=""/>
+        <p:cNvGrpSpPr/>
+        <p:nvPr/>
+      </p:nvGrpSpPr>
+      <p:grpSpPr>
+        <a:xfrm>
+          <a:off x="0" y="0"/>
+          <a:ext cx="0" cy="0"/>
+          <a:chOff x="0" y="0"/>
+          <a:chExt cx="0" cy="0"/>
+        </a:xfrm>
+      </p:grpSpPr>
+      <p:sp>
+        <p:nvSpPr>
+          <p:cNvPr id="2" name="Titre 1"/>
+          <p:cNvSpPr>
+            <a:spLocks noGrp="1"/>
+          </p:cNvSpPr>
+          <p:nvPr>
+            <p:ph type="title"/>
+          </p:nvPr>
+        </p:nvSpPr>
+        <p:spPr/>
+        <p:txBody>
+          <a:bodyPr/>
+          <a:lstStyle/>
+          <a:p>
+            <a:pPr algn="ctr"/>
+            <a:r>
+              <a:rPr lang="fr-FR" dirty="0">
+                <a:solidFill>
+                  <a:schemeClr val="tx2">
+                    <a:lumMod val="10000"/>
+                  </a:schemeClr>
+                </a:solidFill>
+                <a:latin typeface="Arial Rounded MT Bold" panose="020F0704030504030204" pitchFamily="34" charset="0"/>
+              </a:rPr>
+              <a:t>Information and communication </a:t>
+            </a:r>
+            <a:r>
+              <a:rPr lang="fr-FR" dirty="0" err="1">
+                <a:solidFill>
+                  <a:schemeClr val="tx2">
+                    <a:lumMod val="10000"/>
+                  </a:schemeClr>
+                </a:solidFill>
+                <a:latin typeface="Arial Rounded MT Bold" panose="020F0704030504030204" pitchFamily="34" charset="0"/>
+              </a:rPr>
+              <a:t>technology</a:t>
+            </a:r>
+            <a:r>
+              <a:rPr lang="fr-FR" dirty="0">
+                <a:solidFill>
+                  <a:schemeClr val="tx2">
+                    <a:lumMod val="10000"/>
+                  </a:schemeClr>
+                </a:solidFill>
+                <a:latin typeface="Arial Rounded MT Bold" panose="020F0704030504030204" pitchFamily="34" charset="0"/>
+              </a:rPr>
+              <a:t> </a:t>
+            </a:r>
+            <a:endParaRPr lang="en-US" dirty="0">
+              <a:solidFill>
+                <a:schemeClr val="tx2">
+                  <a:lumMod val="10000"/>
+                </a:schemeClr>
+              </a:solidFill>
+              <a:latin typeface="Arial Rounded MT Bold" panose="020F0704030504030204" pitchFamily="34" charset="0"/>
+            </a:endParaRPr>
+          </a:p>
+        </p:txBody>
+      </p:sp>
+      <p:sp>
+        <p:nvSpPr>
+          <p:cNvPr id="3" name="Espace réservé du contenu 2"/>
+          <p:cNvSpPr>
+            <a:spLocks noGrp="1"/>
+          </p:cNvSpPr>
+          <p:nvPr>
+            <p:ph idx="1"/>
+          </p:nvPr>
+        </p:nvSpPr>
+        <p:spPr>
+          <a:xfrm>
+            <a:off x="838200" y="1825625"/>
+            <a:ext cx="10515600" cy="4556702"/>
+          </a:xfrm>
+        </p:spPr>
+        <p:txBody>
+          <a:bodyPr>
+            <a:normAutofit/>
+          </a:bodyPr>
+          <a:lstStyle/>
+          <a:p>
+            <a:pPr marL="0" indent="0" algn="ctr">
+              <a:buNone/>
+            </a:pPr>
+            <a:br>
+              <a:rPr lang="en-US" dirty="0"/>
+            </a:br>
+            <a:r>
+              <a:rPr lang="en-US" sz="3600" b="1" dirty="0">
+                <a:solidFill>
+                  <a:schemeClr val="accent1">
+                    <a:lumMod val="60000"/>
+                    <a:lumOff val="40000"/>
+                  </a:schemeClr>
+                </a:solidFill>
+              </a:rPr>
+              <a:t>the content</a:t>
+            </a:r>
+            <a:r>
+              <a:rPr lang="en-US" sz="3600" dirty="0">
+                <a:solidFill>
+                  <a:schemeClr val="accent1">
+                    <a:lumMod val="60000"/>
+                    <a:lumOff val="40000"/>
+                  </a:schemeClr>
+                </a:solidFill>
+              </a:rPr>
+              <a:t> </a:t>
+            </a:r>
+            <a:endParaRPr lang="fr-FR" sz="3200" dirty="0">
+              <a:solidFill>
+                <a:schemeClr val="accent1">
+                  <a:lumMod val="60000"/>
+                  <a:lumOff val="40000"/>
+                </a:schemeClr>
+              </a:solidFill>
+            </a:endParaRPr>
+          </a:p>
+          <a:p>
+            <a:pPr marL="514350" indent="-514350">
+              <a:buFont typeface="+mj-lt"/>
+              <a:buAutoNum type="arabicPeriod"/>
+            </a:pPr>
+            <a:r>
+              <a:rPr lang="en-US" sz="2400" dirty="0">
+                <a:solidFill>
+                  <a:schemeClr val="tx2">
+                    <a:lumMod val="10000"/>
+                  </a:schemeClr>
+                </a:solidFill>
+              </a:rPr>
+              <a:t>Introduction</a:t>
+            </a:r>
+          </a:p>
+          <a:p>
+            <a:pPr marL="514350" indent="-514350">
+              <a:buFont typeface="+mj-lt"/>
+              <a:buAutoNum type="arabicPeriod"/>
+            </a:pPr>
+            <a:r>
+              <a:rPr lang="en-US" sz="2400" b="1" dirty="0">
+                <a:solidFill>
+                  <a:schemeClr val="tx2">
+                    <a:lumMod val="10000"/>
+                  </a:schemeClr>
+                </a:solidFill>
+              </a:rPr>
+              <a:t>What is ICT ?</a:t>
+            </a:r>
+          </a:p>
+          <a:p>
+            <a:pPr marL="514350" indent="-514350">
+              <a:buFont typeface="+mj-lt"/>
+              <a:buAutoNum type="arabicPeriod"/>
+            </a:pPr>
+            <a:r>
+              <a:rPr lang="en-US" sz="2400" dirty="0">
+                <a:solidFill>
+                  <a:schemeClr val="tx2">
+                    <a:lumMod val="10000"/>
+                  </a:schemeClr>
+                </a:solidFill>
+              </a:rPr>
+              <a:t>History</a:t>
+            </a:r>
+          </a:p>
+          <a:p>
+            <a:pPr marL="514350" indent="-514350">
+              <a:buFont typeface="+mj-lt"/>
+              <a:buAutoNum type="arabicPeriod"/>
+            </a:pPr>
+            <a:r>
+              <a:rPr lang="en-US" sz="2400" dirty="0">
+                <a:solidFill>
+                  <a:schemeClr val="tx2">
+                    <a:lumMod val="10000"/>
+                  </a:schemeClr>
+                </a:solidFill>
+              </a:rPr>
+              <a:t>Benefits of ICT</a:t>
+            </a:r>
+          </a:p>
+          <a:p>
+            <a:pPr marL="514350" indent="-514350">
+              <a:buFont typeface="+mj-lt"/>
+              <a:buAutoNum type="arabicPeriod"/>
+            </a:pPr>
+            <a:r>
+              <a:rPr lang="en-US" sz="2400" dirty="0">
+                <a:solidFill>
+                  <a:schemeClr val="tx2">
+                    <a:lumMod val="10000"/>
+                  </a:schemeClr>
+                </a:solidFill>
+              </a:rPr>
+              <a:t>Disadvantages of ICT</a:t>
+            </a:r>
+          </a:p>
+          <a:p>
+            <a:pPr marL="514350" indent="-514350">
+              <a:buFont typeface="+mj-lt"/>
+              <a:buAutoNum type="arabicPeriod"/>
+            </a:pPr>
+            <a:r>
+              <a:rPr lang="en-US" sz="2400" dirty="0">
+                <a:solidFill>
+                  <a:schemeClr val="tx2">
+                    <a:lumMod val="10000"/>
+                  </a:schemeClr>
+                </a:solidFill>
+              </a:rPr>
+              <a:t>Information on ICT policies and regulation</a:t>
+            </a:r>
+            <a:endParaRPr lang="en-US" sz="3200" dirty="0">
+              <a:solidFill>
+                <a:schemeClr val="tx2">
+                  <a:lumMod val="10000"/>
+                </a:schemeClr>
+              </a:solidFill>
+            </a:endParaRPr>
+          </a:p>
+        </p:txBody>
+      </p:sp>
+    </p:spTree>
+    <p:extLst>
+      <p:ext uri="{BB962C8B-B14F-4D97-AF65-F5344CB8AC3E}">
+        <p14:creationId xmlns:p14="http://schemas.microsoft.com/office/powerpoint/2010/main" val="3651320757"/>
+      </p:ext>
+    </p:extLst>
+  </p:cSld>
+  <p:clrMapOvr>
+    <a:masterClrMapping/>
+  </p:clrMapOvr>
+  <mc:AlternateContent xmlns:mc="http://schemas.openxmlformats.org/markup-compatibility/2006">
+    <mc:Choice xmlns:p14="http://schemas.microsoft.com/office/powerpoint/2010/main" Requires="p14">
+      <p:transition spd="slow" p14:dur="1500" advTm="7000">
+        <p:split orient="vert"/>
+      </p:transition>
+    </mc:Choice>
+    <mc:Fallback>
+      <p:transition spd="slow" advTm="7000">
+        <p:split orient="vert"/>
+      </p:transition>
+    </mc:Fallback>
+  </mc:AlternateContent>
+</p:sld>
+</file>
+
+<file path=ppt/slides/slide6.xml><?xml version="1.0" encoding="utf-8"?>
+<p:sld xmlns:a="http://schemas.openxmlformats.org/drawingml/2006/main" xmlns:r="http://schemas.openxmlformats.org/officeDocument/2006/relationships" xmlns:p="http://schemas.openxmlformats.org/presentationml/2006/main">
+  <p:cSld>
+    <p:bg>
+      <p:bgPr>
+        <a:blipFill dpi="0" rotWithShape="1">
+          <a:blip r:embed="rId2">
+            <a:lum/>
+          </a:blip>
+          <a:srcRect/>
+          <a:stretch>
+            <a:fillRect/>
+          </a:stretch>
+        </a:blipFill>
+        <a:effectLst/>
+      </p:bgPr>
+    </p:bg>
+    <p:spTree>
+      <p:nvGrpSpPr>
+        <p:cNvPr id="1" name=""/>
+        <p:cNvGrpSpPr/>
+        <p:nvPr/>
+      </p:nvGrpSpPr>
+      <p:grpSpPr>
+        <a:xfrm>
+          <a:off x="0" y="0"/>
+          <a:ext cx="0" cy="0"/>
+          <a:chOff x="0" y="0"/>
+          <a:chExt cx="0" cy="0"/>
+        </a:xfrm>
+      </p:grpSpPr>
+      <p:sp>
+        <p:nvSpPr>
+          <p:cNvPr id="4" name="Rectangle 3">
+            <a:extLst>
+              <a:ext uri="{FF2B5EF4-FFF2-40B4-BE49-F238E27FC236}">
+                <a16:creationId xmlns:a16="http://schemas.microsoft.com/office/drawing/2014/main" id="{88F85A75-8FDA-4278-AE27-AAFFC8052C5B}"/>
+              </a:ext>
+            </a:extLst>
+          </p:cNvPr>
+          <p:cNvSpPr/>
+          <p:nvPr/>
+        </p:nvSpPr>
+        <p:spPr>
+          <a:xfrm>
+            <a:off x="978184" y="1614638"/>
+            <a:ext cx="8946541" cy="4831882"/>
+          </a:xfrm>
+          <a:prstGeom prst="rect">
+            <a:avLst/>
+          </a:prstGeom>
+          <a:solidFill>
+            <a:schemeClr val="accent5">
+              <a:lumMod val="50000"/>
+              <a:alpha val="35000"/>
+            </a:schemeClr>
+          </a:solidFill>
+          <a:ln>
+            <a:solidFill>
+              <a:schemeClr val="accent5">
+                <a:lumMod val="75000"/>
+              </a:schemeClr>
+            </a:solidFill>
+          </a:ln>
+        </p:spPr>
+        <p:style>
+          <a:lnRef idx="2">
+            <a:schemeClr val="accent1">
+              <a:shade val="50000"/>
+            </a:schemeClr>
+          </a:lnRef>
+          <a:fillRef idx="1">
+            <a:schemeClr val="accent1"/>
+          </a:fillRef>
+          <a:effectRef idx="0">
+            <a:schemeClr val="accent1"/>
+          </a:effectRef>
+          <a:fontRef idx="minor">
+            <a:schemeClr val="lt1"/>
+          </a:fontRef>
+        </p:style>
+        <p:txBody>
+          <a:bodyPr rtlCol="0" anchor="ctr"/>
+          <a:lstStyle/>
+          <a:p>
+            <a:pPr algn="ctr"/>
+            <a:endParaRPr lang="en-US"/>
+          </a:p>
+        </p:txBody>
+      </p:sp>
+      <p:sp>
+        <p:nvSpPr>
+          <p:cNvPr id="2" name="Titre 1"/>
+          <p:cNvSpPr>
+            <a:spLocks noGrp="1"/>
+          </p:cNvSpPr>
+          <p:nvPr>
+            <p:ph type="title"/>
+          </p:nvPr>
+        </p:nvSpPr>
+        <p:spPr/>
+        <p:txBody>
+          <a:bodyPr anchor="ctr"/>
+          <a:lstStyle/>
+          <a:p>
+            <a:pPr algn="ctr"/>
+            <a:r>
+              <a:rPr lang="fr-FR" b="1" dirty="0" err="1">
+                <a:solidFill>
+                  <a:schemeClr val="accent1">
+                    <a:lumMod val="60000"/>
+                    <a:lumOff val="40000"/>
+                  </a:schemeClr>
+                </a:solidFill>
+              </a:rPr>
+              <a:t>What</a:t>
+            </a:r>
+            <a:r>
+              <a:rPr lang="fr-FR" b="1" dirty="0">
+                <a:solidFill>
+                  <a:schemeClr val="accent1">
+                    <a:lumMod val="60000"/>
+                    <a:lumOff val="40000"/>
+                  </a:schemeClr>
+                </a:solidFill>
+              </a:rPr>
+              <a:t> </a:t>
+            </a:r>
+            <a:r>
+              <a:rPr lang="fr-FR" b="1" dirty="0" err="1">
+                <a:solidFill>
+                  <a:schemeClr val="accent1">
+                    <a:lumMod val="60000"/>
+                    <a:lumOff val="40000"/>
+                  </a:schemeClr>
+                </a:solidFill>
+              </a:rPr>
+              <a:t>is</a:t>
+            </a:r>
+            <a:r>
+              <a:rPr lang="fr-FR" b="1" dirty="0">
+                <a:solidFill>
+                  <a:schemeClr val="accent1">
+                    <a:lumMod val="60000"/>
+                    <a:lumOff val="40000"/>
+                  </a:schemeClr>
+                </a:solidFill>
+              </a:rPr>
+              <a:t> ICT ?</a:t>
+            </a:r>
+            <a:endParaRPr lang="en-US" b="1" dirty="0">
+              <a:solidFill>
+                <a:schemeClr val="accent1">
+                  <a:lumMod val="60000"/>
+                  <a:lumOff val="40000"/>
+                </a:schemeClr>
+              </a:solidFill>
+            </a:endParaRPr>
+          </a:p>
+        </p:txBody>
+      </p:sp>
+      <p:sp>
+        <p:nvSpPr>
+          <p:cNvPr id="3" name="Espace réservé du contenu 2"/>
+          <p:cNvSpPr>
+            <a:spLocks noGrp="1"/>
+          </p:cNvSpPr>
+          <p:nvPr>
+            <p:ph idx="1"/>
+          </p:nvPr>
+        </p:nvSpPr>
+        <p:spPr/>
+        <p:txBody>
+          <a:bodyPr>
+            <a:normAutofit/>
+          </a:bodyPr>
+          <a:lstStyle/>
+          <a:p>
+            <a:r>
+              <a:rPr lang="en-US" dirty="0"/>
+              <a:t>CT, or Information and Communications Technology, refers to the infrastructure and components that enable modern computing. It encompasses a diverse set of technological tools and resources used to transmit, store, create, share, and manage  information  . ICT involves the use of computing and telecommunication technologies, systems, and tools to facilitate various processes and activities .</a:t>
+            </a:r>
+          </a:p>
+          <a:p>
+            <a:r>
+              <a:rPr lang="en-US" dirty="0"/>
+              <a:t>In simpler terms, ICT is the combination of hardware, software, networks, and communication devices that allow us to process information efficiently. It plays a crucial role in our daily lives by enabling us to access information quickly, communicate with others across distances, store data securely, collaborate on projects remotely, and much more.</a:t>
+            </a:r>
+          </a:p>
+        </p:txBody>
+      </p:sp>
+    </p:spTree>
+    <p:extLst>
+      <p:ext uri="{BB962C8B-B14F-4D97-AF65-F5344CB8AC3E}">
+        <p14:creationId xmlns:p14="http://schemas.microsoft.com/office/powerpoint/2010/main" val="272399490"/>
+      </p:ext>
+    </p:extLst>
+  </p:cSld>
+  <p:clrMapOvr>
+    <a:masterClrMapping/>
+  </p:clrMapOvr>
+  <mc:AlternateContent xmlns:mc="http://schemas.openxmlformats.org/markup-compatibility/2006" xmlns:p14="http://schemas.microsoft.com/office/powerpoint/2010/main">
+    <mc:Choice Requires="p14">
+      <p:transition spd="slow" p14:dur="3400" advTm="10000">
+        <p14:reveal/>
+      </p:transition>
+    </mc:Choice>
+    <mc:Fallback xmlns="">
+      <p:transition spd="slow" advTm="10000">
+        <p:fade/>
+      </p:transition>
+    </mc:Fallback>
+  </mc:AlternateContent>
+  <p:timing>
+    <p:tnLst>
+      <p:par>
+        <p:cTn id="1" dur="indefinite" restart="never" nodeType="tmRoot">
+          <p:childTnLst>
+            <p:seq concurrent="1" nextAc="seek">
+              <p:cTn id="2" dur="indefinite" nodeType="mainSeq">
+                <p:childTnLst>
+                  <p:par>
+                    <p:cTn id="3" fill="hold">
+                      <p:stCondLst>
+                        <p:cond delay="indefinite"/>
+                      </p:stCondLst>
+                      <p:childTnLst>
+                        <p:par>
+                          <p:cTn id="4" fill="hold">
+                            <p:stCondLst>
+                              <p:cond delay="0"/>
+                            </p:stCondLst>
+                            <p:childTnLst>
+                              <p:par>
+                                <p:cTn id="5" presetID="2" presetClass="entr" presetSubtype="4" fill="hold" nodeType="clickEffect">
+                                  <p:stCondLst>
+                                    <p:cond delay="0"/>
+                                  </p:stCondLst>
+                                  <p:childTnLst>
+                                    <p:set>
+                                      <p:cBhvr>
+                                        <p:cTn id="6" dur="1" fill="hold">
+                                          <p:stCondLst>
+                                            <p:cond delay="0"/>
+                                          </p:stCondLst>
+                                        </p:cTn>
+                                        <p:tgtEl>
+                                          <p:spTgt spid="3">
+                                            <p:txEl>
+                                              <p:pRg st="0" end="0"/>
+                                            </p:txEl>
+                                          </p:spTgt>
+                                        </p:tgtEl>
+                                        <p:attrNameLst>
+                                          <p:attrName>style.visibility</p:attrName>
+                                        </p:attrNameLst>
+                                      </p:cBhvr>
+                                      <p:to>
+                                        <p:strVal val="visible"/>
+                                      </p:to>
+                                    </p:set>
+                                    <p:anim calcmode="lin" valueType="num">
+                                      <p:cBhvr additive="base">
+                                        <p:cTn id="7" dur="500" fill="hold"/>
+                                        <p:tgtEl>
+                                          <p:spTgt spid="3">
+                                            <p:txEl>
+                                              <p:pRg st="0" end="0"/>
+                                            </p:txEl>
+                                          </p:spTgt>
+                                        </p:tgtEl>
+                                        <p:attrNameLst>
+                                          <p:attrName>ppt_x</p:attrName>
+                                        </p:attrNameLst>
+                                      </p:cBhvr>
+                                      <p:tavLst>
+                                        <p:tav tm="0">
+                                          <p:val>
+                                            <p:strVal val="#ppt_x"/>
+                                          </p:val>
+                                        </p:tav>
+                                        <p:tav tm="100000">
+                                          <p:val>
+                                            <p:strVal val="#ppt_x"/>
+                                          </p:val>
+                                        </p:tav>
+                                      </p:tavLst>
+                                    </p:anim>
+                                    <p:anim calcmode="lin" valueType="num">
+                                      <p:cBhvr additive="base">
+                                        <p:cTn id="8" dur="500" fill="hold"/>
+                                        <p:tgtEl>
+                                          <p:spTgt spid="3">
+                                            <p:txEl>
+                                              <p:pRg st="0" end="0"/>
+                                            </p:txEl>
+                                          </p:spTgt>
+                                        </p:tgtEl>
+                                        <p:attrNameLst>
+                                          <p:attrName>ppt_y</p:attrName>
+                                        </p:attrNameLst>
+                                      </p:cBhvr>
+                                      <p:tavLst>
+                                        <p:tav tm="0">
+                                          <p:val>
+                                            <p:strVal val="1+#ppt_h/2"/>
+                                          </p:val>
+                                        </p:tav>
+                                        <p:tav tm="100000">
+                                          <p:val>
+                                            <p:strVal val="#ppt_y"/>
+                                          </p:val>
+                                        </p:tav>
+                                      </p:tavLst>
+                                    </p:anim>
+                                  </p:childTnLst>
+                                </p:cTn>
+                              </p:par>
+                            </p:childTnLst>
+                          </p:cTn>
+                        </p:par>
+                      </p:childTnLst>
+                    </p:cTn>
+                  </p:par>
+                  <p:par>
+                    <p:cTn id="9" fill="hold">
+                      <p:stCondLst>
+                        <p:cond delay="indefinite"/>
+                      </p:stCondLst>
+                      <p:childTnLst>
+                        <p:par>
+                          <p:cTn id="10" fill="hold">
+                            <p:stCondLst>
+                              <p:cond delay="0"/>
+                            </p:stCondLst>
+                            <p:childTnLst>
+                              <p:par>
+                                <p:cTn id="11" presetID="2" presetClass="entr" presetSubtype="4" fill="hold" nodeType="clickEffect">
+                                  <p:stCondLst>
+                                    <p:cond delay="0"/>
+                                  </p:stCondLst>
+                                  <p:childTnLst>
+                                    <p:set>
+                                      <p:cBhvr>
+                                        <p:cTn id="12" dur="1" fill="hold">
+                                          <p:stCondLst>
+                                            <p:cond delay="0"/>
+                                          </p:stCondLst>
+                                        </p:cTn>
+                                        <p:tgtEl>
+                                          <p:spTgt spid="3">
+                                            <p:txEl>
+                                              <p:pRg st="1" end="1"/>
+                                            </p:txEl>
+                                          </p:spTgt>
+                                        </p:tgtEl>
+                                        <p:attrNameLst>
+                                          <p:attrName>style.visibility</p:attrName>
+                                        </p:attrNameLst>
+                                      </p:cBhvr>
+                                      <p:to>
+                                        <p:strVal val="visible"/>
+                                      </p:to>
+                                    </p:set>
+                                    <p:anim calcmode="lin" valueType="num">
+                                      <p:cBhvr additive="base">
+                                        <p:cTn id="13" dur="500" fill="hold"/>
+                                        <p:tgtEl>
+                                          <p:spTgt spid="3">
+                                            <p:txEl>
+                                              <p:pRg st="1" end="1"/>
+                                            </p:txEl>
+                                          </p:spTgt>
+                                        </p:tgtEl>
+                                        <p:attrNameLst>
+                                          <p:attrName>ppt_x</p:attrName>
+                                        </p:attrNameLst>
+                                      </p:cBhvr>
+                                      <p:tavLst>
+                                        <p:tav tm="0">
+                                          <p:val>
+                                            <p:strVal val="#ppt_x"/>
+                                          </p:val>
+                                        </p:tav>
+                                        <p:tav tm="100000">
+                                          <p:val>
+                                            <p:strVal val="#ppt_x"/>
+                                          </p:val>
+                                        </p:tav>
+                                      </p:tavLst>
+                                    </p:anim>
+                                    <p:anim calcmode="lin" valueType="num">
+                                      <p:cBhvr additive="base">
+                                        <p:cTn id="14" dur="500" fill="hold"/>
+                                        <p:tgtEl>
+                                          <p:spTgt spid="3">
+                                            <p:txEl>
+                                              <p:pRg st="1" end="1"/>
+                                            </p:txEl>
+                                          </p:spTgt>
+                                        </p:tgtEl>
+                                        <p:attrNameLst>
+                                          <p:attrName>ppt_y</p:attrName>
+                                        </p:attrNameLst>
+                                      </p:cBhvr>
+                                      <p:tavLst>
+                                        <p:tav tm="0">
+                                          <p:val>
+                                            <p:strVal val="1+#ppt_h/2"/>
+                                          </p:val>
+                                        </p:tav>
+                                        <p:tav tm="100000">
+                                          <p:val>
+                                            <p:strVal val="#ppt_y"/>
+                                          </p:val>
+                                        </p:tav>
+                                      </p:tavLst>
+                                    </p:anim>
+                                  </p:childTnLst>
+                                </p:cTn>
+                              </p:par>
+                            </p:childTnLst>
+                          </p:cTn>
+                        </p:par>
+                      </p:childTnLst>
+                    </p:cTn>
+                  </p:par>
+                </p:childTnLst>
+              </p:cTn>
+              <p:prevCondLst>
+                <p:cond evt="onPrev" delay="0">
+                  <p:tgtEl>
+                    <p:sldTgt/>
+                  </p:tgtEl>
+                </p:cond>
+              </p:prevCondLst>
+              <p:nextCondLst>
+                <p:cond evt="onNext" delay="0">
+                  <p:tgtEl>
+                    <p:sldTgt/>
+                  </p:tgtEl>
+                </p:cond>
+              </p:nextCondLst>
+            </p:seq>
+          </p:childTnLst>
+        </p:cTn>
+      </p:par>
+    </p:tnLst>
+  </p:timing>
+</p:sld>
+</file>
+
+<file path=ppt/slides/slide7.xml><?xml version="1.0" encoding="utf-8"?>
+<p:sld xmlns:a="http://schemas.openxmlformats.org/drawingml/2006/main" xmlns:r="http://schemas.openxmlformats.org/officeDocument/2006/relationships" xmlns:p="http://schemas.openxmlformats.org/presentationml/2006/main">
+  <p:cSld>
+    <p:bg>
+      <p:bgPr>
+        <a:blipFill dpi="0" rotWithShape="1">
+          <a:blip r:embed="rId2">
+            <a:alphaModFix amt="20000"/>
+            <a:lum/>
+          </a:blip>
+          <a:srcRect/>
+          <a:stretch>
+            <a:fillRect l="-1000" r="-1000"/>
+          </a:stretch>
+        </a:blipFill>
+        <a:effectLst/>
+      </p:bgPr>
+    </p:bg>
+    <p:spTree>
+      <p:nvGrpSpPr>
+        <p:cNvPr id="1" name=""/>
+        <p:cNvGrpSpPr/>
+        <p:nvPr/>
+      </p:nvGrpSpPr>
+      <p:grpSpPr>
+        <a:xfrm>
+          <a:off x="0" y="0"/>
+          <a:ext cx="0" cy="0"/>
+          <a:chOff x="0" y="0"/>
+          <a:chExt cx="0" cy="0"/>
+        </a:xfrm>
+      </p:grpSpPr>
+      <p:sp>
+        <p:nvSpPr>
+          <p:cNvPr id="2" name="Titre 1"/>
+          <p:cNvSpPr>
+            <a:spLocks noGrp="1"/>
+          </p:cNvSpPr>
+          <p:nvPr>
+            <p:ph type="title"/>
+          </p:nvPr>
+        </p:nvSpPr>
+        <p:spPr/>
+        <p:txBody>
+          <a:bodyPr/>
+          <a:lstStyle/>
+          <a:p>
+            <a:pPr algn="ctr"/>
+            <a:r>
+              <a:rPr lang="fr-FR" dirty="0">
+                <a:solidFill>
+                  <a:schemeClr val="tx2">
+                    <a:lumMod val="10000"/>
+                  </a:schemeClr>
+                </a:solidFill>
+                <a:latin typeface="Arial Rounded MT Bold" panose="020F0704030504030204" pitchFamily="34" charset="0"/>
+              </a:rPr>
+              <a:t>Information and communication </a:t>
+            </a:r>
+            <a:r>
+              <a:rPr lang="fr-FR" dirty="0" err="1">
+                <a:solidFill>
+                  <a:schemeClr val="tx2">
+                    <a:lumMod val="10000"/>
+                  </a:schemeClr>
+                </a:solidFill>
+                <a:latin typeface="Arial Rounded MT Bold" panose="020F0704030504030204" pitchFamily="34" charset="0"/>
+              </a:rPr>
+              <a:t>technology</a:t>
+            </a:r>
+            <a:r>
+              <a:rPr lang="fr-FR" dirty="0">
+                <a:solidFill>
+                  <a:schemeClr val="tx2">
+                    <a:lumMod val="10000"/>
+                  </a:schemeClr>
+                </a:solidFill>
+                <a:latin typeface="Arial Rounded MT Bold" panose="020F0704030504030204" pitchFamily="34" charset="0"/>
+              </a:rPr>
+              <a:t> </a:t>
+            </a:r>
+            <a:endParaRPr lang="en-US" dirty="0">
+              <a:solidFill>
+                <a:schemeClr val="tx2">
+                  <a:lumMod val="10000"/>
+                </a:schemeClr>
+              </a:solidFill>
+              <a:latin typeface="Arial Rounded MT Bold" panose="020F0704030504030204" pitchFamily="34" charset="0"/>
+            </a:endParaRPr>
+          </a:p>
+        </p:txBody>
+      </p:sp>
+      <p:sp>
+        <p:nvSpPr>
+          <p:cNvPr id="3" name="Espace réservé du contenu 2"/>
+          <p:cNvSpPr>
+            <a:spLocks noGrp="1"/>
+          </p:cNvSpPr>
+          <p:nvPr>
+            <p:ph idx="1"/>
+          </p:nvPr>
+        </p:nvSpPr>
+        <p:spPr>
+          <a:xfrm>
+            <a:off x="838200" y="1825625"/>
+            <a:ext cx="10515600" cy="4556702"/>
+          </a:xfrm>
+        </p:spPr>
+        <p:txBody>
+          <a:bodyPr>
+            <a:normAutofit/>
+          </a:bodyPr>
+          <a:lstStyle/>
+          <a:p>
+            <a:pPr marL="0" indent="0" algn="ctr">
+              <a:buNone/>
+            </a:pPr>
+            <a:br>
+              <a:rPr lang="en-US" dirty="0"/>
+            </a:br>
+            <a:r>
+              <a:rPr lang="en-US" sz="3600" b="1" dirty="0">
+                <a:solidFill>
+                  <a:schemeClr val="accent1">
+                    <a:lumMod val="60000"/>
+                    <a:lumOff val="40000"/>
+                  </a:schemeClr>
+                </a:solidFill>
+              </a:rPr>
+              <a:t>the content </a:t>
+            </a:r>
+            <a:endParaRPr lang="fr-FR" sz="3200" b="1" dirty="0">
+              <a:solidFill>
+                <a:schemeClr val="accent1">
+                  <a:lumMod val="60000"/>
+                  <a:lumOff val="40000"/>
+                </a:schemeClr>
+              </a:solidFill>
+            </a:endParaRPr>
+          </a:p>
+          <a:p>
+            <a:pPr marL="514350" indent="-514350">
+              <a:buFont typeface="+mj-lt"/>
+              <a:buAutoNum type="arabicPeriod"/>
+            </a:pPr>
+            <a:r>
+              <a:rPr lang="en-US" sz="2400" dirty="0">
+                <a:solidFill>
+                  <a:schemeClr val="tx2">
+                    <a:lumMod val="10000"/>
+                  </a:schemeClr>
+                </a:solidFill>
+              </a:rPr>
+              <a:t>Introduction</a:t>
+            </a:r>
+          </a:p>
+          <a:p>
+            <a:pPr marL="514350" indent="-514350">
+              <a:buFont typeface="+mj-lt"/>
+              <a:buAutoNum type="arabicPeriod"/>
+            </a:pPr>
+            <a:r>
+              <a:rPr lang="en-US" sz="2400" dirty="0">
+                <a:solidFill>
+                  <a:schemeClr val="tx2">
+                    <a:lumMod val="10000"/>
+                  </a:schemeClr>
+                </a:solidFill>
+              </a:rPr>
+              <a:t>What is ICT ?</a:t>
+            </a:r>
+          </a:p>
+          <a:p>
+            <a:pPr marL="514350" indent="-514350">
+              <a:buFont typeface="+mj-lt"/>
+              <a:buAutoNum type="arabicPeriod"/>
+            </a:pPr>
+            <a:r>
+              <a:rPr lang="en-US" sz="2400" b="1" dirty="0">
+                <a:solidFill>
+                  <a:schemeClr val="tx2">
+                    <a:lumMod val="10000"/>
+                  </a:schemeClr>
+                </a:solidFill>
+              </a:rPr>
+              <a:t>History</a:t>
+            </a:r>
+          </a:p>
+          <a:p>
+            <a:pPr marL="514350" indent="-514350">
+              <a:buFont typeface="+mj-lt"/>
+              <a:buAutoNum type="arabicPeriod"/>
+            </a:pPr>
+            <a:r>
+              <a:rPr lang="en-US" sz="2400" dirty="0">
+                <a:solidFill>
+                  <a:schemeClr val="tx2">
+                    <a:lumMod val="10000"/>
+                  </a:schemeClr>
+                </a:solidFill>
+              </a:rPr>
+              <a:t>Benefits of ICT</a:t>
+            </a:r>
+          </a:p>
+          <a:p>
+            <a:pPr marL="514350" indent="-514350">
+              <a:buFont typeface="+mj-lt"/>
+              <a:buAutoNum type="arabicPeriod"/>
+            </a:pPr>
+            <a:r>
+              <a:rPr lang="en-US" sz="2400" dirty="0">
+                <a:solidFill>
+                  <a:schemeClr val="tx2">
+                    <a:lumMod val="10000"/>
+                  </a:schemeClr>
+                </a:solidFill>
+              </a:rPr>
+              <a:t>Disadvantages of ICT</a:t>
+            </a:r>
+          </a:p>
+          <a:p>
+            <a:pPr marL="514350" indent="-514350">
+              <a:buFont typeface="+mj-lt"/>
+              <a:buAutoNum type="arabicPeriod"/>
+            </a:pPr>
+            <a:r>
+              <a:rPr lang="en-US" sz="2400" dirty="0">
+                <a:solidFill>
+                  <a:schemeClr val="tx2">
+                    <a:lumMod val="10000"/>
+                  </a:schemeClr>
+                </a:solidFill>
+              </a:rPr>
+              <a:t>Information on ICT policies and regulation</a:t>
+            </a:r>
+            <a:endParaRPr lang="en-US" sz="3200" dirty="0">
+              <a:solidFill>
+                <a:schemeClr val="tx2">
+                  <a:lumMod val="10000"/>
+                </a:schemeClr>
+              </a:solidFill>
+            </a:endParaRPr>
+          </a:p>
+        </p:txBody>
+      </p:sp>
+    </p:spTree>
+    <p:extLst>
+      <p:ext uri="{BB962C8B-B14F-4D97-AF65-F5344CB8AC3E}">
+        <p14:creationId xmlns:p14="http://schemas.microsoft.com/office/powerpoint/2010/main" val="864909397"/>
+      </p:ext>
+    </p:extLst>
+  </p:cSld>
+  <p:clrMapOvr>
+    <a:masterClrMapping/>
+  </p:clrMapOvr>
+  <mc:AlternateContent xmlns:mc="http://schemas.openxmlformats.org/markup-compatibility/2006">
+    <mc:Choice xmlns:p14="http://schemas.microsoft.com/office/powerpoint/2010/main" Requires="p14">
+      <p:transition spd="slow" p14:dur="1500" advTm="7000">
+        <p:split orient="vert"/>
+      </p:transition>
+    </mc:Choice>
+    <mc:Fallback>
+      <p:transition spd="slow" advTm="7000">
+        <p:split orient="vert"/>
+      </p:transition>
+    </mc:Fallback>
+  </mc:AlternateContent>
+</p:sld>
+</file>
+
+<file path=ppt/slides/slide8.xml><?xml version="1.0" encoding="utf-8"?>
+<p:sld xmlns:a="http://schemas.openxmlformats.org/drawingml/2006/main" xmlns:r="http://schemas.openxmlformats.org/officeDocument/2006/relationships" xmlns:p="http://schemas.openxmlformats.org/presentationml/2006/main">
+  <p:cSld>
+    <p:bg>
+      <p:bgPr>
+        <a:blipFill dpi="0" rotWithShape="1">
+          <a:blip r:embed="rId2">
+            <a:alphaModFix amt="87000"/>
+            <a:lum/>
+          </a:blip>
+          <a:srcRect/>
+          <a:stretch>
+            <a:fillRect t="-17000" b="-17000"/>
+          </a:stretch>
+        </a:blipFill>
+        <a:effectLst/>
+      </p:bgPr>
+    </p:bg>
+    <p:spTree>
+      <p:nvGrpSpPr>
+        <p:cNvPr id="1" name=""/>
+        <p:cNvGrpSpPr/>
+        <p:nvPr/>
+      </p:nvGrpSpPr>
+      <p:grpSpPr>
+        <a:xfrm>
+          <a:off x="0" y="0"/>
+          <a:ext cx="0" cy="0"/>
+          <a:chOff x="0" y="0"/>
+          <a:chExt cx="0" cy="0"/>
+        </a:xfrm>
+      </p:grpSpPr>
+      <p:sp>
+        <p:nvSpPr>
+          <p:cNvPr id="2" name="Titre 1"/>
+          <p:cNvSpPr>
+            <a:spLocks noGrp="1"/>
+          </p:cNvSpPr>
+          <p:nvPr>
+            <p:ph type="title"/>
+          </p:nvPr>
+        </p:nvSpPr>
+        <p:spPr/>
+        <p:txBody>
+          <a:bodyPr anchor="ctr"/>
+          <a:lstStyle/>
+          <a:p>
+            <a:pPr algn="ctr"/>
+            <a:r>
+              <a:rPr lang="fr-FR" dirty="0" err="1">
+                <a:solidFill>
+                  <a:schemeClr val="accent1">
+                    <a:lumMod val="60000"/>
+                    <a:lumOff val="40000"/>
+                  </a:schemeClr>
+                </a:solidFill>
+                <a:latin typeface="Arial Rounded MT Bold" panose="020F0704030504030204" pitchFamily="34" charset="0"/>
+              </a:rPr>
+              <a:t>history</a:t>
+            </a:r>
+            <a:endParaRPr lang="en-US" dirty="0">
+              <a:solidFill>
+                <a:schemeClr val="accent1">
+                  <a:lumMod val="60000"/>
+                  <a:lumOff val="40000"/>
+                </a:schemeClr>
+              </a:solidFill>
+              <a:latin typeface="Arial Rounded MT Bold" panose="020F0704030504030204" pitchFamily="34" charset="0"/>
+            </a:endParaRPr>
+          </a:p>
+        </p:txBody>
+      </p:sp>
+      <p:sp>
+        <p:nvSpPr>
+          <p:cNvPr id="3" name="Espace réservé du contenu 2"/>
+          <p:cNvSpPr>
+            <a:spLocks noGrp="1"/>
+          </p:cNvSpPr>
+          <p:nvPr>
+            <p:ph idx="1"/>
+          </p:nvPr>
+        </p:nvSpPr>
+        <p:spPr>
+          <a:xfrm>
+            <a:off x="1207506" y="2052919"/>
+            <a:ext cx="8843328" cy="3839882"/>
+          </a:xfrm>
+          <a:solidFill>
+            <a:schemeClr val="tx1">
+              <a:alpha val="81000"/>
+            </a:schemeClr>
+          </a:solidFill>
+          <a:ln>
+            <a:gradFill>
+              <a:gsLst>
+                <a:gs pos="0">
+                  <a:schemeClr val="accent1">
+                    <a:lumMod val="5000"/>
+                    <a:lumOff val="95000"/>
+                  </a:schemeClr>
+                </a:gs>
+                <a:gs pos="74000">
+                  <a:schemeClr val="accent1">
+                    <a:lumMod val="45000"/>
+                    <a:lumOff val="55000"/>
+                  </a:schemeClr>
+                </a:gs>
+                <a:gs pos="83000">
+                  <a:schemeClr val="accent1">
+                    <a:lumMod val="45000"/>
+                    <a:lumOff val="55000"/>
+                  </a:schemeClr>
+                </a:gs>
+                <a:gs pos="100000">
+                  <a:schemeClr val="accent1">
+                    <a:lumMod val="30000"/>
+                    <a:lumOff val="70000"/>
+                  </a:schemeClr>
+                </a:gs>
+              </a:gsLst>
+              <a:lin ang="5400000" scaled="1"/>
+            </a:gradFill>
+          </a:ln>
+        </p:spPr>
+        <p:txBody>
+          <a:bodyPr/>
+          <a:lstStyle/>
+          <a:p>
+            <a:r>
+              <a:rPr lang="en-US" dirty="0">
+                <a:solidFill>
+                  <a:schemeClr val="accent2">
+                    <a:lumMod val="75000"/>
+                  </a:schemeClr>
+                </a:solidFill>
+              </a:rPr>
+              <a:t>The History of information and communication technologies is</a:t>
+            </a:r>
+            <a:br>
+              <a:rPr lang="en-US" dirty="0">
+                <a:solidFill>
+                  <a:schemeClr val="accent2">
+                    <a:lumMod val="75000"/>
+                  </a:schemeClr>
+                </a:solidFill>
+              </a:rPr>
+            </a:br>
+            <a:r>
+              <a:rPr lang="en-US" dirty="0">
+                <a:solidFill>
+                  <a:schemeClr val="accent2">
+                    <a:lumMod val="75000"/>
+                  </a:schemeClr>
+                </a:solidFill>
+              </a:rPr>
+              <a:t>marked </a:t>
+            </a:r>
+            <a:r>
+              <a:rPr lang="en-US" dirty="0" err="1">
+                <a:solidFill>
+                  <a:schemeClr val="accent2">
+                    <a:lumMod val="75000"/>
+                  </a:schemeClr>
+                </a:solidFill>
+              </a:rPr>
+              <a:t>ba</a:t>
+            </a:r>
+            <a:r>
+              <a:rPr lang="en-US" dirty="0">
+                <a:solidFill>
+                  <a:schemeClr val="accent2">
+                    <a:lumMod val="75000"/>
+                  </a:schemeClr>
+                </a:solidFill>
+              </a:rPr>
+              <a:t> a diversity of innovations.</a:t>
+            </a:r>
+            <a:br>
+              <a:rPr lang="en-US" dirty="0">
+                <a:solidFill>
+                  <a:schemeClr val="accent2">
+                    <a:lumMod val="75000"/>
+                  </a:schemeClr>
+                </a:solidFill>
+              </a:rPr>
+            </a:br>
+            <a:r>
+              <a:rPr lang="en-US" dirty="0">
+                <a:solidFill>
+                  <a:schemeClr val="accent2">
+                    <a:lumMod val="75000"/>
+                  </a:schemeClr>
+                </a:solidFill>
+              </a:rPr>
+              <a:t>It begins in 19th century with inventions such as Telegraph and</a:t>
+            </a:r>
+            <a:br>
+              <a:rPr lang="en-US" dirty="0">
+                <a:solidFill>
+                  <a:schemeClr val="accent2">
+                    <a:lumMod val="75000"/>
+                  </a:schemeClr>
+                </a:solidFill>
+              </a:rPr>
+            </a:br>
+            <a:r>
+              <a:rPr lang="en-US" dirty="0">
+                <a:solidFill>
+                  <a:schemeClr val="accent2">
+                    <a:lumMod val="75000"/>
+                  </a:schemeClr>
+                </a:solidFill>
+              </a:rPr>
+              <a:t>telephone, which revolutionized communication by enabling near</a:t>
+            </a:r>
+            <a:br>
+              <a:rPr lang="en-US" dirty="0">
+                <a:solidFill>
+                  <a:schemeClr val="accent2">
+                    <a:lumMod val="75000"/>
+                  </a:schemeClr>
+                </a:solidFill>
+              </a:rPr>
+            </a:br>
+            <a:r>
+              <a:rPr lang="en-US" dirty="0">
+                <a:solidFill>
+                  <a:schemeClr val="accent2">
+                    <a:lumMod val="75000"/>
+                  </a:schemeClr>
+                </a:solidFill>
+              </a:rPr>
+              <a:t>real time, long distance exchanges.</a:t>
+            </a:r>
+            <a:br>
+              <a:rPr lang="en-US" dirty="0">
+                <a:solidFill>
+                  <a:schemeClr val="accent2">
+                    <a:lumMod val="75000"/>
+                  </a:schemeClr>
+                </a:solidFill>
+              </a:rPr>
+            </a:br>
+            <a:r>
+              <a:rPr lang="en-US" dirty="0">
+                <a:solidFill>
+                  <a:schemeClr val="accent2">
+                    <a:lumMod val="75000"/>
+                  </a:schemeClr>
+                </a:solidFill>
+              </a:rPr>
+              <a:t>The mid 20th century witnessed the rise of mass communication</a:t>
+            </a:r>
+            <a:br>
+              <a:rPr lang="en-US" dirty="0">
+                <a:solidFill>
+                  <a:schemeClr val="accent2">
+                    <a:lumMod val="75000"/>
+                  </a:schemeClr>
+                </a:solidFill>
+              </a:rPr>
+            </a:br>
+            <a:r>
+              <a:rPr lang="en-US" dirty="0">
+                <a:solidFill>
+                  <a:schemeClr val="accent2">
+                    <a:lumMod val="75000"/>
+                  </a:schemeClr>
+                </a:solidFill>
+              </a:rPr>
+              <a:t>through radio and television. By the end of the </a:t>
+            </a:r>
+            <a:r>
+              <a:rPr lang="en-US" dirty="0" err="1">
+                <a:solidFill>
+                  <a:schemeClr val="accent2">
+                    <a:lumMod val="75000"/>
+                  </a:schemeClr>
+                </a:solidFill>
+              </a:rPr>
+              <a:t>cetury</a:t>
+            </a:r>
+            <a:r>
+              <a:rPr lang="en-US" dirty="0">
+                <a:solidFill>
+                  <a:schemeClr val="accent2">
+                    <a:lumMod val="75000"/>
+                  </a:schemeClr>
+                </a:solidFill>
+              </a:rPr>
+              <a:t>, the inter-</a:t>
+            </a:r>
+            <a:br>
+              <a:rPr lang="en-US" dirty="0">
+                <a:solidFill>
+                  <a:schemeClr val="accent2">
+                    <a:lumMod val="75000"/>
+                  </a:schemeClr>
+                </a:solidFill>
+              </a:rPr>
+            </a:br>
+            <a:r>
+              <a:rPr lang="en-US" dirty="0">
+                <a:solidFill>
+                  <a:schemeClr val="accent2">
+                    <a:lumMod val="75000"/>
+                  </a:schemeClr>
+                </a:solidFill>
+              </a:rPr>
+              <a:t>net had become an essential tool for communication, commerce,</a:t>
+            </a:r>
+            <a:br>
+              <a:rPr lang="en-US" dirty="0">
+                <a:solidFill>
+                  <a:schemeClr val="accent2">
+                    <a:lumMod val="75000"/>
+                  </a:schemeClr>
+                </a:solidFill>
+              </a:rPr>
+            </a:br>
+            <a:r>
+              <a:rPr lang="en-US" dirty="0">
+                <a:solidFill>
+                  <a:schemeClr val="accent2">
+                    <a:lumMod val="75000"/>
+                  </a:schemeClr>
+                </a:solidFill>
+              </a:rPr>
+              <a:t>and </a:t>
+            </a:r>
+            <a:r>
+              <a:rPr lang="en-US" dirty="0" err="1">
+                <a:solidFill>
+                  <a:schemeClr val="accent2">
+                    <a:lumMod val="75000"/>
+                  </a:schemeClr>
+                </a:solidFill>
+              </a:rPr>
+              <a:t>leisurs</a:t>
+            </a:r>
+            <a:r>
+              <a:rPr lang="en-US" dirty="0">
+                <a:solidFill>
+                  <a:schemeClr val="accent2">
+                    <a:lumMod val="75000"/>
+                  </a:schemeClr>
+                </a:solidFill>
+              </a:rPr>
+              <a:t>. Since then, these technologies have rapidly evolved,</a:t>
+            </a:r>
+            <a:br>
+              <a:rPr lang="en-US" dirty="0">
+                <a:solidFill>
+                  <a:schemeClr val="accent2">
+                    <a:lumMod val="75000"/>
+                  </a:schemeClr>
+                </a:solidFill>
+              </a:rPr>
+            </a:br>
+            <a:r>
+              <a:rPr lang="en-US" dirty="0">
+                <a:solidFill>
+                  <a:schemeClr val="accent2">
+                    <a:lumMod val="75000"/>
+                  </a:schemeClr>
+                </a:solidFill>
+              </a:rPr>
+              <a:t>transforming our work methodologies, interactions, and </a:t>
+            </a:r>
+            <a:r>
+              <a:rPr lang="en-US" dirty="0" err="1">
+                <a:solidFill>
+                  <a:schemeClr val="accent2">
+                    <a:lumMod val="75000"/>
+                  </a:schemeClr>
+                </a:solidFill>
+              </a:rPr>
+              <a:t>commu</a:t>
+            </a:r>
+            <a:r>
+              <a:rPr lang="en-US" dirty="0">
+                <a:solidFill>
+                  <a:schemeClr val="accent2">
+                    <a:lumMod val="75000"/>
+                  </a:schemeClr>
+                </a:solidFill>
+              </a:rPr>
+              <a:t>-</a:t>
+            </a:r>
+            <a:br>
+              <a:rPr lang="en-US" dirty="0">
+                <a:solidFill>
+                  <a:schemeClr val="accent2">
+                    <a:lumMod val="75000"/>
+                  </a:schemeClr>
+                </a:solidFill>
+              </a:rPr>
+            </a:br>
+            <a:r>
+              <a:rPr lang="en-US" dirty="0" err="1">
+                <a:solidFill>
+                  <a:schemeClr val="accent2">
+                    <a:lumMod val="75000"/>
+                  </a:schemeClr>
+                </a:solidFill>
+              </a:rPr>
+              <a:t>nication</a:t>
+            </a:r>
+            <a:r>
+              <a:rPr lang="en-US" dirty="0">
+                <a:solidFill>
+                  <a:schemeClr val="accent2">
+                    <a:lumMod val="75000"/>
+                  </a:schemeClr>
+                </a:solidFill>
+              </a:rPr>
+              <a:t> </a:t>
+            </a:r>
+            <a:r>
+              <a:rPr lang="en-US" dirty="0" err="1">
+                <a:solidFill>
+                  <a:schemeClr val="accent2">
+                    <a:lumMod val="75000"/>
+                  </a:schemeClr>
+                </a:solidFill>
+              </a:rPr>
+              <a:t>prectices</a:t>
+            </a:r>
+            <a:r>
+              <a:rPr lang="en-US" dirty="0">
+                <a:solidFill>
+                  <a:schemeClr val="accent2">
+                    <a:lumMod val="75000"/>
+                  </a:schemeClr>
+                </a:solidFill>
+              </a:rPr>
+              <a:t>, thereby contributing to shaping the modern</a:t>
+            </a:r>
+            <a:br>
+              <a:rPr lang="en-US" dirty="0">
+                <a:solidFill>
+                  <a:schemeClr val="accent2">
+                    <a:lumMod val="75000"/>
+                  </a:schemeClr>
+                </a:solidFill>
+              </a:rPr>
+            </a:br>
+            <a:r>
+              <a:rPr lang="en-US" dirty="0">
+                <a:solidFill>
+                  <a:schemeClr val="accent2">
+                    <a:lumMod val="75000"/>
+                  </a:schemeClr>
+                </a:solidFill>
+              </a:rPr>
+              <a:t>world.</a:t>
+            </a:r>
+          </a:p>
+        </p:txBody>
+      </p:sp>
+    </p:spTree>
+    <p:extLst>
+      <p:ext uri="{BB962C8B-B14F-4D97-AF65-F5344CB8AC3E}">
+        <p14:creationId xmlns:p14="http://schemas.microsoft.com/office/powerpoint/2010/main" val="342204979"/>
+      </p:ext>
+    </p:extLst>
+  </p:cSld>
+  <p:clrMapOvr>
+    <a:masterClrMapping/>
+  </p:clrMapOvr>
+  <p:transition spd="slow" advTm="5000">
+    <p:push dir="u"/>
+  </p:transition>
+  <p:timing>
+    <p:tnLst>
+      <p:par>
+        <p:cTn id="1" dur="indefinite" restart="never" nodeType="tmRoot">
+          <p:childTnLst>
+            <p:seq concurrent="1" nextAc="seek">
+              <p:cTn id="2" dur="indefinite" nodeType="mainSeq">
+                <p:childTnLst>
+                  <p:par>
+                    <p:cTn id="3" fill="hold">
+                      <p:stCondLst>
+                        <p:cond delay="indefinite"/>
+                      </p:stCondLst>
+                      <p:childTnLst>
+                        <p:par>
+                          <p:cTn id="4" fill="hold">
+                            <p:stCondLst>
+                              <p:cond delay="0"/>
+                            </p:stCondLst>
+                            <p:childTnLst>
+                              <p:par>
+                                <p:cTn id="5" presetID="16" presetClass="entr" presetSubtype="21" fill="hold" nodeType="clickEffect">
+                                  <p:stCondLst>
+                                    <p:cond delay="0"/>
+                                  </p:stCondLst>
+                                  <p:childTnLst>
+                                    <p:set>
+                                      <p:cBhvr>
+                                        <p:cTn id="6" dur="1" fill="hold">
+                                          <p:stCondLst>
+                                            <p:cond delay="0"/>
+                                          </p:stCondLst>
+                                        </p:cTn>
+                                        <p:tgtEl>
+                                          <p:spTgt spid="3">
+                                            <p:txEl>
+                                              <p:pRg st="0" end="0"/>
+                                            </p:txEl>
+                                          </p:spTgt>
+                                        </p:tgtEl>
+                                        <p:attrNameLst>
+                                          <p:attrName>style.visibility</p:attrName>
+                                        </p:attrNameLst>
+                                      </p:cBhvr>
+                                      <p:to>
+                                        <p:strVal val="visible"/>
+                                      </p:to>
+                                    </p:set>
+                                    <p:animEffect transition="in" filter="barn(inVertical)">
+                                      <p:cBhvr>
+                                        <p:cTn id="7" dur="500"/>
+                                        <p:tgtEl>
+                                          <p:spTgt spid="3">
+                                            <p:txEl>
+                                              <p:pRg st="0" end="0"/>
+                                            </p:txEl>
+                                          </p:spTgt>
+                                        </p:tgtEl>
+                                      </p:cBhvr>
+                                    </p:animEffect>
+                                  </p:childTnLst>
+                                </p:cTn>
+                              </p:par>
+                            </p:childTnLst>
+                          </p:cTn>
+                        </p:par>
+                      </p:childTnLst>
+                    </p:cTn>
+                  </p:par>
+                </p:childTnLst>
+              </p:cTn>
+              <p:prevCondLst>
+                <p:cond evt="onPrev" delay="0">
+                  <p:tgtEl>
+                    <p:sldTgt/>
+                  </p:tgtEl>
+                </p:cond>
+              </p:prevCondLst>
+              <p:nextCondLst>
+                <p:cond evt="onNext" delay="0">
+                  <p:tgtEl>
+                    <p:sldTgt/>
+                  </p:tgtEl>
+                </p:cond>
+              </p:nextCondLst>
+            </p:seq>
+          </p:childTnLst>
+        </p:cTn>
+      </p:par>
+    </p:tnLst>
+  </p:timing>
+</p:sld>
+</file>
+
+<file path=ppt/slides/slide9.xml><?xml version="1.0" encoding="utf-8"?>
+<p:sld xmlns:a="http://schemas.openxmlformats.org/drawingml/2006/main" xmlns:r="http://schemas.openxmlformats.org/officeDocument/2006/relationships" xmlns:p="http://schemas.openxmlformats.org/presentationml/2006/main">
+  <p:cSld>
+    <p:bg>
+      <p:bgPr>
+        <a:blipFill dpi="0" rotWithShape="1">
+          <a:blip r:embed="rId2">
+            <a:alphaModFix amt="20000"/>
+            <a:lum/>
+          </a:blip>
+          <a:srcRect/>
+          <a:stretch>
+            <a:fillRect l="-1000" r="-1000"/>
+          </a:stretch>
+        </a:blipFill>
+        <a:effectLst/>
+      </p:bgPr>
+    </p:bg>
+    <p:spTree>
+      <p:nvGrpSpPr>
+        <p:cNvPr id="1" name=""/>
+        <p:cNvGrpSpPr/>
+        <p:nvPr/>
+      </p:nvGrpSpPr>
+      <p:grpSpPr>
+        <a:xfrm>
+          <a:off x="0" y="0"/>
+          <a:ext cx="0" cy="0"/>
+          <a:chOff x="0" y="0"/>
+          <a:chExt cx="0" cy="0"/>
+        </a:xfrm>
+      </p:grpSpPr>
+      <p:sp>
+        <p:nvSpPr>
+          <p:cNvPr id="2" name="Titre 1"/>
+          <p:cNvSpPr>
+            <a:spLocks noGrp="1"/>
+          </p:cNvSpPr>
+          <p:nvPr>
+            <p:ph type="title"/>
+          </p:nvPr>
+        </p:nvSpPr>
+        <p:spPr/>
+        <p:txBody>
+          <a:bodyPr/>
+          <a:lstStyle/>
+          <a:p>
+            <a:pPr algn="ctr"/>
+            <a:r>
+              <a:rPr lang="fr-FR" dirty="0">
+                <a:solidFill>
+                  <a:schemeClr val="tx2">
+                    <a:lumMod val="10000"/>
+                  </a:schemeClr>
+                </a:solidFill>
+                <a:latin typeface="Arial Rounded MT Bold" panose="020F0704030504030204" pitchFamily="34" charset="0"/>
+              </a:rPr>
+              <a:t>Information and communication </a:t>
+            </a:r>
+            <a:r>
+              <a:rPr lang="fr-FR" dirty="0" err="1">
+                <a:solidFill>
+                  <a:schemeClr val="tx2">
+                    <a:lumMod val="10000"/>
+                  </a:schemeClr>
+                </a:solidFill>
+                <a:latin typeface="Arial Rounded MT Bold" panose="020F0704030504030204" pitchFamily="34" charset="0"/>
+              </a:rPr>
+              <a:t>technology</a:t>
+            </a:r>
+            <a:r>
+              <a:rPr lang="fr-FR" dirty="0">
+                <a:solidFill>
+                  <a:schemeClr val="tx2">
+                    <a:lumMod val="10000"/>
+                  </a:schemeClr>
+                </a:solidFill>
+                <a:latin typeface="Arial Rounded MT Bold" panose="020F0704030504030204" pitchFamily="34" charset="0"/>
+              </a:rPr>
+              <a:t> </a:t>
+            </a:r>
+            <a:endParaRPr lang="en-US" dirty="0">
+              <a:solidFill>
+                <a:schemeClr val="tx2">
+                  <a:lumMod val="10000"/>
+                </a:schemeClr>
+              </a:solidFill>
+              <a:latin typeface="Arial Rounded MT Bold" panose="020F0704030504030204" pitchFamily="34" charset="0"/>
+            </a:endParaRPr>
+          </a:p>
+        </p:txBody>
+      </p:sp>
+      <p:sp>
+        <p:nvSpPr>
+          <p:cNvPr id="3" name="Espace réservé du contenu 2"/>
+          <p:cNvSpPr>
+            <a:spLocks noGrp="1"/>
+          </p:cNvSpPr>
+          <p:nvPr>
+            <p:ph idx="1"/>
+          </p:nvPr>
+        </p:nvSpPr>
+        <p:spPr>
+          <a:xfrm>
+            <a:off x="838200" y="1825625"/>
+            <a:ext cx="10515600" cy="4556702"/>
+          </a:xfrm>
+        </p:spPr>
+        <p:txBody>
+          <a:bodyPr>
+            <a:normAutofit/>
+          </a:bodyPr>
+          <a:lstStyle/>
+          <a:p>
+            <a:pPr marL="0" indent="0" algn="ctr">
+              <a:buNone/>
+            </a:pPr>
+            <a:br>
+              <a:rPr lang="en-US" dirty="0"/>
+            </a:br>
+            <a:r>
+              <a:rPr lang="en-US" sz="3600" b="1" dirty="0">
+                <a:solidFill>
+                  <a:schemeClr val="accent1">
+                    <a:lumMod val="60000"/>
+                    <a:lumOff val="40000"/>
+                  </a:schemeClr>
+                </a:solidFill>
+              </a:rPr>
+              <a:t>the content </a:t>
+            </a:r>
+            <a:endParaRPr lang="fr-FR" sz="3200" b="1" dirty="0">
+              <a:solidFill>
+                <a:schemeClr val="accent1">
+                  <a:lumMod val="60000"/>
+                  <a:lumOff val="40000"/>
+                </a:schemeClr>
+              </a:solidFill>
+            </a:endParaRPr>
+          </a:p>
+          <a:p>
+            <a:pPr marL="514350" indent="-514350">
+              <a:buFont typeface="+mj-lt"/>
+              <a:buAutoNum type="arabicPeriod"/>
+            </a:pPr>
+            <a:r>
+              <a:rPr lang="en-US" sz="2400" dirty="0">
+                <a:solidFill>
+                  <a:schemeClr val="tx2">
+                    <a:lumMod val="10000"/>
+                  </a:schemeClr>
+                </a:solidFill>
+              </a:rPr>
+              <a:t>Introduction</a:t>
+            </a:r>
+          </a:p>
+          <a:p>
+            <a:pPr marL="514350" indent="-514350">
+              <a:buFont typeface="+mj-lt"/>
+              <a:buAutoNum type="arabicPeriod"/>
+            </a:pPr>
+            <a:r>
+              <a:rPr lang="en-US" sz="2400" dirty="0">
+                <a:solidFill>
+                  <a:schemeClr val="tx2">
+                    <a:lumMod val="10000"/>
+                  </a:schemeClr>
+                </a:solidFill>
+              </a:rPr>
+              <a:t>What is ICT ?</a:t>
+            </a:r>
+          </a:p>
+          <a:p>
+            <a:pPr marL="514350" indent="-514350">
+              <a:buFont typeface="+mj-lt"/>
+              <a:buAutoNum type="arabicPeriod"/>
+            </a:pPr>
+            <a:r>
+              <a:rPr lang="en-US" sz="2400" dirty="0">
+                <a:solidFill>
+                  <a:schemeClr val="tx2">
+                    <a:lumMod val="10000"/>
+                  </a:schemeClr>
+                </a:solidFill>
+              </a:rPr>
+              <a:t>History</a:t>
+            </a:r>
+          </a:p>
+          <a:p>
+            <a:pPr marL="514350" indent="-514350">
+              <a:buFont typeface="+mj-lt"/>
+              <a:buAutoNum type="arabicPeriod"/>
+            </a:pPr>
+            <a:r>
+              <a:rPr lang="en-US" sz="2400" b="1" dirty="0">
+                <a:solidFill>
+                  <a:schemeClr val="tx2">
+                    <a:lumMod val="10000"/>
+                  </a:schemeClr>
+                </a:solidFill>
+              </a:rPr>
+              <a:t>Benefits of ICT</a:t>
+            </a:r>
+          </a:p>
+          <a:p>
+            <a:pPr marL="514350" indent="-514350">
+              <a:buFont typeface="+mj-lt"/>
+              <a:buAutoNum type="arabicPeriod"/>
+            </a:pPr>
+            <a:r>
+              <a:rPr lang="en-US" sz="2400" dirty="0">
+                <a:solidFill>
+                  <a:schemeClr val="tx2">
+                    <a:lumMod val="10000"/>
+                  </a:schemeClr>
+                </a:solidFill>
+              </a:rPr>
+              <a:t>Disadvantages of ICT</a:t>
+            </a:r>
+          </a:p>
+          <a:p>
+            <a:pPr marL="514350" indent="-514350">
+              <a:buFont typeface="+mj-lt"/>
+              <a:buAutoNum type="arabicPeriod"/>
+            </a:pPr>
+            <a:r>
+              <a:rPr lang="en-US" sz="2400" dirty="0">
+                <a:solidFill>
+                  <a:schemeClr val="tx2">
+                    <a:lumMod val="10000"/>
+                  </a:schemeClr>
+                </a:solidFill>
+              </a:rPr>
+              <a:t>Information on ICT policies and regulation</a:t>
+            </a:r>
+            <a:endParaRPr lang="en-US" sz="3200" dirty="0">
+              <a:solidFill>
+                <a:schemeClr val="tx2">
+                  <a:lumMod val="10000"/>
+                </a:schemeClr>
+              </a:solidFill>
+            </a:endParaRPr>
+          </a:p>
+        </p:txBody>
+      </p:sp>
+    </p:spTree>
+    <p:extLst>
+      <p:ext uri="{BB962C8B-B14F-4D97-AF65-F5344CB8AC3E}">
+        <p14:creationId xmlns:p14="http://schemas.microsoft.com/office/powerpoint/2010/main" val="698475873"/>
+      </p:ext>
+    </p:extLst>
+  </p:cSld>
+  <p:clrMapOvr>
+    <a:masterClrMapping/>
+  </p:clrMapOvr>
+  <mc:AlternateContent xmlns:mc="http://schemas.openxmlformats.org/markup-compatibility/2006">
+    <mc:Choice xmlns:p14="http://schemas.microsoft.com/office/powerpoint/2010/main" Requires="p14">
+      <p:transition spd="slow" p14:dur="1500" advTm="7000">
+        <p:split orient="vert"/>
+      </p:transition>
+    </mc:Choice>
+    <mc:Fallback>
+      <p:transition spd="slow" advTm="7000">
+        <p:split orient="vert"/>
+      </p:transition>
+    </mc:Fallback>
+  </mc:AlternateContent>
+</p:sld>
+</file>
+
 <file path=ppt/theme/theme1.xml><?xml version="1.0" encoding="utf-8"?>
 <a:theme xmlns:a="http://schemas.openxmlformats.org/drawingml/2006/main" name="Ion">
   <a:themeElements>
